--- a/Presentations/NOBUGS 2012/Posters/Deep Integration With Python/Deep Integration With Python.pptx
+++ b/Presentations/NOBUGS 2012/Posters/Deep Integration With Python/Deep Integration With Python.pptx
@@ -11,7 +11,7 @@
     <p:sldId id="256" r:id="rId6"/>
   </p:sldIdLst>
   <p:sldSz cx="30238700" cy="42803763"/>
-  <p:notesSz cx="6858000" cy="9144000"/>
+  <p:notesSz cx="6797675" cy="9928225"/>
   <p:defaultTextStyle>
     <a:defPPr>
       <a:defRPr lang="en-US"/>
@@ -175,7 +175,7 @@
         <p:spPr>
           <a:xfrm>
             <a:off x="0" y="0"/>
-            <a:ext cx="2971800" cy="457200"/>
+            <a:ext cx="2945659" cy="496411"/>
           </a:xfrm>
           <a:prstGeom prst="rect">
             <a:avLst/>
@@ -205,8 +205,8 @@
         </p:nvSpPr>
         <p:spPr>
           <a:xfrm>
-            <a:off x="3884613" y="0"/>
-            <a:ext cx="2971800" cy="457200"/>
+            <a:off x="3850443" y="0"/>
+            <a:ext cx="2945659" cy="496411"/>
           </a:xfrm>
           <a:prstGeom prst="rect">
             <a:avLst/>
@@ -223,7 +223,7 @@
             <a:fld id="{376B4F07-E738-4DFD-883D-BE3839CD703B}" type="datetimeFigureOut">
               <a:rPr lang="en-GB" smtClean="0"/>
               <a:pPr/>
-              <a:t>28/08/2012</a:t>
+              <a:t>13/09/2012</a:t>
             </a:fld>
             <a:endParaRPr lang="en-GB"/>
           </a:p>
@@ -241,8 +241,8 @@
         </p:nvSpPr>
         <p:spPr>
           <a:xfrm>
-            <a:off x="2217738" y="685800"/>
-            <a:ext cx="2422525" cy="3429000"/>
+            <a:off x="2084388" y="744538"/>
+            <a:ext cx="2628900" cy="3722687"/>
           </a:xfrm>
           <a:prstGeom prst="rect">
             <a:avLst/>
@@ -274,8 +274,8 @@
         </p:nvSpPr>
         <p:spPr>
           <a:xfrm>
-            <a:off x="685800" y="4343400"/>
-            <a:ext cx="5486400" cy="4114800"/>
+            <a:off x="679768" y="4715907"/>
+            <a:ext cx="5438140" cy="4467701"/>
           </a:xfrm>
           <a:prstGeom prst="rect">
             <a:avLst/>
@@ -336,8 +336,8 @@
         </p:nvSpPr>
         <p:spPr>
           <a:xfrm>
-            <a:off x="0" y="8685213"/>
-            <a:ext cx="2971800" cy="457200"/>
+            <a:off x="0" y="9430091"/>
+            <a:ext cx="2945659" cy="496411"/>
           </a:xfrm>
           <a:prstGeom prst="rect">
             <a:avLst/>
@@ -367,8 +367,8 @@
         </p:nvSpPr>
         <p:spPr>
           <a:xfrm>
-            <a:off x="3884613" y="8685213"/>
-            <a:ext cx="2971800" cy="457200"/>
+            <a:off x="3850443" y="9430091"/>
+            <a:ext cx="2945659" cy="496411"/>
           </a:xfrm>
           <a:prstGeom prst="rect">
             <a:avLst/>
@@ -2309,7 +2309,6 @@
               <a:rPr lang="en-US" smtClean="0"/>
               <a:t>Click to edit Master title style</a:t>
             </a:r>
-            <a:endParaRPr lang="en-US" smtClean="0"/>
           </a:p>
         </p:txBody>
       </p:sp>
@@ -2380,7 +2379,6 @@
               <a:rPr lang="en-US" smtClean="0"/>
               <a:t>Fifth level</a:t>
             </a:r>
-            <a:endParaRPr lang="en-US" smtClean="0"/>
           </a:p>
         </p:txBody>
       </p:sp>
@@ -3102,16 +3100,17 @@
           <p:nvPr/>
         </p:nvGraphicFramePr>
         <p:xfrm>
-          <a:off x="1066800" y="8610600"/>
-          <a:ext cx="28454150" cy="29489400"/>
+          <a:off x="1005782" y="8610600"/>
+          <a:ext cx="28515169" cy="33479232"/>
         </p:xfrm>
         <a:graphic>
           <a:graphicData uri="http://schemas.openxmlformats.org/drawingml/2006/table">
             <a:tbl>
               <a:tblPr/>
               <a:tblGrid>
-                <a:gridCol w="14052550"/>
-                <a:gridCol w="14401600"/>
+                <a:gridCol w="13393488"/>
+                <a:gridCol w="1296144"/>
+                <a:gridCol w="13825537"/>
               </a:tblGrid>
               <a:tr h="29489400">
                 <a:tc>
@@ -3171,618 +3170,19 @@
                           <a:solidFill>
                             <a:schemeClr val="tx1"/>
                           </a:solidFill>
-                          <a:latin typeface="+mn-lt"/>
-                          <a:ea typeface="+mn-ea"/>
-                          <a:cs typeface="+mn-cs"/>
+                          <a:latin typeface="Arial" pitchFamily="34" charset="0"/>
+                          <a:ea typeface="+mn-ea"/>
+                          <a:cs typeface="Arial" pitchFamily="34" charset="0"/>
                         </a:rPr>
                         <a:t>Mantid version 1.x contained a Python API that provided users with the ability to automate their reduction tasks but the API was not the most intuitive to use. While Mantid was gaining ground in usage across ISIS &amp; ORNL a consultation was started with existing users with the aim of improving the long-term usability of the interface. Mantid version 2.0 saw the introduction of a new Python interface that retains the abilities to let users write complex processing scripts that mix the Mantid API with any available Python package. </a:t>
                       </a:r>
-                    </a:p>
-                    <a:p>
                       <a:endParaRPr lang="en-GB" sz="2400" kern="1200" dirty="0" smtClean="0">
                         <a:solidFill>
                           <a:schemeClr val="tx1"/>
                         </a:solidFill>
-                        <a:latin typeface="+mn-lt"/>
+                        <a:latin typeface="Arial" pitchFamily="34" charset="0"/>
                         <a:ea typeface="+mn-ea"/>
-                        <a:cs typeface="+mn-cs"/>
-                      </a:endParaRPr>
-                    </a:p>
-                    <a:p>
-                      <a:endParaRPr lang="en-GB" sz="2400" kern="1200" dirty="0" smtClean="0">
-                        <a:solidFill>
-                          <a:schemeClr val="tx1"/>
-                        </a:solidFill>
-                        <a:latin typeface="+mn-lt"/>
-                        <a:ea typeface="+mn-ea"/>
-                        <a:cs typeface="+mn-cs"/>
-                      </a:endParaRPr>
-                    </a:p>
-                    <a:p>
-                      <a:endParaRPr lang="en-GB" sz="2400" kern="1200" dirty="0" smtClean="0">
-                        <a:solidFill>
-                          <a:schemeClr val="tx1"/>
-                        </a:solidFill>
-                        <a:latin typeface="+mn-lt"/>
-                        <a:ea typeface="+mn-ea"/>
-                        <a:cs typeface="+mn-cs"/>
-                      </a:endParaRPr>
-                    </a:p>
-                    <a:p>
-                      <a:endParaRPr lang="en-GB" sz="2400" kern="1200" dirty="0" smtClean="0">
-                        <a:solidFill>
-                          <a:schemeClr val="tx1"/>
-                        </a:solidFill>
-                        <a:latin typeface="+mn-lt"/>
-                        <a:ea typeface="+mn-ea"/>
-                        <a:cs typeface="+mn-cs"/>
-                      </a:endParaRPr>
-                    </a:p>
-                    <a:p>
-                      <a:endParaRPr lang="en-GB" sz="2400" kern="1200" dirty="0" smtClean="0">
-                        <a:solidFill>
-                          <a:schemeClr val="tx1"/>
-                        </a:solidFill>
-                        <a:latin typeface="+mn-lt"/>
-                        <a:ea typeface="+mn-ea"/>
-                        <a:cs typeface="+mn-cs"/>
-                      </a:endParaRPr>
-                    </a:p>
-                    <a:p>
-                      <a:endParaRPr lang="en-GB" sz="2400" kern="1200" dirty="0" smtClean="0">
-                        <a:solidFill>
-                          <a:schemeClr val="tx1"/>
-                        </a:solidFill>
-                        <a:latin typeface="+mn-lt"/>
-                        <a:ea typeface="+mn-ea"/>
-                        <a:cs typeface="+mn-cs"/>
-                      </a:endParaRPr>
-                    </a:p>
-                    <a:p>
-                      <a:endParaRPr lang="en-GB" sz="2400" kern="1200" dirty="0" smtClean="0">
-                        <a:solidFill>
-                          <a:schemeClr val="tx1"/>
-                        </a:solidFill>
-                        <a:latin typeface="+mn-lt"/>
-                        <a:ea typeface="+mn-ea"/>
-                        <a:cs typeface="+mn-cs"/>
-                      </a:endParaRPr>
-                    </a:p>
-                    <a:p>
-                      <a:endParaRPr lang="en-GB" sz="2400" kern="1200" dirty="0" smtClean="0">
-                        <a:solidFill>
-                          <a:schemeClr val="tx1"/>
-                        </a:solidFill>
-                        <a:latin typeface="+mn-lt"/>
-                        <a:ea typeface="+mn-ea"/>
-                        <a:cs typeface="+mn-cs"/>
-                      </a:endParaRPr>
-                    </a:p>
-                    <a:p>
-                      <a:endParaRPr lang="en-GB" sz="2400" kern="1200" dirty="0" smtClean="0">
-                        <a:solidFill>
-                          <a:schemeClr val="tx1"/>
-                        </a:solidFill>
-                        <a:latin typeface="+mn-lt"/>
-                        <a:ea typeface="+mn-ea"/>
-                        <a:cs typeface="+mn-cs"/>
-                      </a:endParaRPr>
-                    </a:p>
-                    <a:p>
-                      <a:endParaRPr lang="en-GB" sz="2400" kern="1200" dirty="0" smtClean="0">
-                        <a:solidFill>
-                          <a:schemeClr val="tx1"/>
-                        </a:solidFill>
-                        <a:latin typeface="+mn-lt"/>
-                        <a:ea typeface="+mn-ea"/>
-                        <a:cs typeface="+mn-cs"/>
-                      </a:endParaRPr>
-                    </a:p>
-                    <a:p>
-                      <a:endParaRPr lang="en-GB" sz="2400" kern="1200" dirty="0" smtClean="0">
-                        <a:solidFill>
-                          <a:schemeClr val="tx1"/>
-                        </a:solidFill>
-                        <a:latin typeface="+mn-lt"/>
-                        <a:ea typeface="+mn-ea"/>
-                        <a:cs typeface="+mn-cs"/>
-                      </a:endParaRPr>
-                    </a:p>
-                    <a:p>
-                      <a:endParaRPr lang="en-GB" sz="2400" kern="1200" dirty="0" smtClean="0">
-                        <a:solidFill>
-                          <a:schemeClr val="tx1"/>
-                        </a:solidFill>
-                        <a:latin typeface="+mn-lt"/>
-                        <a:ea typeface="+mn-ea"/>
-                        <a:cs typeface="+mn-cs"/>
-                      </a:endParaRPr>
-                    </a:p>
-                    <a:p>
-                      <a:endParaRPr lang="en-GB" sz="2400" kern="1200" dirty="0" smtClean="0">
-                        <a:solidFill>
-                          <a:schemeClr val="tx1"/>
-                        </a:solidFill>
-                        <a:latin typeface="+mn-lt"/>
-                        <a:ea typeface="+mn-ea"/>
-                        <a:cs typeface="+mn-cs"/>
-                      </a:endParaRPr>
-                    </a:p>
-                    <a:p>
-                      <a:endParaRPr lang="en-GB" sz="2400" kern="1200" dirty="0" smtClean="0">
-                        <a:solidFill>
-                          <a:schemeClr val="tx1"/>
-                        </a:solidFill>
-                        <a:latin typeface="+mn-lt"/>
-                        <a:ea typeface="+mn-ea"/>
-                        <a:cs typeface="+mn-cs"/>
-                      </a:endParaRPr>
-                    </a:p>
-                    <a:p>
-                      <a:endParaRPr lang="en-GB" sz="2400" kern="1200" dirty="0" smtClean="0">
-                        <a:solidFill>
-                          <a:schemeClr val="tx1"/>
-                        </a:solidFill>
-                        <a:latin typeface="+mn-lt"/>
-                        <a:ea typeface="+mn-ea"/>
-                        <a:cs typeface="+mn-cs"/>
-                      </a:endParaRPr>
-                    </a:p>
-                    <a:p>
-                      <a:endParaRPr lang="en-GB" sz="2400" kern="1200" dirty="0" smtClean="0">
-                        <a:solidFill>
-                          <a:schemeClr val="tx1"/>
-                        </a:solidFill>
-                        <a:latin typeface="+mn-lt"/>
-                        <a:ea typeface="+mn-ea"/>
-                        <a:cs typeface="+mn-cs"/>
-                      </a:endParaRPr>
-                    </a:p>
-                    <a:p>
-                      <a:pPr algn="ctr"/>
-                      <a:endParaRPr lang="en-GB" sz="2400" i="1" kern="1200" dirty="0" smtClean="0">
-                        <a:solidFill>
-                          <a:schemeClr val="tx1"/>
-                        </a:solidFill>
-                        <a:latin typeface="Corisande"/>
-                        <a:ea typeface="+mn-ea"/>
-                        <a:cs typeface="+mn-cs"/>
-                      </a:endParaRPr>
-                    </a:p>
-                    <a:p>
-                      <a:pPr algn="ctr"/>
-                      <a:endParaRPr lang="en-GB" sz="2400" i="1" kern="1200" dirty="0" smtClean="0">
-                        <a:solidFill>
-                          <a:schemeClr val="tx1"/>
-                        </a:solidFill>
-                        <a:latin typeface="Corisande"/>
-                        <a:ea typeface="+mn-ea"/>
-                        <a:cs typeface="+mn-cs"/>
-                      </a:endParaRPr>
-                    </a:p>
-                    <a:p>
-                      <a:pPr algn="ctr"/>
-                      <a:endParaRPr lang="en-GB" sz="2400" i="1" kern="1200" dirty="0" smtClean="0">
-                        <a:solidFill>
-                          <a:schemeClr val="tx1"/>
-                        </a:solidFill>
-                        <a:latin typeface="Corisande"/>
-                        <a:ea typeface="+mn-ea"/>
-                        <a:cs typeface="+mn-cs"/>
-                      </a:endParaRPr>
-                    </a:p>
-                    <a:p>
-                      <a:pPr algn="ctr"/>
-                      <a:endParaRPr lang="en-GB" sz="2400" i="1" kern="1200" dirty="0" smtClean="0">
-                        <a:solidFill>
-                          <a:schemeClr val="tx1"/>
-                        </a:solidFill>
-                        <a:latin typeface="Corisande"/>
-                        <a:ea typeface="+mn-ea"/>
-                        <a:cs typeface="+mn-cs"/>
-                      </a:endParaRPr>
-                    </a:p>
-                    <a:p>
-                      <a:pPr algn="ctr"/>
-                      <a:r>
-                        <a:rPr lang="en-GB" sz="2400" i="1" kern="1200" dirty="0" smtClean="0">
-                          <a:solidFill>
-                            <a:schemeClr val="tx1"/>
-                          </a:solidFill>
-                          <a:latin typeface="Corisande"/>
-                          <a:ea typeface="+mn-ea"/>
-                          <a:cs typeface="+mn-cs"/>
-                        </a:rPr>
-                        <a:t>Snapshot</a:t>
-                      </a:r>
-                      <a:r>
-                        <a:rPr lang="en-GB" sz="2400" i="1" kern="1200" baseline="0" dirty="0" smtClean="0">
-                          <a:solidFill>
-                            <a:schemeClr val="tx1"/>
-                          </a:solidFill>
-                          <a:latin typeface="Corisande"/>
-                          <a:ea typeface="+mn-ea"/>
-                          <a:cs typeface="+mn-cs"/>
-                        </a:rPr>
-                        <a:t> of reduction script inside embedded Python interpreter/editor within </a:t>
-                      </a:r>
-                      <a:r>
-                        <a:rPr lang="en-GB" sz="2400" i="1" kern="1200" baseline="0" dirty="0" err="1" smtClean="0">
-                          <a:solidFill>
-                            <a:schemeClr val="tx1"/>
-                          </a:solidFill>
-                          <a:latin typeface="Corisande"/>
-                          <a:ea typeface="+mn-ea"/>
-                          <a:cs typeface="+mn-cs"/>
-                        </a:rPr>
-                        <a:t>MantidPlot</a:t>
-                      </a:r>
-                      <a:endParaRPr lang="en-GB" sz="2400" i="1" kern="1200" dirty="0" smtClean="0">
-                        <a:solidFill>
-                          <a:schemeClr val="tx1"/>
-                        </a:solidFill>
-                        <a:latin typeface="Corisande"/>
-                        <a:ea typeface="+mn-ea"/>
-                        <a:cs typeface="+mn-cs"/>
-                      </a:endParaRPr>
-                    </a:p>
-                    <a:p>
-                      <a:endParaRPr lang="en-GB" sz="2400" kern="1200" dirty="0" smtClean="0">
-                        <a:solidFill>
-                          <a:schemeClr val="tx1"/>
-                        </a:solidFill>
-                        <a:latin typeface="+mn-lt"/>
-                        <a:ea typeface="+mn-ea"/>
-                        <a:cs typeface="+mn-cs"/>
-                      </a:endParaRPr>
-                    </a:p>
-                    <a:p>
-                      <a:endParaRPr lang="en-GB" sz="2400" kern="1200" dirty="0" smtClean="0">
-                        <a:solidFill>
-                          <a:schemeClr val="tx1"/>
-                        </a:solidFill>
-                        <a:latin typeface="+mn-lt"/>
-                        <a:ea typeface="+mn-ea"/>
-                        <a:cs typeface="+mn-cs"/>
-                      </a:endParaRPr>
-                    </a:p>
-                    <a:p>
-                      <a:r>
-                        <a:rPr lang="en-GB" sz="2400" kern="1200" dirty="0" smtClean="0">
-                          <a:solidFill>
-                            <a:schemeClr val="tx1"/>
-                          </a:solidFill>
-                          <a:latin typeface="+mn-lt"/>
-                          <a:ea typeface="+mn-ea"/>
-                          <a:cs typeface="+mn-cs"/>
-                        </a:rPr>
-                        <a:t>While the new API is simpler and more intuitive it</a:t>
-                      </a:r>
-                      <a:r>
-                        <a:rPr lang="en-GB" sz="2400" kern="1200" baseline="0" dirty="0" smtClean="0">
-                          <a:solidFill>
-                            <a:schemeClr val="tx1"/>
-                          </a:solidFill>
-                          <a:latin typeface="+mn-lt"/>
-                          <a:ea typeface="+mn-ea"/>
-                          <a:cs typeface="+mn-cs"/>
-                        </a:rPr>
-                        <a:t> also has a much improved backend interface to the Mantid C++ libraries. </a:t>
-                      </a:r>
-                      <a:r>
-                        <a:rPr lang="en-GB" sz="2400" kern="1200" dirty="0" smtClean="0">
-                          <a:solidFill>
-                            <a:schemeClr val="tx1"/>
-                          </a:solidFill>
-                          <a:latin typeface="+mn-lt"/>
-                          <a:ea typeface="+mn-ea"/>
-                          <a:cs typeface="+mn-cs"/>
-                        </a:rPr>
-                        <a:t>Examples of such improvements</a:t>
-                      </a:r>
-                      <a:r>
-                        <a:rPr lang="en-GB" sz="2400" kern="1200" baseline="0" dirty="0" smtClean="0">
-                          <a:solidFill>
-                            <a:schemeClr val="tx1"/>
-                          </a:solidFill>
-                          <a:latin typeface="+mn-lt"/>
-                          <a:ea typeface="+mn-ea"/>
-                          <a:cs typeface="+mn-cs"/>
-                        </a:rPr>
-                        <a:t> </a:t>
-                      </a:r>
-                      <a:r>
-                        <a:rPr lang="en-GB" sz="2400" kern="1200" dirty="0" smtClean="0">
-                          <a:solidFill>
-                            <a:schemeClr val="tx1"/>
-                          </a:solidFill>
-                          <a:latin typeface="+mn-lt"/>
-                          <a:ea typeface="+mn-ea"/>
-                          <a:cs typeface="+mn-cs"/>
-                        </a:rPr>
-                        <a:t>are:</a:t>
-                      </a:r>
-                    </a:p>
-                    <a:p>
-                      <a:pPr>
-                        <a:buFont typeface="Arial" pitchFamily="34" charset="0"/>
-                        <a:buChar char="•"/>
-                      </a:pPr>
-                      <a:r>
-                        <a:rPr lang="en-GB" sz="2400" kern="1200" baseline="0" dirty="0" smtClean="0">
-                          <a:solidFill>
-                            <a:schemeClr val="tx1"/>
-                          </a:solidFill>
-                          <a:latin typeface="+mn-lt"/>
-                          <a:ea typeface="+mn-ea"/>
-                          <a:cs typeface="+mn-cs"/>
-                        </a:rPr>
-                        <a:t>  direct translation from Python types to C types without going via strings</a:t>
-                      </a:r>
-                    </a:p>
-                    <a:p>
-                      <a:pPr>
-                        <a:buFont typeface="Arial" pitchFamily="34" charset="0"/>
-                        <a:buChar char="•"/>
-                      </a:pPr>
-                      <a:r>
-                        <a:rPr lang="en-GB" sz="2400" kern="1200" baseline="0" dirty="0" smtClean="0">
-                          <a:solidFill>
-                            <a:schemeClr val="tx1"/>
-                          </a:solidFill>
-                          <a:latin typeface="+mn-lt"/>
-                          <a:ea typeface="+mn-ea"/>
-                          <a:cs typeface="+mn-cs"/>
-                        </a:rPr>
-                        <a:t>  w</a:t>
-                      </a:r>
-                      <a:r>
-                        <a:rPr lang="en-GB" sz="2400" kern="1200" dirty="0" smtClean="0">
-                          <a:solidFill>
-                            <a:schemeClr val="tx1"/>
-                          </a:solidFill>
-                          <a:latin typeface="+mn-lt"/>
-                          <a:ea typeface="+mn-ea"/>
-                          <a:cs typeface="+mn-cs"/>
-                        </a:rPr>
-                        <a:t>rapping of Mantid arrays with </a:t>
-                      </a:r>
-                      <a:r>
-                        <a:rPr lang="en-GB" sz="2400" kern="1200" dirty="0" err="1" smtClean="0">
-                          <a:solidFill>
-                            <a:schemeClr val="tx1"/>
-                          </a:solidFill>
-                          <a:latin typeface="+mn-lt"/>
-                          <a:ea typeface="+mn-ea"/>
-                          <a:cs typeface="+mn-cs"/>
-                        </a:rPr>
-                        <a:t>NumPy</a:t>
-                      </a:r>
-                      <a:r>
-                        <a:rPr lang="en-GB" sz="2400" kern="1200" dirty="0" smtClean="0">
-                          <a:solidFill>
-                            <a:schemeClr val="tx1"/>
-                          </a:solidFill>
-                          <a:latin typeface="+mn-lt"/>
-                          <a:ea typeface="+mn-ea"/>
-                          <a:cs typeface="+mn-cs"/>
-                        </a:rPr>
-                        <a:t> at the C++ level to avoid excessive copying when accessing data</a:t>
-                      </a:r>
-                    </a:p>
-                    <a:p>
-                      <a:pPr>
-                        <a:buFont typeface="Arial" pitchFamily="34" charset="0"/>
-                        <a:buChar char="•"/>
-                      </a:pPr>
-                      <a:r>
-                        <a:rPr lang="en-GB" sz="2400" kern="1200" baseline="0" dirty="0" smtClean="0">
-                          <a:solidFill>
-                            <a:schemeClr val="tx1"/>
-                          </a:solidFill>
-                          <a:latin typeface="+mn-lt"/>
-                          <a:ea typeface="+mn-ea"/>
-                          <a:cs typeface="+mn-cs"/>
-                        </a:rPr>
-                        <a:t>  c</a:t>
-                      </a:r>
-                      <a:r>
-                        <a:rPr lang="en-GB" sz="2400" kern="1200" dirty="0" smtClean="0">
-                          <a:solidFill>
-                            <a:schemeClr val="tx1"/>
-                          </a:solidFill>
-                          <a:latin typeface="+mn-lt"/>
-                          <a:ea typeface="+mn-ea"/>
-                          <a:cs typeface="+mn-cs"/>
-                        </a:rPr>
-                        <a:t>onverting C++ types to Python types using the Python C API, i.e. C++</a:t>
-                      </a:r>
-                      <a:r>
-                        <a:rPr lang="en-GB" sz="2400" kern="1200" baseline="0" dirty="0" smtClean="0">
-                          <a:solidFill>
-                            <a:schemeClr val="tx1"/>
-                          </a:solidFill>
-                          <a:latin typeface="+mn-lt"/>
-                          <a:ea typeface="+mn-ea"/>
-                          <a:cs typeface="+mn-cs"/>
-                        </a:rPr>
-                        <a:t> map </a:t>
-                      </a:r>
-                      <a:r>
-                        <a:rPr lang="en-GB" sz="2400" kern="1200" dirty="0" smtClean="0">
-                          <a:solidFill>
-                            <a:schemeClr val="tx1"/>
-                          </a:solidFill>
-                          <a:latin typeface="+mn-lt"/>
-                          <a:ea typeface="+mn-ea"/>
-                          <a:cs typeface="+mn-cs"/>
-                        </a:rPr>
-                        <a:t>→ Python dictionary</a:t>
-                      </a:r>
-                    </a:p>
-                    <a:p>
-                      <a:pPr>
-                        <a:buFont typeface="Arial" pitchFamily="34" charset="0"/>
-                        <a:buChar char="•"/>
-                      </a:pPr>
-                      <a:endParaRPr lang="en-GB" sz="2400" kern="1200" dirty="0" smtClean="0">
-                        <a:solidFill>
-                          <a:schemeClr val="tx1"/>
-                        </a:solidFill>
-                        <a:latin typeface="+mn-lt"/>
-                        <a:ea typeface="+mn-ea"/>
-                        <a:cs typeface="+mn-cs"/>
-                      </a:endParaRPr>
-                    </a:p>
-                    <a:p>
-                      <a:pPr>
-                        <a:buFont typeface="Arial" pitchFamily="34" charset="0"/>
-                        <a:buNone/>
-                      </a:pPr>
-                      <a:r>
-                        <a:rPr lang="en-GB" sz="5000" kern="1200" baseline="0" dirty="0" err="1" smtClean="0">
-                          <a:solidFill>
-                            <a:srgbClr val="002D55"/>
-                          </a:solidFill>
-                          <a:latin typeface="Corisande"/>
-                          <a:ea typeface="+mn-ea"/>
-                          <a:cs typeface="+mn-cs"/>
-                        </a:rPr>
-                        <a:t>NumPy</a:t>
-                      </a:r>
-                      <a:endParaRPr lang="en-GB" sz="5000" kern="1200" baseline="0" dirty="0" smtClean="0">
-                        <a:solidFill>
-                          <a:srgbClr val="002D55"/>
-                        </a:solidFill>
-                        <a:latin typeface="Corisande"/>
-                        <a:ea typeface="+mn-ea"/>
-                        <a:cs typeface="+mn-cs"/>
-                      </a:endParaRPr>
-                    </a:p>
-                    <a:p>
-                      <a:pPr>
-                        <a:buFont typeface="Arial" pitchFamily="34" charset="0"/>
-                        <a:buNone/>
-                      </a:pPr>
-                      <a:endParaRPr lang="en-GB" sz="2400" kern="1200" baseline="0" dirty="0" smtClean="0">
-                        <a:solidFill>
-                          <a:schemeClr val="tx1"/>
-                        </a:solidFill>
-                        <a:latin typeface="+mn-lt"/>
-                        <a:ea typeface="+mn-ea"/>
-                        <a:cs typeface="+mn-cs"/>
-                      </a:endParaRPr>
-                    </a:p>
-                    <a:p>
-                      <a:pPr>
-                        <a:buFont typeface="Arial" pitchFamily="34" charset="0"/>
-                        <a:buNone/>
-                      </a:pPr>
-                      <a:r>
-                        <a:rPr lang="en-GB" sz="2400" kern="1200" baseline="0" dirty="0" smtClean="0">
-                          <a:solidFill>
-                            <a:schemeClr val="tx1"/>
-                          </a:solidFill>
-                          <a:latin typeface="+mn-lt"/>
-                          <a:ea typeface="+mn-ea"/>
-                          <a:cs typeface="+mn-cs"/>
-                        </a:rPr>
-                        <a:t>The </a:t>
-                      </a:r>
-                      <a:r>
-                        <a:rPr lang="en-GB" sz="2400" kern="1200" baseline="0" dirty="0" err="1" smtClean="0">
-                          <a:solidFill>
-                            <a:schemeClr val="tx1"/>
-                          </a:solidFill>
-                          <a:latin typeface="+mn-lt"/>
-                          <a:ea typeface="+mn-ea"/>
-                          <a:cs typeface="+mn-cs"/>
-                        </a:rPr>
-                        <a:t>NumPy</a:t>
-                      </a:r>
-                      <a:r>
-                        <a:rPr lang="en-GB" sz="2400" kern="1200" baseline="0" dirty="0" smtClean="0">
-                          <a:solidFill>
-                            <a:schemeClr val="tx1"/>
-                          </a:solidFill>
-                          <a:latin typeface="+mn-lt"/>
-                          <a:ea typeface="+mn-ea"/>
-                          <a:cs typeface="+mn-cs"/>
-                        </a:rPr>
-                        <a:t> package provides a generic multi-dimensional array object along with a large number of pre-defined mathematical functions to act on these arrays. In addition to extensive functionality they are also much faster than Python lists when wishing to perform calculations on an entire dataset.</a:t>
-                      </a:r>
-                    </a:p>
-                    <a:p>
-                      <a:pPr>
-                        <a:buFont typeface="Arial" pitchFamily="34" charset="0"/>
-                        <a:buNone/>
-                      </a:pPr>
-                      <a:endParaRPr lang="en-GB" sz="2400" kern="1200" baseline="0" dirty="0" smtClean="0">
-                        <a:solidFill>
-                          <a:schemeClr val="tx1"/>
-                        </a:solidFill>
-                        <a:latin typeface="+mn-lt"/>
-                        <a:ea typeface="+mn-ea"/>
-                        <a:cs typeface="+mn-cs"/>
-                      </a:endParaRPr>
-                    </a:p>
-                    <a:p>
-                      <a:pPr>
-                        <a:buFont typeface="Arial" pitchFamily="34" charset="0"/>
-                        <a:buNone/>
-                      </a:pPr>
-                      <a:r>
-                        <a:rPr lang="en-GB" sz="2400" kern="1200" baseline="0" dirty="0" smtClean="0">
-                          <a:solidFill>
-                            <a:schemeClr val="tx1"/>
-                          </a:solidFill>
-                          <a:latin typeface="+mn-lt"/>
-                          <a:ea typeface="+mn-ea"/>
-                          <a:cs typeface="+mn-cs"/>
-                        </a:rPr>
-                        <a:t>In Mantid most users run a set of C++ algorithms to perform their reduction/analysis. Access to the “raw” data from each computation though is a must have. To provide this there are several solutions:</a:t>
-                      </a:r>
-                    </a:p>
-                    <a:p>
-                      <a:pPr>
-                        <a:buFont typeface="Arial" pitchFamily="34" charset="0"/>
-                        <a:buNone/>
-                      </a:pPr>
-                      <a:endParaRPr lang="en-GB" sz="2400" kern="1200" baseline="0" dirty="0" smtClean="0">
-                        <a:solidFill>
-                          <a:schemeClr val="tx1"/>
-                        </a:solidFill>
-                        <a:latin typeface="+mn-lt"/>
-                        <a:ea typeface="+mn-ea"/>
-                        <a:cs typeface="+mn-cs"/>
-                      </a:endParaRPr>
-                    </a:p>
-                    <a:p>
-                      <a:pPr>
-                        <a:buFont typeface="Arial" pitchFamily="34" charset="0"/>
-                        <a:buNone/>
-                      </a:pPr>
-                      <a:endParaRPr lang="en-GB" sz="2400" kern="1200" baseline="0" dirty="0" smtClean="0">
-                        <a:solidFill>
-                          <a:schemeClr val="tx1"/>
-                        </a:solidFill>
-                        <a:latin typeface="+mn-lt"/>
-                        <a:ea typeface="+mn-ea"/>
-                        <a:cs typeface="+mn-cs"/>
-                      </a:endParaRPr>
-                    </a:p>
-                    <a:p>
-                      <a:pPr>
-                        <a:buFont typeface="Arial" pitchFamily="34" charset="0"/>
-                        <a:buNone/>
-                      </a:pPr>
-                      <a:endParaRPr lang="en-GB" sz="2400" kern="1200" baseline="0" dirty="0" smtClean="0">
-                        <a:solidFill>
-                          <a:schemeClr val="tx1"/>
-                        </a:solidFill>
-                        <a:latin typeface="+mn-lt"/>
-                        <a:ea typeface="+mn-ea"/>
-                        <a:cs typeface="+mn-cs"/>
+                        <a:cs typeface="Arial" pitchFamily="34" charset="0"/>
                       </a:endParaRPr>
                     </a:p>
                     <a:p>
@@ -3802,15 +3202,12 @@
                         <a:buNone/>
                         <a:tabLst/>
                       </a:pPr>
-                      <a:endParaRPr kumimoji="0" lang="en-US" sz="2400" b="0" i="0" u="none" strike="noStrike" kern="0" cap="none" normalizeH="0" baseline="0" dirty="0" smtClean="0">
-                        <a:ln>
-                          <a:noFill/>
-                        </a:ln>
+                      <a:endParaRPr lang="en-GB" sz="2400" kern="1200" dirty="0" smtClean="0">
                         <a:solidFill>
                           <a:schemeClr val="tx1"/>
                         </a:solidFill>
-                        <a:effectLst/>
-                        <a:latin typeface="+mn-lt"/>
+                        <a:latin typeface="Arial" pitchFamily="34" charset="0"/>
+                        <a:ea typeface="+mn-ea"/>
                         <a:cs typeface="Arial" pitchFamily="34" charset="0"/>
                       </a:endParaRPr>
                     </a:p>
@@ -3831,15 +3228,12 @@
                         <a:buNone/>
                         <a:tabLst/>
                       </a:pPr>
-                      <a:endParaRPr kumimoji="0" lang="en-US" sz="2400" b="0" i="0" u="none" strike="noStrike" kern="0" cap="none" normalizeH="0" baseline="0" dirty="0" smtClean="0">
-                        <a:ln>
-                          <a:noFill/>
-                        </a:ln>
+                      <a:endParaRPr lang="en-GB" sz="2400" kern="1200" dirty="0" smtClean="0">
                         <a:solidFill>
                           <a:schemeClr val="tx1"/>
                         </a:solidFill>
-                        <a:effectLst/>
-                        <a:latin typeface="+mn-lt"/>
+                        <a:latin typeface="Arial" pitchFamily="34" charset="0"/>
+                        <a:ea typeface="+mn-ea"/>
                         <a:cs typeface="Arial" pitchFamily="34" charset="0"/>
                       </a:endParaRPr>
                     </a:p>
@@ -3860,17 +3254,446 @@
                         <a:buNone/>
                         <a:tabLst/>
                       </a:pPr>
-                      <a:endParaRPr kumimoji="0" lang="en-US" sz="2400" b="0" i="0" u="none" strike="noStrike" kern="0" cap="none" normalizeH="0" baseline="0" dirty="0" smtClean="0">
-                        <a:ln>
-                          <a:noFill/>
-                        </a:ln>
+                      <a:endParaRPr lang="en-GB" sz="2400" kern="1200" dirty="0" smtClean="0">
                         <a:solidFill>
                           <a:schemeClr val="tx1"/>
                         </a:solidFill>
-                        <a:effectLst/>
+                        <a:latin typeface="Arial" pitchFamily="34" charset="0"/>
+                        <a:ea typeface="+mn-ea"/>
+                        <a:cs typeface="Arial" pitchFamily="34" charset="0"/>
+                      </a:endParaRPr>
+                    </a:p>
+                    <a:p>
+                      <a:endParaRPr lang="en-GB" sz="2400" kern="1200" dirty="0" smtClean="0">
+                        <a:solidFill>
+                          <a:schemeClr val="tx1"/>
+                        </a:solidFill>
                         <a:latin typeface="+mn-lt"/>
-                        <a:cs typeface="Arial" pitchFamily="34" charset="0"/>
-                      </a:endParaRPr>
+                        <a:ea typeface="+mn-ea"/>
+                        <a:cs typeface="+mn-cs"/>
+                      </a:endParaRPr>
+                    </a:p>
+                    <a:p>
+                      <a:endParaRPr lang="en-GB" sz="2400" kern="1200" dirty="0" smtClean="0">
+                        <a:solidFill>
+                          <a:schemeClr val="tx1"/>
+                        </a:solidFill>
+                        <a:latin typeface="+mn-lt"/>
+                        <a:ea typeface="+mn-ea"/>
+                        <a:cs typeface="+mn-cs"/>
+                      </a:endParaRPr>
+                    </a:p>
+                    <a:p>
+                      <a:endParaRPr lang="en-GB" sz="2400" kern="1200" dirty="0" smtClean="0">
+                        <a:solidFill>
+                          <a:schemeClr val="tx1"/>
+                        </a:solidFill>
+                        <a:latin typeface="+mn-lt"/>
+                        <a:ea typeface="+mn-ea"/>
+                        <a:cs typeface="+mn-cs"/>
+                      </a:endParaRPr>
+                    </a:p>
+                    <a:p>
+                      <a:endParaRPr lang="en-GB" sz="2400" kern="1200" dirty="0" smtClean="0">
+                        <a:solidFill>
+                          <a:schemeClr val="tx1"/>
+                        </a:solidFill>
+                        <a:latin typeface="+mn-lt"/>
+                        <a:ea typeface="+mn-ea"/>
+                        <a:cs typeface="+mn-cs"/>
+                      </a:endParaRPr>
+                    </a:p>
+                    <a:p>
+                      <a:endParaRPr lang="en-GB" sz="2400" kern="1200" dirty="0" smtClean="0">
+                        <a:solidFill>
+                          <a:schemeClr val="tx1"/>
+                        </a:solidFill>
+                        <a:latin typeface="+mn-lt"/>
+                        <a:ea typeface="+mn-ea"/>
+                        <a:cs typeface="+mn-cs"/>
+                      </a:endParaRPr>
+                    </a:p>
+                    <a:p>
+                      <a:endParaRPr lang="en-GB" sz="2400" kern="1200" dirty="0" smtClean="0">
+                        <a:solidFill>
+                          <a:schemeClr val="tx1"/>
+                        </a:solidFill>
+                        <a:latin typeface="+mn-lt"/>
+                        <a:ea typeface="+mn-ea"/>
+                        <a:cs typeface="+mn-cs"/>
+                      </a:endParaRPr>
+                    </a:p>
+                    <a:p>
+                      <a:endParaRPr lang="en-GB" sz="2400" kern="1200" dirty="0" smtClean="0">
+                        <a:solidFill>
+                          <a:schemeClr val="tx1"/>
+                        </a:solidFill>
+                        <a:latin typeface="+mn-lt"/>
+                        <a:ea typeface="+mn-ea"/>
+                        <a:cs typeface="+mn-cs"/>
+                      </a:endParaRPr>
+                    </a:p>
+                    <a:p>
+                      <a:endParaRPr lang="en-GB" sz="2400" kern="1200" dirty="0" smtClean="0">
+                        <a:solidFill>
+                          <a:schemeClr val="tx1"/>
+                        </a:solidFill>
+                        <a:latin typeface="+mn-lt"/>
+                        <a:ea typeface="+mn-ea"/>
+                        <a:cs typeface="+mn-cs"/>
+                      </a:endParaRPr>
+                    </a:p>
+                    <a:p>
+                      <a:endParaRPr lang="en-GB" sz="2400" kern="1200" dirty="0" smtClean="0">
+                        <a:solidFill>
+                          <a:schemeClr val="tx1"/>
+                        </a:solidFill>
+                        <a:latin typeface="+mn-lt"/>
+                        <a:ea typeface="+mn-ea"/>
+                        <a:cs typeface="+mn-cs"/>
+                      </a:endParaRPr>
+                    </a:p>
+                    <a:p>
+                      <a:endParaRPr lang="en-GB" sz="2400" kern="1200" dirty="0" smtClean="0">
+                        <a:solidFill>
+                          <a:schemeClr val="tx1"/>
+                        </a:solidFill>
+                        <a:latin typeface="+mn-lt"/>
+                        <a:ea typeface="+mn-ea"/>
+                        <a:cs typeface="+mn-cs"/>
+                      </a:endParaRPr>
+                    </a:p>
+                    <a:p>
+                      <a:endParaRPr lang="en-GB" sz="2400" kern="1200" dirty="0" smtClean="0">
+                        <a:solidFill>
+                          <a:schemeClr val="tx1"/>
+                        </a:solidFill>
+                        <a:latin typeface="+mn-lt"/>
+                        <a:ea typeface="+mn-ea"/>
+                        <a:cs typeface="+mn-cs"/>
+                      </a:endParaRPr>
+                    </a:p>
+                    <a:p>
+                      <a:endParaRPr lang="en-GB" sz="2400" kern="1200" dirty="0" smtClean="0">
+                        <a:solidFill>
+                          <a:schemeClr val="tx1"/>
+                        </a:solidFill>
+                        <a:latin typeface="+mn-lt"/>
+                        <a:ea typeface="+mn-ea"/>
+                        <a:cs typeface="+mn-cs"/>
+                      </a:endParaRPr>
+                    </a:p>
+                    <a:p>
+                      <a:endParaRPr lang="en-GB" sz="2400" kern="1200" dirty="0" smtClean="0">
+                        <a:solidFill>
+                          <a:schemeClr val="tx1"/>
+                        </a:solidFill>
+                        <a:latin typeface="+mn-lt"/>
+                        <a:ea typeface="+mn-ea"/>
+                        <a:cs typeface="+mn-cs"/>
+                      </a:endParaRPr>
+                    </a:p>
+                    <a:p>
+                      <a:endParaRPr lang="en-GB" sz="2400" kern="1200" dirty="0" smtClean="0">
+                        <a:solidFill>
+                          <a:schemeClr val="tx1"/>
+                        </a:solidFill>
+                        <a:latin typeface="+mn-lt"/>
+                        <a:ea typeface="+mn-ea"/>
+                        <a:cs typeface="+mn-cs"/>
+                      </a:endParaRPr>
+                    </a:p>
+                    <a:p>
+                      <a:endParaRPr lang="en-GB" sz="2400" kern="1200" dirty="0" smtClean="0">
+                        <a:solidFill>
+                          <a:schemeClr val="tx1"/>
+                        </a:solidFill>
+                        <a:latin typeface="+mn-lt"/>
+                        <a:ea typeface="+mn-ea"/>
+                        <a:cs typeface="+mn-cs"/>
+                      </a:endParaRPr>
+                    </a:p>
+                    <a:p>
+                      <a:endParaRPr lang="en-GB" sz="2400" kern="1200" dirty="0" smtClean="0">
+                        <a:solidFill>
+                          <a:schemeClr val="tx1"/>
+                        </a:solidFill>
+                        <a:latin typeface="+mn-lt"/>
+                        <a:ea typeface="+mn-ea"/>
+                        <a:cs typeface="+mn-cs"/>
+                      </a:endParaRPr>
+                    </a:p>
+                    <a:p>
+                      <a:pPr algn="ctr"/>
+                      <a:endParaRPr lang="en-GB" sz="2400" i="1" kern="1200" dirty="0" smtClean="0">
+                        <a:solidFill>
+                          <a:schemeClr val="tx1"/>
+                        </a:solidFill>
+                        <a:latin typeface="Corisande"/>
+                        <a:ea typeface="+mn-ea"/>
+                        <a:cs typeface="+mn-cs"/>
+                      </a:endParaRPr>
+                    </a:p>
+                    <a:p>
+                      <a:pPr algn="ctr"/>
+                      <a:endParaRPr lang="en-GB" sz="2400" i="1" kern="1200" dirty="0" smtClean="0">
+                        <a:solidFill>
+                          <a:schemeClr val="tx1"/>
+                        </a:solidFill>
+                        <a:latin typeface="Corisande"/>
+                        <a:ea typeface="+mn-ea"/>
+                        <a:cs typeface="+mn-cs"/>
+                      </a:endParaRPr>
+                    </a:p>
+                    <a:p>
+                      <a:pPr algn="ctr"/>
+                      <a:endParaRPr lang="en-GB" sz="2400" i="1" kern="1200" dirty="0" smtClean="0">
+                        <a:solidFill>
+                          <a:schemeClr val="tx1"/>
+                        </a:solidFill>
+                        <a:latin typeface="Corisande"/>
+                        <a:ea typeface="+mn-ea"/>
+                        <a:cs typeface="+mn-cs"/>
+                      </a:endParaRPr>
+                    </a:p>
+                    <a:p>
+                      <a:pPr algn="ctr"/>
+                      <a:endParaRPr lang="en-GB" sz="2400" i="1" kern="1200" dirty="0" smtClean="0">
+                        <a:solidFill>
+                          <a:schemeClr val="tx1"/>
+                        </a:solidFill>
+                        <a:latin typeface="Corisande"/>
+                        <a:ea typeface="+mn-ea"/>
+                        <a:cs typeface="+mn-cs"/>
+                      </a:endParaRPr>
+                    </a:p>
+                    <a:p>
+                      <a:pPr algn="ctr"/>
+                      <a:r>
+                        <a:rPr lang="en-GB" sz="2400" i="1" kern="1200" dirty="0" smtClean="0">
+                          <a:solidFill>
+                            <a:schemeClr val="tx1"/>
+                          </a:solidFill>
+                          <a:latin typeface="Corisande"/>
+                          <a:ea typeface="+mn-ea"/>
+                          <a:cs typeface="+mn-cs"/>
+                        </a:rPr>
+                        <a:t>Snapshot</a:t>
+                      </a:r>
+                      <a:r>
+                        <a:rPr lang="en-GB" sz="2400" i="1" kern="1200" baseline="0" dirty="0" smtClean="0">
+                          <a:solidFill>
+                            <a:schemeClr val="tx1"/>
+                          </a:solidFill>
+                          <a:latin typeface="Corisande"/>
+                          <a:ea typeface="+mn-ea"/>
+                          <a:cs typeface="+mn-cs"/>
+                        </a:rPr>
+                        <a:t> of reduction script inside embedded Python interpreter/editor within </a:t>
+                      </a:r>
+                      <a:r>
+                        <a:rPr lang="en-GB" sz="2400" i="1" kern="1200" baseline="0" dirty="0" err="1" smtClean="0">
+                          <a:solidFill>
+                            <a:schemeClr val="tx1"/>
+                          </a:solidFill>
+                          <a:latin typeface="Corisande"/>
+                          <a:ea typeface="+mn-ea"/>
+                          <a:cs typeface="+mn-cs"/>
+                        </a:rPr>
+                        <a:t>MantidPlot</a:t>
+                      </a:r>
+                      <a:endParaRPr lang="en-GB" sz="2400" i="1" kern="1200" dirty="0" smtClean="0">
+                        <a:solidFill>
+                          <a:schemeClr val="tx1"/>
+                        </a:solidFill>
+                        <a:latin typeface="Corisande"/>
+                        <a:ea typeface="+mn-ea"/>
+                        <a:cs typeface="+mn-cs"/>
+                      </a:endParaRPr>
+                    </a:p>
+                    <a:p>
+                      <a:endParaRPr lang="en-GB" sz="2400" kern="1200" dirty="0" smtClean="0">
+                        <a:solidFill>
+                          <a:schemeClr val="tx1"/>
+                        </a:solidFill>
+                        <a:latin typeface="+mn-lt"/>
+                        <a:ea typeface="+mn-ea"/>
+                        <a:cs typeface="+mn-cs"/>
+                      </a:endParaRPr>
+                    </a:p>
+                    <a:p>
+                      <a:r>
+                        <a:rPr lang="en-GB" sz="2400" kern="1200" dirty="0" smtClean="0">
+                          <a:solidFill>
+                            <a:schemeClr val="tx1"/>
+                          </a:solidFill>
+                          <a:latin typeface="Arial" pitchFamily="34" charset="0"/>
+                          <a:ea typeface="+mn-ea"/>
+                          <a:cs typeface="Arial" pitchFamily="34" charset="0"/>
+                        </a:rPr>
+                        <a:t>While the new API is simpler and more intuitive it</a:t>
+                      </a:r>
+                      <a:r>
+                        <a:rPr lang="en-GB" sz="2400" kern="1200" baseline="0" dirty="0" smtClean="0">
+                          <a:solidFill>
+                            <a:schemeClr val="tx1"/>
+                          </a:solidFill>
+                          <a:latin typeface="Arial" pitchFamily="34" charset="0"/>
+                          <a:ea typeface="+mn-ea"/>
+                          <a:cs typeface="Arial" pitchFamily="34" charset="0"/>
+                        </a:rPr>
+                        <a:t> also has a much improved backend interface to the Mantid C++ libraries. </a:t>
+                      </a:r>
+                      <a:r>
+                        <a:rPr lang="en-GB" sz="2400" kern="1200" dirty="0" smtClean="0">
+                          <a:solidFill>
+                            <a:schemeClr val="tx1"/>
+                          </a:solidFill>
+                          <a:latin typeface="Arial" pitchFamily="34" charset="0"/>
+                          <a:ea typeface="+mn-ea"/>
+                          <a:cs typeface="Arial" pitchFamily="34" charset="0"/>
+                        </a:rPr>
+                        <a:t>Examples of such improvements</a:t>
+                      </a:r>
+                      <a:r>
+                        <a:rPr lang="en-GB" sz="2400" kern="1200" baseline="0" dirty="0" smtClean="0">
+                          <a:solidFill>
+                            <a:schemeClr val="tx1"/>
+                          </a:solidFill>
+                          <a:latin typeface="Arial" pitchFamily="34" charset="0"/>
+                          <a:ea typeface="+mn-ea"/>
+                          <a:cs typeface="Arial" pitchFamily="34" charset="0"/>
+                        </a:rPr>
+                        <a:t> </a:t>
+                      </a:r>
+                      <a:r>
+                        <a:rPr lang="en-GB" sz="2400" kern="1200" dirty="0" smtClean="0">
+                          <a:solidFill>
+                            <a:schemeClr val="tx1"/>
+                          </a:solidFill>
+                          <a:latin typeface="Arial" pitchFamily="34" charset="0"/>
+                          <a:ea typeface="+mn-ea"/>
+                          <a:cs typeface="Arial" pitchFamily="34" charset="0"/>
+                        </a:rPr>
+                        <a:t>are:</a:t>
+                      </a:r>
+                    </a:p>
+                    <a:p>
+                      <a:pPr>
+                        <a:buFont typeface="Arial" pitchFamily="34" charset="0"/>
+                        <a:buChar char="•"/>
+                      </a:pPr>
+                      <a:r>
+                        <a:rPr lang="en-GB" sz="2400" kern="1200" baseline="0" dirty="0" smtClean="0">
+                          <a:solidFill>
+                            <a:schemeClr val="tx1"/>
+                          </a:solidFill>
+                          <a:latin typeface="Arial" pitchFamily="34" charset="0"/>
+                          <a:ea typeface="+mn-ea"/>
+                          <a:cs typeface="Arial" pitchFamily="34" charset="0"/>
+                        </a:rPr>
+                        <a:t>  direct translation from Python types to C types without going via strings</a:t>
+                      </a:r>
+                    </a:p>
+                    <a:p>
+                      <a:pPr>
+                        <a:buFont typeface="Arial" pitchFamily="34" charset="0"/>
+                        <a:buChar char="•"/>
+                      </a:pPr>
+                      <a:r>
+                        <a:rPr lang="en-GB" sz="2400" kern="1200" baseline="0" dirty="0" smtClean="0">
+                          <a:solidFill>
+                            <a:schemeClr val="tx1"/>
+                          </a:solidFill>
+                          <a:latin typeface="Arial" pitchFamily="34" charset="0"/>
+                          <a:ea typeface="+mn-ea"/>
+                          <a:cs typeface="Arial" pitchFamily="34" charset="0"/>
+                        </a:rPr>
+                        <a:t>  w</a:t>
+                      </a:r>
+                      <a:r>
+                        <a:rPr lang="en-GB" sz="2400" kern="1200" dirty="0" smtClean="0">
+                          <a:solidFill>
+                            <a:schemeClr val="tx1"/>
+                          </a:solidFill>
+                          <a:latin typeface="Arial" pitchFamily="34" charset="0"/>
+                          <a:ea typeface="+mn-ea"/>
+                          <a:cs typeface="Arial" pitchFamily="34" charset="0"/>
+                        </a:rPr>
+                        <a:t>rapping of Mantid arrays with </a:t>
+                      </a:r>
+                      <a:r>
+                        <a:rPr lang="en-GB" sz="2400" kern="1200" dirty="0" err="1" smtClean="0">
+                          <a:solidFill>
+                            <a:schemeClr val="tx1"/>
+                          </a:solidFill>
+                          <a:latin typeface="Arial" pitchFamily="34" charset="0"/>
+                          <a:ea typeface="+mn-ea"/>
+                          <a:cs typeface="Arial" pitchFamily="34" charset="0"/>
+                        </a:rPr>
+                        <a:t>NumPy</a:t>
+                      </a:r>
+                      <a:r>
+                        <a:rPr lang="en-GB" sz="2400" kern="1200" dirty="0" smtClean="0">
+                          <a:solidFill>
+                            <a:schemeClr val="tx1"/>
+                          </a:solidFill>
+                          <a:latin typeface="Arial" pitchFamily="34" charset="0"/>
+                          <a:ea typeface="+mn-ea"/>
+                          <a:cs typeface="Arial" pitchFamily="34" charset="0"/>
+                        </a:rPr>
+                        <a:t> at the C++ level to avoid excessive copying when accessing data</a:t>
+                      </a:r>
+                    </a:p>
+                    <a:p>
+                      <a:pPr>
+                        <a:buFont typeface="Arial" pitchFamily="34" charset="0"/>
+                        <a:buChar char="•"/>
+                      </a:pPr>
+                      <a:r>
+                        <a:rPr lang="en-GB" sz="2400" kern="1200" baseline="0" dirty="0" smtClean="0">
+                          <a:solidFill>
+                            <a:schemeClr val="tx1"/>
+                          </a:solidFill>
+                          <a:latin typeface="Arial" pitchFamily="34" charset="0"/>
+                          <a:ea typeface="+mn-ea"/>
+                          <a:cs typeface="Arial" pitchFamily="34" charset="0"/>
+                        </a:rPr>
+                        <a:t>  c</a:t>
+                      </a:r>
+                      <a:r>
+                        <a:rPr lang="en-GB" sz="2400" kern="1200" dirty="0" smtClean="0">
+                          <a:solidFill>
+                            <a:schemeClr val="tx1"/>
+                          </a:solidFill>
+                          <a:latin typeface="Arial" pitchFamily="34" charset="0"/>
+                          <a:ea typeface="+mn-ea"/>
+                          <a:cs typeface="Arial" pitchFamily="34" charset="0"/>
+                        </a:rPr>
+                        <a:t>onverting C++ types to Python types using the Python C API, i.e. C++</a:t>
+                      </a:r>
+                      <a:r>
+                        <a:rPr lang="en-GB" sz="2400" kern="1200" baseline="0" dirty="0" smtClean="0">
+                          <a:solidFill>
+                            <a:schemeClr val="tx1"/>
+                          </a:solidFill>
+                          <a:latin typeface="Arial" pitchFamily="34" charset="0"/>
+                          <a:ea typeface="+mn-ea"/>
+                          <a:cs typeface="Arial" pitchFamily="34" charset="0"/>
+                        </a:rPr>
+                        <a:t> map </a:t>
+                      </a:r>
+                      <a:r>
+                        <a:rPr lang="en-GB" sz="2400" kern="1200" dirty="0" smtClean="0">
+                          <a:solidFill>
+                            <a:schemeClr val="tx1"/>
+                          </a:solidFill>
+                          <a:latin typeface="Arial" pitchFamily="34" charset="0"/>
+                          <a:ea typeface="+mn-ea"/>
+                          <a:cs typeface="Arial" pitchFamily="34" charset="0"/>
+                        </a:rPr>
+                        <a:t>→ Python dictionary</a:t>
+                      </a:r>
                     </a:p>
                     <a:p>
                       <a:pPr marL="0" marR="0" lvl="0" indent="0" algn="l" defTabSz="4173538" rtl="0" eaLnBrk="1" fontAlgn="base" latinLnBrk="0" hangingPunct="1">
@@ -3889,16 +3712,389 @@
                         <a:buNone/>
                         <a:tabLst/>
                       </a:pPr>
-                      <a:endParaRPr kumimoji="0" lang="en-US" sz="2400" b="0" i="0" u="none" strike="noStrike" kern="0" cap="none" normalizeH="0" baseline="0" dirty="0" smtClean="0">
+                      <a:r>
+                        <a:rPr kumimoji="0" lang="en-GB" sz="5000" b="0" i="0" u="none" strike="noStrike" kern="1200" cap="none" normalizeH="0" baseline="0" dirty="0" smtClean="0">
+                          <a:ln>
+                            <a:noFill/>
+                          </a:ln>
+                          <a:solidFill>
+                            <a:srgbClr val="002D55"/>
+                          </a:solidFill>
+                          <a:effectLst/>
+                          <a:latin typeface="Corisande"/>
+                          <a:ea typeface="+mn-ea"/>
+                          <a:cs typeface="+mn-cs"/>
+                        </a:rPr>
+                        <a:t>Syntax</a:t>
+                      </a:r>
+                    </a:p>
+                    <a:p>
+                      <a:pPr marL="0" marR="0" lvl="0" indent="0" algn="l" defTabSz="4173538" rtl="0" eaLnBrk="1" fontAlgn="base" latinLnBrk="0" hangingPunct="1">
+                        <a:lnSpc>
+                          <a:spcPct val="100000"/>
+                        </a:lnSpc>
+                        <a:spcBef>
+                          <a:spcPct val="20000"/>
+                        </a:spcBef>
+                        <a:spcAft>
+                          <a:spcPct val="0"/>
+                        </a:spcAft>
+                        <a:buClrTx/>
+                        <a:buSzTx/>
+                        <a:buFontTx/>
+                        <a:buNone/>
+                        <a:tabLst/>
+                      </a:pPr>
+                      <a:r>
+                        <a:rPr kumimoji="0" lang="en-GB" sz="2400" b="0" i="0" u="none" strike="noStrike" kern="1200" cap="none" normalizeH="0" baseline="0" dirty="0" smtClean="0">
+                          <a:ln>
+                            <a:noFill/>
+                          </a:ln>
+                          <a:solidFill>
+                            <a:schemeClr val="tx1"/>
+                          </a:solidFill>
+                          <a:effectLst/>
+                          <a:latin typeface="Arial" pitchFamily="34" charset="0"/>
+                          <a:ea typeface="+mn-ea"/>
+                          <a:cs typeface="Arial" pitchFamily="34" charset="0"/>
+                        </a:rPr>
+                        <a:t>We took the opportunity of this change to improve the usability of the syntax used in the new Python API.  Both to make it more intuitive and centred around the data, and to remove unnecessary steps and commands.</a:t>
+                      </a:r>
+                    </a:p>
+                    <a:p>
+                      <a:pPr marL="0" marR="0" lvl="0" indent="0" algn="l" defTabSz="4173538" rtl="0" eaLnBrk="1" fontAlgn="base" latinLnBrk="0" hangingPunct="1">
+                        <a:lnSpc>
+                          <a:spcPct val="100000"/>
+                        </a:lnSpc>
+                        <a:spcBef>
+                          <a:spcPct val="20000"/>
+                        </a:spcBef>
+                        <a:spcAft>
+                          <a:spcPct val="0"/>
+                        </a:spcAft>
+                        <a:buClrTx/>
+                        <a:buSzTx/>
+                        <a:buFontTx/>
+                        <a:buNone/>
+                        <a:tabLst/>
+                      </a:pPr>
+                      <a:endParaRPr kumimoji="0" lang="en-GB" sz="2400" b="0" i="0" u="none" strike="noStrike" cap="none" normalizeH="0" baseline="0" dirty="0" smtClean="0">
                         <a:ln>
                           <a:noFill/>
                         </a:ln>
                         <a:solidFill>
-                          <a:schemeClr val="tx1"/>
+                          <a:srgbClr val="002D55"/>
                         </a:solidFill>
                         <a:effectLst/>
-                        <a:latin typeface="+mn-lt"/>
-                        <a:cs typeface="Arial" pitchFamily="34" charset="0"/>
+                        <a:latin typeface="Corisande"/>
+                      </a:endParaRPr>
+                    </a:p>
+                    <a:p>
+                      <a:pPr marL="0" marR="0" lvl="0" indent="0" algn="l" defTabSz="4173538" rtl="0" eaLnBrk="1" fontAlgn="base" latinLnBrk="0" hangingPunct="1">
+                        <a:lnSpc>
+                          <a:spcPct val="100000"/>
+                        </a:lnSpc>
+                        <a:spcBef>
+                          <a:spcPct val="20000"/>
+                        </a:spcBef>
+                        <a:spcAft>
+                          <a:spcPct val="0"/>
+                        </a:spcAft>
+                        <a:buClrTx/>
+                        <a:buSzTx/>
+                        <a:buFontTx/>
+                        <a:buNone/>
+                        <a:tabLst/>
+                      </a:pPr>
+                      <a:endParaRPr kumimoji="0" lang="en-GB" sz="2400" b="0" i="0" u="none" strike="noStrike" cap="none" normalizeH="0" baseline="0" dirty="0" smtClean="0">
+                        <a:ln>
+                          <a:noFill/>
+                        </a:ln>
+                        <a:solidFill>
+                          <a:srgbClr val="002D55"/>
+                        </a:solidFill>
+                        <a:effectLst/>
+                        <a:latin typeface="Corisande"/>
+                      </a:endParaRPr>
+                    </a:p>
+                    <a:p>
+                      <a:pPr marL="0" marR="0" lvl="0" indent="0" algn="l" defTabSz="4173538" rtl="0" eaLnBrk="1" fontAlgn="base" latinLnBrk="0" hangingPunct="1">
+                        <a:lnSpc>
+                          <a:spcPct val="100000"/>
+                        </a:lnSpc>
+                        <a:spcBef>
+                          <a:spcPct val="20000"/>
+                        </a:spcBef>
+                        <a:spcAft>
+                          <a:spcPct val="0"/>
+                        </a:spcAft>
+                        <a:buClrTx/>
+                        <a:buSzTx/>
+                        <a:buFontTx/>
+                        <a:buNone/>
+                        <a:tabLst/>
+                      </a:pPr>
+                      <a:endParaRPr kumimoji="0" lang="en-GB" sz="2400" b="0" i="0" u="none" strike="noStrike" cap="none" normalizeH="0" baseline="0" dirty="0" smtClean="0">
+                        <a:ln>
+                          <a:noFill/>
+                        </a:ln>
+                        <a:solidFill>
+                          <a:srgbClr val="002D55"/>
+                        </a:solidFill>
+                        <a:effectLst/>
+                        <a:latin typeface="Corisande"/>
+                      </a:endParaRPr>
+                    </a:p>
+                    <a:p>
+                      <a:pPr marL="0" marR="0" lvl="0" indent="0" algn="l" defTabSz="4173538" rtl="0" eaLnBrk="1" fontAlgn="base" latinLnBrk="0" hangingPunct="1">
+                        <a:lnSpc>
+                          <a:spcPct val="100000"/>
+                        </a:lnSpc>
+                        <a:spcBef>
+                          <a:spcPct val="20000"/>
+                        </a:spcBef>
+                        <a:spcAft>
+                          <a:spcPct val="0"/>
+                        </a:spcAft>
+                        <a:buClrTx/>
+                        <a:buSzTx/>
+                        <a:buFontTx/>
+                        <a:buNone/>
+                        <a:tabLst/>
+                      </a:pPr>
+                      <a:endParaRPr kumimoji="0" lang="en-GB" sz="2400" b="0" i="0" u="none" strike="noStrike" cap="none" normalizeH="0" baseline="0" dirty="0" smtClean="0">
+                        <a:ln>
+                          <a:noFill/>
+                        </a:ln>
+                        <a:solidFill>
+                          <a:srgbClr val="002D55"/>
+                        </a:solidFill>
+                        <a:effectLst/>
+                        <a:latin typeface="Corisande"/>
+                      </a:endParaRPr>
+                    </a:p>
+                    <a:p>
+                      <a:pPr marL="0" marR="0" lvl="0" indent="0" algn="l" defTabSz="4173538" rtl="0" eaLnBrk="1" fontAlgn="base" latinLnBrk="0" hangingPunct="1">
+                        <a:lnSpc>
+                          <a:spcPct val="100000"/>
+                        </a:lnSpc>
+                        <a:spcBef>
+                          <a:spcPct val="20000"/>
+                        </a:spcBef>
+                        <a:spcAft>
+                          <a:spcPct val="0"/>
+                        </a:spcAft>
+                        <a:buClrTx/>
+                        <a:buSzTx/>
+                        <a:buFontTx/>
+                        <a:buNone/>
+                        <a:tabLst/>
+                      </a:pPr>
+                      <a:endParaRPr kumimoji="0" lang="en-GB" sz="2400" b="0" i="0" u="none" strike="noStrike" cap="none" normalizeH="0" baseline="0" dirty="0" smtClean="0">
+                        <a:ln>
+                          <a:noFill/>
+                        </a:ln>
+                        <a:solidFill>
+                          <a:srgbClr val="002D55"/>
+                        </a:solidFill>
+                        <a:effectLst/>
+                        <a:latin typeface="Corisande"/>
+                      </a:endParaRPr>
+                    </a:p>
+                    <a:p>
+                      <a:pPr marL="0" marR="0" lvl="0" indent="0" algn="l" defTabSz="4173538" rtl="0" eaLnBrk="1" fontAlgn="base" latinLnBrk="0" hangingPunct="1">
+                        <a:lnSpc>
+                          <a:spcPct val="100000"/>
+                        </a:lnSpc>
+                        <a:spcBef>
+                          <a:spcPct val="20000"/>
+                        </a:spcBef>
+                        <a:spcAft>
+                          <a:spcPct val="0"/>
+                        </a:spcAft>
+                        <a:buClrTx/>
+                        <a:buSzTx/>
+                        <a:buFontTx/>
+                        <a:buNone/>
+                        <a:tabLst/>
+                      </a:pPr>
+                      <a:endParaRPr kumimoji="0" lang="en-GB" sz="2400" b="0" i="0" u="none" strike="noStrike" cap="none" normalizeH="0" baseline="0" dirty="0" smtClean="0">
+                        <a:ln>
+                          <a:noFill/>
+                        </a:ln>
+                        <a:solidFill>
+                          <a:srgbClr val="002D55"/>
+                        </a:solidFill>
+                        <a:effectLst/>
+                        <a:latin typeface="Corisande"/>
+                      </a:endParaRPr>
+                    </a:p>
+                    <a:p>
+                      <a:pPr marL="0" marR="0" lvl="0" indent="0" algn="l" defTabSz="4173538" rtl="0" eaLnBrk="1" fontAlgn="base" latinLnBrk="0" hangingPunct="1">
+                        <a:lnSpc>
+                          <a:spcPct val="100000"/>
+                        </a:lnSpc>
+                        <a:spcBef>
+                          <a:spcPct val="20000"/>
+                        </a:spcBef>
+                        <a:spcAft>
+                          <a:spcPct val="0"/>
+                        </a:spcAft>
+                        <a:buClrTx/>
+                        <a:buSzTx/>
+                        <a:buFontTx/>
+                        <a:buNone/>
+                        <a:tabLst/>
+                      </a:pPr>
+                      <a:endParaRPr kumimoji="0" lang="en-GB" sz="2400" b="0" i="0" u="none" strike="noStrike" cap="none" normalizeH="0" baseline="0" dirty="0" smtClean="0">
+                        <a:ln>
+                          <a:noFill/>
+                        </a:ln>
+                        <a:solidFill>
+                          <a:srgbClr val="002D55"/>
+                        </a:solidFill>
+                        <a:effectLst/>
+                        <a:latin typeface="Corisande"/>
+                      </a:endParaRPr>
+                    </a:p>
+                    <a:p>
+                      <a:pPr marL="0" marR="0" lvl="0" indent="0" algn="l" defTabSz="4173538" rtl="0" eaLnBrk="1" fontAlgn="base" latinLnBrk="0" hangingPunct="1">
+                        <a:lnSpc>
+                          <a:spcPct val="100000"/>
+                        </a:lnSpc>
+                        <a:spcBef>
+                          <a:spcPct val="20000"/>
+                        </a:spcBef>
+                        <a:spcAft>
+                          <a:spcPct val="0"/>
+                        </a:spcAft>
+                        <a:buClrTx/>
+                        <a:buSzTx/>
+                        <a:buFontTx/>
+                        <a:buNone/>
+                        <a:tabLst/>
+                      </a:pPr>
+                      <a:endParaRPr kumimoji="0" lang="en-GB" sz="2400" b="0" i="0" u="none" strike="noStrike" cap="none" normalizeH="0" baseline="0" dirty="0" smtClean="0">
+                        <a:ln>
+                          <a:noFill/>
+                        </a:ln>
+                        <a:solidFill>
+                          <a:srgbClr val="002D55"/>
+                        </a:solidFill>
+                        <a:effectLst/>
+                        <a:latin typeface="Corisande"/>
+                      </a:endParaRPr>
+                    </a:p>
+                    <a:p>
+                      <a:pPr marL="0" marR="0" lvl="0" indent="0" algn="l" defTabSz="4173538" rtl="0" eaLnBrk="1" fontAlgn="base" latinLnBrk="0" hangingPunct="1">
+                        <a:lnSpc>
+                          <a:spcPct val="100000"/>
+                        </a:lnSpc>
+                        <a:spcBef>
+                          <a:spcPct val="20000"/>
+                        </a:spcBef>
+                        <a:spcAft>
+                          <a:spcPct val="0"/>
+                        </a:spcAft>
+                        <a:buClrTx/>
+                        <a:buSzTx/>
+                        <a:buFontTx/>
+                        <a:buNone/>
+                        <a:tabLst/>
+                      </a:pPr>
+                      <a:endParaRPr kumimoji="0" lang="en-GB" sz="2400" b="0" i="0" u="none" strike="noStrike" cap="none" normalizeH="0" baseline="0" dirty="0" smtClean="0">
+                        <a:ln>
+                          <a:noFill/>
+                        </a:ln>
+                        <a:solidFill>
+                          <a:srgbClr val="002D55"/>
+                        </a:solidFill>
+                        <a:effectLst/>
+                        <a:latin typeface="Corisande"/>
+                      </a:endParaRPr>
+                    </a:p>
+                    <a:p>
+                      <a:pPr marL="0" marR="0" lvl="0" indent="0" algn="l" defTabSz="4173538" rtl="0" eaLnBrk="1" fontAlgn="base" latinLnBrk="0" hangingPunct="1">
+                        <a:lnSpc>
+                          <a:spcPct val="100000"/>
+                        </a:lnSpc>
+                        <a:spcBef>
+                          <a:spcPct val="20000"/>
+                        </a:spcBef>
+                        <a:spcAft>
+                          <a:spcPct val="0"/>
+                        </a:spcAft>
+                        <a:buClrTx/>
+                        <a:buSzTx/>
+                        <a:buFontTx/>
+                        <a:buNone/>
+                        <a:tabLst/>
+                      </a:pPr>
+                      <a:endParaRPr kumimoji="0" lang="en-GB" sz="2400" b="0" i="0" u="none" strike="noStrike" cap="none" normalizeH="0" baseline="0" dirty="0" smtClean="0">
+                        <a:ln>
+                          <a:noFill/>
+                        </a:ln>
+                        <a:solidFill>
+                          <a:srgbClr val="002D55"/>
+                        </a:solidFill>
+                        <a:effectLst/>
+                        <a:latin typeface="Corisande"/>
+                      </a:endParaRPr>
+                    </a:p>
+                    <a:p>
+                      <a:pPr marL="0" marR="0" lvl="0" indent="0" algn="l" defTabSz="4173538" rtl="0" eaLnBrk="1" fontAlgn="base" latinLnBrk="0" hangingPunct="1">
+                        <a:lnSpc>
+                          <a:spcPct val="100000"/>
+                        </a:lnSpc>
+                        <a:spcBef>
+                          <a:spcPct val="20000"/>
+                        </a:spcBef>
+                        <a:spcAft>
+                          <a:spcPct val="0"/>
+                        </a:spcAft>
+                        <a:buClrTx/>
+                        <a:buSzTx/>
+                        <a:buFontTx/>
+                        <a:buNone/>
+                        <a:tabLst/>
+                      </a:pPr>
+                      <a:endParaRPr kumimoji="0" lang="en-GB" sz="2400" b="0" i="0" u="none" strike="noStrike" cap="none" normalizeH="0" baseline="0" dirty="0" smtClean="0">
+                        <a:ln>
+                          <a:noFill/>
+                        </a:ln>
+                        <a:solidFill>
+                          <a:srgbClr val="002D55"/>
+                        </a:solidFill>
+                        <a:effectLst/>
+                        <a:latin typeface="Corisande"/>
+                      </a:endParaRPr>
+                    </a:p>
+                    <a:p>
+                      <a:pPr marL="0" marR="0" lvl="0" indent="0" algn="l" defTabSz="4173538" rtl="0" eaLnBrk="1" fontAlgn="base" latinLnBrk="0" hangingPunct="1">
+                        <a:lnSpc>
+                          <a:spcPct val="100000"/>
+                        </a:lnSpc>
+                        <a:spcBef>
+                          <a:spcPct val="20000"/>
+                        </a:spcBef>
+                        <a:spcAft>
+                          <a:spcPct val="0"/>
+                        </a:spcAft>
+                        <a:buClrTx/>
+                        <a:buSzTx/>
+                        <a:buFontTx/>
+                        <a:buNone/>
+                        <a:tabLst/>
+                      </a:pPr>
+                      <a:endParaRPr kumimoji="0" lang="en-GB" sz="2400" b="0" i="0" u="none" strike="noStrike" cap="none" normalizeH="0" baseline="0" dirty="0" smtClean="0">
+                        <a:ln>
+                          <a:noFill/>
+                        </a:ln>
+                        <a:solidFill>
+                          <a:srgbClr val="002D55"/>
+                        </a:solidFill>
+                        <a:effectLst/>
+                        <a:latin typeface="Corisande"/>
                       </a:endParaRPr>
                     </a:p>
                     <a:p>
@@ -3917,6 +4113,7 @@
                         <a:buFontTx/>
                         <a:buNone/>
                         <a:tabLst/>
+                        <a:defRPr/>
                       </a:pPr>
                       <a:r>
                         <a:rPr kumimoji="0" lang="en-US" sz="2400" b="0" i="1" u="none" strike="noStrike" kern="0" cap="none" normalizeH="0" baseline="0" dirty="0" smtClean="0">
@@ -3928,9 +4125,10 @@
                           </a:solidFill>
                           <a:effectLst/>
                           <a:latin typeface="Corisande"/>
+                          <a:ea typeface="+mn-ea"/>
                           <a:cs typeface="Arial" pitchFamily="34" charset="0"/>
                         </a:rPr>
-                        <a:t>Comparison of various methods for exposing C++ data to Python</a:t>
+                        <a:t>A comparison of the body of a python algorithm written in both APIs, highlighting the clearer and smaller code necessary for the same task.</a:t>
                       </a:r>
                     </a:p>
                     <a:p>
@@ -3949,17 +4147,19 @@
                         <a:buFontTx/>
                         <a:buNone/>
                         <a:tabLst/>
-                      </a:pPr>
-                      <a:endParaRPr kumimoji="0" lang="en-US" sz="2400" b="0" i="0" u="none" strike="noStrike" kern="0" cap="none" normalizeH="0" baseline="0" dirty="0" smtClean="0">
+                        <a:defRPr/>
+                      </a:pPr>
+                      <a:endParaRPr kumimoji="0" lang="en-GB" sz="5000" b="0" i="0" u="none" strike="noStrike" kern="1200" cap="none" normalizeH="0" baseline="0" dirty="0" smtClean="0">
                         <a:ln>
                           <a:noFill/>
                         </a:ln>
                         <a:solidFill>
-                          <a:schemeClr val="tx1"/>
+                          <a:srgbClr val="002D55"/>
                         </a:solidFill>
                         <a:effectLst/>
-                        <a:latin typeface="+mn-lt"/>
-                        <a:cs typeface="Arial" pitchFamily="34" charset="0"/>
+                        <a:latin typeface="Corisande"/>
+                        <a:ea typeface="+mn-ea"/>
+                        <a:cs typeface="+mn-cs"/>
                       </a:endParaRPr>
                     </a:p>
                     <a:p>
@@ -3978,76 +4178,22 @@
                         <a:buFontTx/>
                         <a:buNone/>
                         <a:tabLst/>
-                      </a:pPr>
-                      <a:r>
-                        <a:rPr kumimoji="0" lang="en-US" sz="2400" b="0" i="0" u="none" strike="noStrike" kern="0" cap="none" normalizeH="0" baseline="0" dirty="0" smtClean="0">
+                        <a:defRPr/>
+                      </a:pPr>
+                      <a:r>
+                        <a:rPr kumimoji="0" lang="en-GB" sz="5000" b="0" i="0" u="none" strike="noStrike" kern="1200" cap="none" normalizeH="0" baseline="0" dirty="0" smtClean="0">
                           <a:ln>
                             <a:noFill/>
                           </a:ln>
                           <a:solidFill>
-                            <a:schemeClr val="tx1"/>
+                            <a:srgbClr val="002D55"/>
                           </a:solidFill>
                           <a:effectLst/>
-                          <a:latin typeface="+mn-lt"/>
-                          <a:cs typeface="Arial" pitchFamily="34" charset="0"/>
-                        </a:rPr>
-                        <a:t>The clear winner from a user’s perspective is wrapping the existing C++ data with a </a:t>
-                      </a:r>
-                      <a:r>
-                        <a:rPr kumimoji="0" lang="en-US" sz="2400" b="0" i="0" u="none" strike="noStrike" kern="0" cap="none" normalizeH="0" baseline="0" dirty="0" err="1" smtClean="0">
-                          <a:ln>
-                            <a:noFill/>
-                          </a:ln>
-                          <a:solidFill>
-                            <a:schemeClr val="tx1"/>
-                          </a:solidFill>
-                          <a:effectLst/>
-                          <a:latin typeface="+mn-lt"/>
-                          <a:cs typeface="Arial" pitchFamily="34" charset="0"/>
-                        </a:rPr>
-                        <a:t>NumPy</a:t>
-                      </a:r>
-                      <a:r>
-                        <a:rPr kumimoji="0" lang="en-US" sz="2400" b="0" i="0" u="none" strike="noStrike" kern="0" cap="none" normalizeH="0" baseline="0" dirty="0" smtClean="0">
-                          <a:ln>
-                            <a:noFill/>
-                          </a:ln>
-                          <a:solidFill>
-                            <a:schemeClr val="tx1"/>
-                          </a:solidFill>
-                          <a:effectLst/>
-                          <a:latin typeface="+mn-lt"/>
-                          <a:cs typeface="Arial" pitchFamily="34" charset="0"/>
-                        </a:rPr>
-                        <a:t> façade. This allows users to manipulate the data as if it were a </a:t>
-                      </a:r>
-                      <a:r>
-                        <a:rPr kumimoji="0" lang="en-US" sz="2400" b="0" i="0" u="none" strike="noStrike" kern="0" cap="none" normalizeH="0" baseline="0" dirty="0" err="1" smtClean="0">
-                          <a:ln>
-                            <a:noFill/>
-                          </a:ln>
-                          <a:solidFill>
-                            <a:schemeClr val="tx1"/>
-                          </a:solidFill>
-                          <a:effectLst/>
-                          <a:latin typeface="+mn-lt"/>
-                          <a:cs typeface="Arial" pitchFamily="34" charset="0"/>
-                        </a:rPr>
-                        <a:t>NumPy</a:t>
-                      </a:r>
-                      <a:r>
-                        <a:rPr kumimoji="0" lang="en-US" sz="2400" b="0" i="0" u="none" strike="noStrike" kern="0" cap="none" normalizeH="0" baseline="0" dirty="0" smtClean="0">
-                          <a:ln>
-                            <a:noFill/>
-                          </a:ln>
-                          <a:solidFill>
-                            <a:schemeClr val="tx1"/>
-                          </a:solidFill>
-                          <a:effectLst/>
-                          <a:latin typeface="+mn-lt"/>
-                          <a:cs typeface="Arial" pitchFamily="34" charset="0"/>
-                        </a:rPr>
-                        <a:t> array but avoids the overhead of having to copy the data first. The expense is on the developer side and the difficulties will only need to be encountered once. In addition to this “wrapping” Mantid also provides </a:t>
+                          <a:latin typeface="Corisande"/>
+                          <a:ea typeface="+mn-ea"/>
+                          <a:cs typeface="+mn-cs"/>
+                        </a:rPr>
+                        <a:t>Managing the change</a:t>
                       </a:r>
                     </a:p>
                     <a:p>
@@ -4063,12 +4209,12 @@
                         </a:spcAft>
                         <a:buClrTx/>
                         <a:buSzTx/>
-                        <a:buFont typeface="Arial" pitchFamily="34" charset="0"/>
-                        <a:buChar char="•"/>
+                        <a:buFontTx/>
+                        <a:buNone/>
                         <a:tabLst/>
                       </a:pPr>
                       <a:r>
-                        <a:rPr kumimoji="0" lang="en-US" sz="2400" b="0" i="0" u="none" strike="noStrike" kern="0" cap="none" normalizeH="0" baseline="0" dirty="0" smtClean="0">
+                        <a:rPr kumimoji="0" lang="en-GB" sz="2400" b="0" i="0" u="none" strike="noStrike" kern="1200" cap="none" normalizeH="0" baseline="0" dirty="0" smtClean="0">
                           <a:ln>
                             <a:noFill/>
                           </a:ln>
@@ -4076,10 +4222,11 @@
                             <a:schemeClr val="tx1"/>
                           </a:solidFill>
                           <a:effectLst/>
-                          <a:latin typeface="+mn-lt"/>
+                          <a:latin typeface="Arial" pitchFamily="34" charset="0"/>
+                          <a:ea typeface="+mn-ea"/>
                           <a:cs typeface="Arial" pitchFamily="34" charset="0"/>
                         </a:rPr>
-                        <a:t>  a read-only wrapper around the data allowing only non-modifying operations and</a:t>
+                        <a:t>Any change like this to existing software with an established user base need to be introduced carefully, ensuring the users can continue to use or update easily any existing scripts they already rely on.  Therefore within Mantid we support both the old and new APIs, and can switch between them easily with a single command.</a:t>
                       </a:r>
                     </a:p>
                     <a:p>
@@ -4095,24 +4242,22 @@
                         </a:spcAft>
                         <a:buClrTx/>
                         <a:buSzTx/>
-                        <a:buFont typeface="Arial" pitchFamily="34" charset="0"/>
-                        <a:buChar char="•"/>
+                        <a:buFontTx/>
+                        <a:buNone/>
                         <a:tabLst/>
                       </a:pPr>
-                      <a:r>
-                        <a:rPr kumimoji="0" lang="en-US" sz="2400" b="0" i="0" u="none" strike="noStrike" kern="0" cap="none" normalizeH="0" baseline="0" dirty="0" smtClean="0">
-                          <a:ln>
-                            <a:noFill/>
-                          </a:ln>
-                          <a:solidFill>
-                            <a:schemeClr val="tx1"/>
-                          </a:solidFill>
-                          <a:effectLst/>
-                          <a:latin typeface="+mn-lt"/>
-                          <a:cs typeface="Arial" pitchFamily="34" charset="0"/>
-                        </a:rPr>
-                        <a:t>  an extract method to perform a copy into a new multi-dimensional array.</a:t>
-                      </a:r>
+                      <a:endParaRPr kumimoji="0" lang="en-GB" sz="2400" b="0" i="0" u="none" strike="noStrike" kern="1200" cap="none" normalizeH="0" baseline="0" dirty="0" smtClean="0">
+                        <a:ln>
+                          <a:noFill/>
+                        </a:ln>
+                        <a:solidFill>
+                          <a:schemeClr val="tx1"/>
+                        </a:solidFill>
+                        <a:effectLst/>
+                        <a:latin typeface="Arial" pitchFamily="34" charset="0"/>
+                        <a:ea typeface="+mn-ea"/>
+                        <a:cs typeface="Arial" pitchFamily="34" charset="0"/>
+                      </a:endParaRPr>
                     </a:p>
                     <a:p>
                       <a:pPr marL="0" marR="0" lvl="0" indent="0" algn="l" defTabSz="4173538" rtl="0" eaLnBrk="1" fontAlgn="base" latinLnBrk="0" hangingPunct="1">
@@ -4127,21 +4272,88 @@
                         </a:spcAft>
                         <a:buClrTx/>
                         <a:buSzTx/>
-                        <a:buFont typeface="Arial" pitchFamily="34" charset="0"/>
+                        <a:buFontTx/>
                         <a:buNone/>
                         <a:tabLst/>
                       </a:pPr>
-                      <a:endParaRPr kumimoji="0" lang="en-US" sz="2400" b="0" i="0" u="none" strike="noStrike" kern="0" cap="none" normalizeH="0" baseline="0" dirty="0" smtClean="0">
-                        <a:ln>
-                          <a:noFill/>
-                        </a:ln>
-                        <a:solidFill>
-                          <a:schemeClr val="tx1"/>
-                        </a:solidFill>
-                        <a:effectLst/>
-                        <a:latin typeface="+mn-lt"/>
-                        <a:cs typeface="Arial" pitchFamily="34" charset="0"/>
-                      </a:endParaRPr>
+                      <a:r>
+                        <a:rPr kumimoji="0" lang="en-GB" sz="2400" b="0" i="0" u="none" strike="noStrike" kern="1200" cap="none" normalizeH="0" baseline="0" dirty="0" smtClean="0">
+                          <a:ln>
+                            <a:noFill/>
+                          </a:ln>
+                          <a:solidFill>
+                            <a:schemeClr val="tx1"/>
+                          </a:solidFill>
+                          <a:effectLst/>
+                          <a:latin typeface="Arial" pitchFamily="34" charset="0"/>
+                          <a:ea typeface="+mn-ea"/>
+                          <a:cs typeface="Arial" pitchFamily="34" charset="0"/>
+                        </a:rPr>
+                        <a:t>To use the old API:</a:t>
+                      </a:r>
+                    </a:p>
+                    <a:p>
+                      <a:pPr marL="457200" marR="0" lvl="1" indent="0" algn="l" defTabSz="4173538" rtl="0" eaLnBrk="1" fontAlgn="base" latinLnBrk="0" hangingPunct="1">
+                        <a:lnSpc>
+                          <a:spcPct val="100000"/>
+                        </a:lnSpc>
+                        <a:spcBef>
+                          <a:spcPct val="20000"/>
+                        </a:spcBef>
+                        <a:spcAft>
+                          <a:spcPct val="0"/>
+                        </a:spcAft>
+                        <a:buClrTx/>
+                        <a:buSzTx/>
+                        <a:buFontTx/>
+                        <a:buNone/>
+                        <a:tabLst/>
+                      </a:pPr>
+                      <a:r>
+                        <a:rPr kumimoji="0" lang="en-GB" sz="2400" b="0" i="0" u="none" strike="noStrike" kern="1200" cap="none" normalizeH="0" baseline="0" dirty="0" smtClean="0">
+                          <a:ln>
+                            <a:noFill/>
+                          </a:ln>
+                          <a:solidFill>
+                            <a:schemeClr val="tx1"/>
+                          </a:solidFill>
+                          <a:effectLst/>
+                          <a:latin typeface="Courier New" pitchFamily="49" charset="0"/>
+                          <a:ea typeface="+mn-ea"/>
+                          <a:cs typeface="Courier New" pitchFamily="49" charset="0"/>
+                        </a:rPr>
+                        <a:t>from </a:t>
+                      </a:r>
+                      <a:r>
+                        <a:rPr kumimoji="0" lang="en-GB" sz="2400" b="0" i="0" u="none" strike="noStrike" kern="1200" cap="none" normalizeH="0" baseline="0" dirty="0" err="1" smtClean="0">
+                          <a:ln>
+                            <a:noFill/>
+                          </a:ln>
+                          <a:solidFill>
+                            <a:schemeClr val="tx1"/>
+                          </a:solidFill>
+                          <a:effectLst/>
+                          <a:latin typeface="Courier New" pitchFamily="49" charset="0"/>
+                          <a:ea typeface="+mn-ea"/>
+                          <a:cs typeface="Courier New" pitchFamily="49" charset="0"/>
+                        </a:rPr>
+                        <a:t>mantidsimple</a:t>
+                      </a:r>
+                      <a:r>
+                        <a:rPr kumimoji="0" lang="en-GB" sz="2400" b="0" i="0" u="none" strike="noStrike" kern="1200" cap="none" normalizeH="0" baseline="0" dirty="0" smtClean="0">
+                          <a:ln>
+                            <a:noFill/>
+                          </a:ln>
+                          <a:solidFill>
+                            <a:schemeClr val="tx1"/>
+                          </a:solidFill>
+                          <a:effectLst/>
+                          <a:latin typeface="Courier New" pitchFamily="49" charset="0"/>
+                          <a:ea typeface="+mn-ea"/>
+                          <a:cs typeface="Courier New" pitchFamily="49" charset="0"/>
+                        </a:rPr>
+                        <a:t> import *</a:t>
+                      </a:r>
                     </a:p>
                     <a:p>
                       <a:pPr marL="0" marR="0" lvl="0" indent="0" algn="l" defTabSz="4173538" rtl="0" eaLnBrk="1" fontAlgn="base" latinLnBrk="0" hangingPunct="1">
@@ -4156,21 +4368,88 @@
                         </a:spcAft>
                         <a:buClrTx/>
                         <a:buSzTx/>
-                        <a:buFont typeface="Arial" pitchFamily="34" charset="0"/>
+                        <a:buFontTx/>
                         <a:buNone/>
                         <a:tabLst/>
                       </a:pPr>
-                      <a:endParaRPr kumimoji="0" lang="en-US" sz="2400" b="0" i="0" u="none" strike="noStrike" kern="0" cap="none" normalizeH="0" baseline="0" dirty="0" smtClean="0">
-                        <a:ln>
-                          <a:noFill/>
-                        </a:ln>
-                        <a:solidFill>
-                          <a:schemeClr val="tx1"/>
-                        </a:solidFill>
-                        <a:effectLst/>
-                        <a:latin typeface="+mn-lt"/>
-                        <a:cs typeface="Arial" pitchFamily="34" charset="0"/>
-                      </a:endParaRPr>
+                      <a:r>
+                        <a:rPr kumimoji="0" lang="en-GB" sz="2400" b="0" i="0" u="none" strike="noStrike" kern="1200" cap="none" normalizeH="0" baseline="0" dirty="0" smtClean="0">
+                          <a:ln>
+                            <a:noFill/>
+                          </a:ln>
+                          <a:solidFill>
+                            <a:schemeClr val="tx1"/>
+                          </a:solidFill>
+                          <a:effectLst/>
+                          <a:latin typeface="Arial" pitchFamily="34" charset="0"/>
+                          <a:ea typeface="+mn-ea"/>
+                          <a:cs typeface="Arial" pitchFamily="34" charset="0"/>
+                        </a:rPr>
+                        <a:t>To access the new API:</a:t>
+                      </a:r>
+                    </a:p>
+                    <a:p>
+                      <a:pPr marL="457200" marR="0" lvl="1" indent="0" algn="l" defTabSz="4173538" rtl="0" eaLnBrk="1" fontAlgn="base" latinLnBrk="0" hangingPunct="1">
+                        <a:lnSpc>
+                          <a:spcPct val="100000"/>
+                        </a:lnSpc>
+                        <a:spcBef>
+                          <a:spcPct val="20000"/>
+                        </a:spcBef>
+                        <a:spcAft>
+                          <a:spcPct val="0"/>
+                        </a:spcAft>
+                        <a:buClrTx/>
+                        <a:buSzTx/>
+                        <a:buFontTx/>
+                        <a:buNone/>
+                        <a:tabLst/>
+                      </a:pPr>
+                      <a:r>
+                        <a:rPr kumimoji="0" lang="en-GB" sz="2400" b="0" i="0" u="none" strike="noStrike" kern="1200" cap="none" normalizeH="0" baseline="0" dirty="0" smtClean="0">
+                          <a:ln>
+                            <a:noFill/>
+                          </a:ln>
+                          <a:solidFill>
+                            <a:schemeClr val="tx1"/>
+                          </a:solidFill>
+                          <a:effectLst/>
+                          <a:latin typeface="Courier New" pitchFamily="49" charset="0"/>
+                          <a:ea typeface="+mn-ea"/>
+                          <a:cs typeface="Courier New" pitchFamily="49" charset="0"/>
+                        </a:rPr>
+                        <a:t>from </a:t>
+                      </a:r>
+                      <a:r>
+                        <a:rPr kumimoji="0" lang="en-GB" sz="2400" b="0" i="0" u="none" strike="noStrike" kern="1200" cap="none" normalizeH="0" baseline="0" dirty="0" err="1" smtClean="0">
+                          <a:ln>
+                            <a:noFill/>
+                          </a:ln>
+                          <a:solidFill>
+                            <a:schemeClr val="tx1"/>
+                          </a:solidFill>
+                          <a:effectLst/>
+                          <a:latin typeface="Courier New" pitchFamily="49" charset="0"/>
+                          <a:ea typeface="+mn-ea"/>
+                          <a:cs typeface="Courier New" pitchFamily="49" charset="0"/>
+                        </a:rPr>
+                        <a:t>mantid.simpleapi</a:t>
+                      </a:r>
+                      <a:r>
+                        <a:rPr kumimoji="0" lang="en-GB" sz="2400" b="0" i="0" u="none" strike="noStrike" kern="1200" cap="none" normalizeH="0" baseline="0" dirty="0" smtClean="0">
+                          <a:ln>
+                            <a:noFill/>
+                          </a:ln>
+                          <a:solidFill>
+                            <a:schemeClr val="tx1"/>
+                          </a:solidFill>
+                          <a:effectLst/>
+                          <a:latin typeface="Courier New" pitchFamily="49" charset="0"/>
+                          <a:ea typeface="+mn-ea"/>
+                          <a:cs typeface="Courier New" pitchFamily="49" charset="0"/>
+                        </a:rPr>
+                        <a:t> import *</a:t>
+                      </a:r>
                     </a:p>
                     <a:p>
                       <a:pPr marL="0" marR="0" lvl="0" indent="0" algn="l" defTabSz="4173538" rtl="0" eaLnBrk="1" fontAlgn="base" latinLnBrk="0" hangingPunct="1">
@@ -4185,11 +4464,11 @@
                         </a:spcAft>
                         <a:buClrTx/>
                         <a:buSzTx/>
-                        <a:buFont typeface="Arial" pitchFamily="34" charset="0"/>
+                        <a:buFontTx/>
                         <a:buNone/>
                         <a:tabLst/>
                       </a:pPr>
-                      <a:endParaRPr kumimoji="0" lang="en-US" sz="2400" b="0" i="0" u="none" strike="noStrike" kern="0" cap="none" normalizeH="0" baseline="0" dirty="0" smtClean="0">
+                      <a:endParaRPr kumimoji="0" lang="en-GB" sz="2400" b="0" i="0" u="none" strike="noStrike" kern="1200" cap="none" normalizeH="0" baseline="0" dirty="0" smtClean="0">
                         <a:ln>
                           <a:noFill/>
                         </a:ln>
@@ -4197,7 +4476,8 @@
                           <a:schemeClr val="tx1"/>
                         </a:solidFill>
                         <a:effectLst/>
-                        <a:latin typeface="+mn-lt"/>
+                        <a:latin typeface="Arial" pitchFamily="34" charset="0"/>
+                        <a:ea typeface="+mn-ea"/>
                         <a:cs typeface="Arial" pitchFamily="34" charset="0"/>
                       </a:endParaRPr>
                     </a:p>
@@ -4214,24 +4494,28 @@
                         </a:spcAft>
                         <a:buClrTx/>
                         <a:buSzTx/>
-                        <a:buFont typeface="Arial" pitchFamily="34" charset="0"/>
+                        <a:buFontTx/>
                         <a:buNone/>
                         <a:tabLst/>
                       </a:pPr>
-                      <a:endParaRPr kumimoji="0" lang="en-US" sz="2400" b="0" i="0" u="none" strike="noStrike" kern="0" cap="none" normalizeH="0" baseline="0" dirty="0" smtClean="0">
-                        <a:ln>
-                          <a:noFill/>
-                        </a:ln>
-                        <a:solidFill>
-                          <a:schemeClr val="tx1"/>
-                        </a:solidFill>
-                        <a:effectLst/>
-                        <a:latin typeface="+mn-lt"/>
-                        <a:cs typeface="Arial" pitchFamily="34" charset="0"/>
-                      </a:endParaRPr>
-                    </a:p>
-                    <a:p>
-                      <a:pPr marL="0" marR="0" lvl="0" indent="0" algn="l" defTabSz="4173538" rtl="0" eaLnBrk="1" fontAlgn="base" latinLnBrk="0" hangingPunct="1">
+                      <a:r>
+                        <a:rPr kumimoji="0" lang="en-GB" sz="2400" b="0" i="0" u="none" strike="noStrike" kern="1200" cap="none" normalizeH="0" baseline="0" dirty="0" smtClean="0">
+                          <a:ln>
+                            <a:noFill/>
+                          </a:ln>
+                          <a:solidFill>
+                            <a:schemeClr val="tx1"/>
+                          </a:solidFill>
+                          <a:effectLst/>
+                          <a:latin typeface="Arial" pitchFamily="34" charset="0"/>
+                          <a:ea typeface="+mn-ea"/>
+                          <a:cs typeface="Arial" pitchFamily="34" charset="0"/>
+                        </a:rPr>
+                        <a:t>Furthermore we have provided a python program that can  automatically migrate existing scripts from the old to the new API.</a:t>
+                      </a:r>
+                    </a:p>
+                    <a:p>
+                      <a:pPr marL="457200" marR="0" lvl="1" indent="0" algn="l" defTabSz="4173538" rtl="0" eaLnBrk="1" fontAlgn="base" latinLnBrk="0" hangingPunct="1">
                         <a:lnSpc>
                           <a:spcPct val="100000"/>
                         </a:lnSpc>
@@ -4243,11 +4527,41 @@
                         </a:spcAft>
                         <a:buClrTx/>
                         <a:buSzTx/>
-                        <a:buFont typeface="Arial" pitchFamily="34" charset="0"/>
+                        <a:buFontTx/>
                         <a:buNone/>
                         <a:tabLst/>
                       </a:pPr>
-                      <a:endParaRPr kumimoji="0" lang="en-US" sz="2400" b="0" i="0" u="none" strike="noStrike" kern="0" cap="none" normalizeH="0" baseline="0" dirty="0" smtClean="0">
+                      <a:r>
+                        <a:rPr kumimoji="0" lang="en-GB" sz="2400" b="0" i="0" u="none" strike="noStrike" kern="1200" cap="none" normalizeH="0" baseline="0" dirty="0" smtClean="0">
+                          <a:ln>
+                            <a:noFill/>
+                          </a:ln>
+                          <a:solidFill>
+                            <a:schemeClr val="tx1"/>
+                          </a:solidFill>
+                          <a:effectLst/>
+                          <a:latin typeface="Courier New" pitchFamily="49" charset="0"/>
+                          <a:ea typeface="+mn-ea"/>
+                          <a:cs typeface="Courier New" pitchFamily="49" charset="0"/>
+                        </a:rPr>
+                        <a:t>python [MANTIDINSTALL]/scripts/migrate1to2.py </a:t>
+                      </a:r>
+                      <a:r>
+                        <a:rPr kumimoji="0" lang="en-GB" sz="2400" b="0" i="0" u="none" strike="noStrike" kern="1200" cap="none" normalizeH="0" baseline="0" dirty="0" err="1" smtClean="0">
+                          <a:ln>
+                            <a:noFill/>
+                          </a:ln>
+                          <a:solidFill>
+                            <a:schemeClr val="tx1"/>
+                          </a:solidFill>
+                          <a:effectLst/>
+                          <a:latin typeface="Courier New" pitchFamily="49" charset="0"/>
+                          <a:ea typeface="+mn-ea"/>
+                          <a:cs typeface="Courier New" pitchFamily="49" charset="0"/>
+                        </a:rPr>
+                        <a:t>your_file_here</a:t>
+                      </a:r>
+                      <a:endParaRPr kumimoji="0" lang="en-GB" sz="2400" b="0" i="0" u="none" strike="noStrike" kern="1200" cap="none" normalizeH="0" baseline="0" dirty="0" smtClean="0">
                         <a:ln>
                           <a:noFill/>
                         </a:ln>
@@ -4255,388 +4569,10 @@
                           <a:schemeClr val="tx1"/>
                         </a:solidFill>
                         <a:effectLst/>
-                        <a:latin typeface="+mn-lt"/>
-                        <a:cs typeface="Arial" pitchFamily="34" charset="0"/>
-                      </a:endParaRPr>
-                    </a:p>
-                    <a:p>
-                      <a:pPr marL="0" marR="0" lvl="0" indent="0" algn="l" defTabSz="4173538" rtl="0" eaLnBrk="1" fontAlgn="base" latinLnBrk="0" hangingPunct="1">
-                        <a:lnSpc>
-                          <a:spcPct val="100000"/>
-                        </a:lnSpc>
-                        <a:spcBef>
-                          <a:spcPct val="20000"/>
-                        </a:spcBef>
-                        <a:spcAft>
-                          <a:spcPct val="0"/>
-                        </a:spcAft>
-                        <a:buClrTx/>
-                        <a:buSzTx/>
-                        <a:buFont typeface="Arial" pitchFamily="34" charset="0"/>
-                        <a:buNone/>
-                        <a:tabLst/>
-                      </a:pPr>
-                      <a:endParaRPr kumimoji="0" lang="en-US" sz="2400" b="0" i="0" u="none" strike="noStrike" kern="0" cap="none" normalizeH="0" baseline="0" dirty="0" smtClean="0">
-                        <a:ln>
-                          <a:noFill/>
-                        </a:ln>
-                        <a:solidFill>
-                          <a:schemeClr val="tx1"/>
-                        </a:solidFill>
-                        <a:effectLst/>
-                        <a:latin typeface="+mn-lt"/>
-                        <a:cs typeface="Arial" pitchFamily="34" charset="0"/>
-                      </a:endParaRPr>
-                    </a:p>
-                    <a:p>
-                      <a:pPr marL="0" marR="0" lvl="0" indent="0" algn="l" defTabSz="4173538" rtl="0" eaLnBrk="1" fontAlgn="base" latinLnBrk="0" hangingPunct="1">
-                        <a:lnSpc>
-                          <a:spcPct val="100000"/>
-                        </a:lnSpc>
-                        <a:spcBef>
-                          <a:spcPct val="20000"/>
-                        </a:spcBef>
-                        <a:spcAft>
-                          <a:spcPct val="0"/>
-                        </a:spcAft>
-                        <a:buClrTx/>
-                        <a:buSzTx/>
-                        <a:buFont typeface="Arial" pitchFamily="34" charset="0"/>
-                        <a:buNone/>
-                        <a:tabLst/>
-                      </a:pPr>
-                      <a:endParaRPr kumimoji="0" lang="en-US" sz="2400" b="0" i="0" u="none" strike="noStrike" kern="0" cap="none" normalizeH="0" baseline="0" dirty="0" smtClean="0">
-                        <a:ln>
-                          <a:noFill/>
-                        </a:ln>
-                        <a:solidFill>
-                          <a:schemeClr val="tx1"/>
-                        </a:solidFill>
-                        <a:effectLst/>
-                        <a:latin typeface="+mn-lt"/>
-                        <a:cs typeface="Arial" pitchFamily="34" charset="0"/>
-                      </a:endParaRPr>
-                    </a:p>
-                    <a:p>
-                      <a:pPr marL="0" marR="0" lvl="0" indent="0" algn="l" defTabSz="4173538" rtl="0" eaLnBrk="1" fontAlgn="base" latinLnBrk="0" hangingPunct="1">
-                        <a:lnSpc>
-                          <a:spcPct val="100000"/>
-                        </a:lnSpc>
-                        <a:spcBef>
-                          <a:spcPct val="20000"/>
-                        </a:spcBef>
-                        <a:spcAft>
-                          <a:spcPct val="0"/>
-                        </a:spcAft>
-                        <a:buClrTx/>
-                        <a:buSzTx/>
-                        <a:buFont typeface="Arial" pitchFamily="34" charset="0"/>
-                        <a:buNone/>
-                        <a:tabLst/>
-                      </a:pPr>
-                      <a:endParaRPr kumimoji="0" lang="en-US" sz="2400" b="0" i="0" u="none" strike="noStrike" kern="0" cap="none" normalizeH="0" baseline="0" dirty="0" smtClean="0">
-                        <a:ln>
-                          <a:noFill/>
-                        </a:ln>
-                        <a:solidFill>
-                          <a:schemeClr val="tx1"/>
-                        </a:solidFill>
-                        <a:effectLst/>
-                        <a:latin typeface="+mn-lt"/>
-                        <a:cs typeface="Arial" pitchFamily="34" charset="0"/>
-                      </a:endParaRPr>
-                    </a:p>
-                    <a:p>
-                      <a:pPr marL="0" marR="0" lvl="0" indent="0" algn="l" defTabSz="4173538" rtl="0" eaLnBrk="1" fontAlgn="base" latinLnBrk="0" hangingPunct="1">
-                        <a:lnSpc>
-                          <a:spcPct val="100000"/>
-                        </a:lnSpc>
-                        <a:spcBef>
-                          <a:spcPct val="20000"/>
-                        </a:spcBef>
-                        <a:spcAft>
-                          <a:spcPct val="0"/>
-                        </a:spcAft>
-                        <a:buClrTx/>
-                        <a:buSzTx/>
-                        <a:buFont typeface="Arial" pitchFamily="34" charset="0"/>
-                        <a:buNone/>
-                        <a:tabLst/>
-                      </a:pPr>
-                      <a:endParaRPr kumimoji="0" lang="en-US" sz="2400" b="0" i="0" u="none" strike="noStrike" kern="0" cap="none" normalizeH="0" baseline="0" dirty="0" smtClean="0">
-                        <a:ln>
-                          <a:noFill/>
-                        </a:ln>
-                        <a:solidFill>
-                          <a:schemeClr val="tx1"/>
-                        </a:solidFill>
-                        <a:effectLst/>
-                        <a:latin typeface="+mn-lt"/>
-                        <a:cs typeface="Arial" pitchFamily="34" charset="0"/>
-                      </a:endParaRPr>
-                    </a:p>
-                    <a:p>
-                      <a:pPr marL="0" marR="0" lvl="0" indent="0" algn="l" defTabSz="4173538" rtl="0" eaLnBrk="1" fontAlgn="base" latinLnBrk="0" hangingPunct="1">
-                        <a:lnSpc>
-                          <a:spcPct val="100000"/>
-                        </a:lnSpc>
-                        <a:spcBef>
-                          <a:spcPct val="20000"/>
-                        </a:spcBef>
-                        <a:spcAft>
-                          <a:spcPct val="0"/>
-                        </a:spcAft>
-                        <a:buClrTx/>
-                        <a:buSzTx/>
-                        <a:buFont typeface="Arial" pitchFamily="34" charset="0"/>
-                        <a:buNone/>
-                        <a:tabLst/>
-                      </a:pPr>
-                      <a:endParaRPr kumimoji="0" lang="en-US" sz="2400" b="0" i="0" u="none" strike="noStrike" kern="0" cap="none" normalizeH="0" baseline="0" dirty="0" smtClean="0">
-                        <a:ln>
-                          <a:noFill/>
-                        </a:ln>
-                        <a:solidFill>
-                          <a:schemeClr val="tx1"/>
-                        </a:solidFill>
-                        <a:effectLst/>
-                        <a:latin typeface="+mn-lt"/>
-                        <a:cs typeface="Arial" pitchFamily="34" charset="0"/>
-                      </a:endParaRPr>
-                    </a:p>
-                    <a:p>
-                      <a:pPr marL="0" marR="0" lvl="0" indent="0" algn="l" defTabSz="4173538" rtl="0" eaLnBrk="1" fontAlgn="base" latinLnBrk="0" hangingPunct="1">
-                        <a:lnSpc>
-                          <a:spcPct val="100000"/>
-                        </a:lnSpc>
-                        <a:spcBef>
-                          <a:spcPct val="20000"/>
-                        </a:spcBef>
-                        <a:spcAft>
-                          <a:spcPct val="0"/>
-                        </a:spcAft>
-                        <a:buClrTx/>
-                        <a:buSzTx/>
-                        <a:buFont typeface="Arial" pitchFamily="34" charset="0"/>
-                        <a:buNone/>
-                        <a:tabLst/>
-                      </a:pPr>
-                      <a:endParaRPr kumimoji="0" lang="en-US" sz="2400" b="0" i="0" u="none" strike="noStrike" kern="0" cap="none" normalizeH="0" baseline="0" dirty="0" smtClean="0">
-                        <a:ln>
-                          <a:noFill/>
-                        </a:ln>
-                        <a:solidFill>
-                          <a:schemeClr val="tx1"/>
-                        </a:solidFill>
-                        <a:effectLst/>
-                        <a:latin typeface="+mn-lt"/>
-                        <a:cs typeface="Arial" pitchFamily="34" charset="0"/>
-                      </a:endParaRPr>
-                    </a:p>
-                    <a:p>
-                      <a:pPr marL="0" marR="0" lvl="0" indent="0" algn="l" defTabSz="4173538" rtl="0" eaLnBrk="1" fontAlgn="base" latinLnBrk="0" hangingPunct="1">
-                        <a:lnSpc>
-                          <a:spcPct val="100000"/>
-                        </a:lnSpc>
-                        <a:spcBef>
-                          <a:spcPct val="20000"/>
-                        </a:spcBef>
-                        <a:spcAft>
-                          <a:spcPct val="0"/>
-                        </a:spcAft>
-                        <a:buClrTx/>
-                        <a:buSzTx/>
-                        <a:buFont typeface="Arial" pitchFamily="34" charset="0"/>
-                        <a:buNone/>
-                        <a:tabLst/>
-                      </a:pPr>
-                      <a:endParaRPr kumimoji="0" lang="en-US" sz="2400" b="0" i="0" u="none" strike="noStrike" kern="0" cap="none" normalizeH="0" baseline="0" dirty="0" smtClean="0">
-                        <a:ln>
-                          <a:noFill/>
-                        </a:ln>
-                        <a:solidFill>
-                          <a:schemeClr val="tx1"/>
-                        </a:solidFill>
-                        <a:effectLst/>
-                        <a:latin typeface="+mn-lt"/>
-                        <a:cs typeface="Arial" pitchFamily="34" charset="0"/>
-                      </a:endParaRPr>
-                    </a:p>
-                    <a:p>
-                      <a:pPr marL="0" marR="0" lvl="0" indent="0" algn="l" defTabSz="4173538" rtl="0" eaLnBrk="1" fontAlgn="base" latinLnBrk="0" hangingPunct="1">
-                        <a:lnSpc>
-                          <a:spcPct val="100000"/>
-                        </a:lnSpc>
-                        <a:spcBef>
-                          <a:spcPct val="20000"/>
-                        </a:spcBef>
-                        <a:spcAft>
-                          <a:spcPct val="0"/>
-                        </a:spcAft>
-                        <a:buClrTx/>
-                        <a:buSzTx/>
-                        <a:buFont typeface="Arial" pitchFamily="34" charset="0"/>
-                        <a:buNone/>
-                        <a:tabLst/>
-                      </a:pPr>
-                      <a:endParaRPr kumimoji="0" lang="en-US" sz="2400" b="0" i="0" u="none" strike="noStrike" kern="0" cap="none" normalizeH="0" baseline="0" dirty="0" smtClean="0">
-                        <a:ln>
-                          <a:noFill/>
-                        </a:ln>
-                        <a:solidFill>
-                          <a:schemeClr val="tx1"/>
-                        </a:solidFill>
-                        <a:effectLst/>
-                        <a:latin typeface="+mn-lt"/>
-                        <a:cs typeface="Arial" pitchFamily="34" charset="0"/>
-                      </a:endParaRPr>
-                    </a:p>
-                    <a:p>
-                      <a:pPr marL="0" marR="0" lvl="0" indent="0" algn="l" defTabSz="4173538" rtl="0" eaLnBrk="1" fontAlgn="base" latinLnBrk="0" hangingPunct="1">
-                        <a:lnSpc>
-                          <a:spcPct val="100000"/>
-                        </a:lnSpc>
-                        <a:spcBef>
-                          <a:spcPct val="20000"/>
-                        </a:spcBef>
-                        <a:spcAft>
-                          <a:spcPct val="0"/>
-                        </a:spcAft>
-                        <a:buClrTx/>
-                        <a:buSzTx/>
-                        <a:buFont typeface="Arial" pitchFamily="34" charset="0"/>
-                        <a:buNone/>
-                        <a:tabLst/>
-                      </a:pPr>
-                      <a:endParaRPr kumimoji="0" lang="en-US" sz="2400" b="0" i="0" u="none" strike="noStrike" kern="0" cap="none" normalizeH="0" baseline="0" dirty="0" smtClean="0">
-                        <a:ln>
-                          <a:noFill/>
-                        </a:ln>
-                        <a:solidFill>
-                          <a:schemeClr val="tx1"/>
-                        </a:solidFill>
-                        <a:effectLst/>
-                        <a:latin typeface="+mn-lt"/>
-                        <a:cs typeface="Arial" pitchFamily="34" charset="0"/>
-                      </a:endParaRPr>
-                    </a:p>
-                    <a:p>
-                      <a:pPr marL="0" marR="0" lvl="0" indent="0" algn="l" defTabSz="4173538" rtl="0" eaLnBrk="1" fontAlgn="base" latinLnBrk="0" hangingPunct="1">
-                        <a:lnSpc>
-                          <a:spcPct val="100000"/>
-                        </a:lnSpc>
-                        <a:spcBef>
-                          <a:spcPct val="20000"/>
-                        </a:spcBef>
-                        <a:spcAft>
-                          <a:spcPct val="0"/>
-                        </a:spcAft>
-                        <a:buClrTx/>
-                        <a:buSzTx/>
-                        <a:buFont typeface="Arial" pitchFamily="34" charset="0"/>
-                        <a:buNone/>
-                        <a:tabLst/>
-                      </a:pPr>
-                      <a:endParaRPr kumimoji="0" lang="en-US" sz="2400" b="0" i="0" u="none" strike="noStrike" kern="0" cap="none" normalizeH="0" baseline="0" dirty="0" smtClean="0">
-                        <a:ln>
-                          <a:noFill/>
-                        </a:ln>
-                        <a:solidFill>
-                          <a:schemeClr val="tx1"/>
-                        </a:solidFill>
-                        <a:effectLst/>
-                        <a:latin typeface="+mn-lt"/>
-                        <a:cs typeface="Arial" pitchFamily="34" charset="0"/>
-                      </a:endParaRPr>
-                    </a:p>
-                    <a:p>
-                      <a:pPr marL="0" marR="0" lvl="0" indent="0" algn="ctr" defTabSz="4173538" rtl="0" eaLnBrk="1" fontAlgn="base" latinLnBrk="0" hangingPunct="1">
-                        <a:lnSpc>
-                          <a:spcPct val="100000"/>
-                        </a:lnSpc>
-                        <a:spcBef>
-                          <a:spcPct val="20000"/>
-                        </a:spcBef>
-                        <a:spcAft>
-                          <a:spcPct val="0"/>
-                        </a:spcAft>
-                        <a:buClrTx/>
-                        <a:buSzTx/>
-                        <a:buFont typeface="Arial" pitchFamily="34" charset="0"/>
-                        <a:buNone/>
-                        <a:tabLst/>
-                      </a:pPr>
-                      <a:endParaRPr kumimoji="0" lang="en-US" sz="2400" b="0" i="1" u="none" strike="noStrike" kern="0" cap="none" normalizeH="0" baseline="0" dirty="0" smtClean="0">
-                        <a:ln>
-                          <a:noFill/>
-                        </a:ln>
-                        <a:solidFill>
-                          <a:schemeClr val="tx1"/>
-                        </a:solidFill>
-                        <a:effectLst/>
-                        <a:latin typeface="Corisande"/>
-                        <a:cs typeface="Arial" pitchFamily="34" charset="0"/>
-                      </a:endParaRPr>
-                    </a:p>
-                    <a:p>
-                      <a:pPr marL="0" marR="0" lvl="0" indent="0" algn="ctr" defTabSz="4173538" rtl="0" eaLnBrk="1" fontAlgn="base" latinLnBrk="0" hangingPunct="1">
-                        <a:lnSpc>
-                          <a:spcPct val="100000"/>
-                        </a:lnSpc>
-                        <a:spcBef>
-                          <a:spcPct val="20000"/>
-                        </a:spcBef>
-                        <a:spcAft>
-                          <a:spcPct val="0"/>
-                        </a:spcAft>
-                        <a:buClrTx/>
-                        <a:buSzTx/>
-                        <a:buFont typeface="Arial" pitchFamily="34" charset="0"/>
-                        <a:buNone/>
-                        <a:tabLst/>
-                      </a:pPr>
-                      <a:r>
-                        <a:rPr kumimoji="0" lang="en-US" sz="2400" b="0" i="1" u="none" strike="noStrike" kern="0" cap="none" normalizeH="0" baseline="0" dirty="0" smtClean="0">
-                          <a:ln>
-                            <a:noFill/>
-                          </a:ln>
-                          <a:solidFill>
-                            <a:schemeClr val="tx1"/>
-                          </a:solidFill>
-                          <a:effectLst/>
-                          <a:latin typeface="Corisande"/>
-                          <a:cs typeface="Arial" pitchFamily="34" charset="0"/>
-                        </a:rPr>
-                        <a:t>Mixing Mantid &amp; </a:t>
-                      </a:r>
-                      <a:r>
-                        <a:rPr kumimoji="0" lang="en-US" sz="2400" b="0" i="1" u="none" strike="noStrike" kern="0" cap="none" normalizeH="0" baseline="0" dirty="0" err="1" smtClean="0">
-                          <a:ln>
-                            <a:noFill/>
-                          </a:ln>
-                          <a:solidFill>
-                            <a:schemeClr val="tx1"/>
-                          </a:solidFill>
-                          <a:effectLst/>
-                          <a:latin typeface="Corisande"/>
-                          <a:cs typeface="Arial" pitchFamily="34" charset="0"/>
-                        </a:rPr>
-                        <a:t>NumPy</a:t>
-                      </a:r>
-                      <a:r>
-                        <a:rPr kumimoji="0" lang="en-US" sz="2400" b="0" i="1" u="none" strike="noStrike" kern="0" cap="none" normalizeH="0" baseline="0" dirty="0" smtClean="0">
-                          <a:ln>
-                            <a:noFill/>
-                          </a:ln>
-                          <a:solidFill>
-                            <a:schemeClr val="tx1"/>
-                          </a:solidFill>
-                          <a:effectLst/>
-                          <a:latin typeface="Corisande"/>
-                          <a:cs typeface="Arial" pitchFamily="34" charset="0"/>
-                        </a:rPr>
-                        <a:t> functionality</a:t>
-                      </a:r>
+                        <a:latin typeface="Courier New" pitchFamily="49" charset="0"/>
+                        <a:ea typeface="+mn-ea"/>
+                        <a:cs typeface="Courier New" pitchFamily="49" charset="0"/>
+                      </a:endParaRPr>
                     </a:p>
                   </a:txBody>
                   <a:tcPr horzOverflow="overflow">
@@ -4666,6 +4602,226 @@
                     <a:bodyPr/>
                     <a:lstStyle/>
                     <a:p>
+                      <a:pPr marL="0" marR="0" lvl="0" indent="0" algn="ctr" defTabSz="4173538" rtl="0" eaLnBrk="1" fontAlgn="base" latinLnBrk="0" hangingPunct="1">
+                        <a:lnSpc>
+                          <a:spcPct val="100000"/>
+                        </a:lnSpc>
+                        <a:spcBef>
+                          <a:spcPct val="20000"/>
+                        </a:spcBef>
+                        <a:spcAft>
+                          <a:spcPct val="0"/>
+                        </a:spcAft>
+                        <a:buClrTx/>
+                        <a:buSzTx/>
+                        <a:buFont typeface="Arial" pitchFamily="34" charset="0"/>
+                        <a:buNone/>
+                        <a:tabLst/>
+                      </a:pPr>
+                      <a:endParaRPr kumimoji="0" lang="en-GB" sz="2400" b="0" i="1" u="none" strike="noStrike" cap="none" normalizeH="0" baseline="0" dirty="0" smtClean="0">
+                        <a:ln>
+                          <a:noFill/>
+                        </a:ln>
+                        <a:solidFill>
+                          <a:schemeClr val="tx1"/>
+                        </a:solidFill>
+                        <a:effectLst/>
+                        <a:latin typeface="Corisande"/>
+                      </a:endParaRPr>
+                    </a:p>
+                  </a:txBody>
+                  <a:tcPr horzOverflow="overflow">
+                    <a:lnL cap="flat">
+                      <a:noFill/>
+                    </a:lnL>
+                    <a:lnR>
+                      <a:noFill/>
+                    </a:lnR>
+                    <a:lnT cap="flat">
+                      <a:noFill/>
+                    </a:lnT>
+                    <a:lnB cap="flat">
+                      <a:noFill/>
+                    </a:lnB>
+                    <a:lnTlToBr>
+                      <a:noFill/>
+                    </a:lnTlToBr>
+                    <a:lnBlToTr>
+                      <a:noFill/>
+                    </a:lnBlToTr>
+                    <a:noFill/>
+                  </a:tcPr>
+                </a:tc>
+                <a:tc>
+                  <a:txBody>
+                    <a:bodyPr/>
+                    <a:lstStyle/>
+                    <a:p>
+                      <a:pPr>
+                        <a:buFont typeface="Arial" pitchFamily="34" charset="0"/>
+                        <a:buNone/>
+                      </a:pPr>
+                      <a:r>
+                        <a:rPr lang="en-GB" sz="5000" kern="1200" baseline="0" dirty="0" err="1" smtClean="0">
+                          <a:solidFill>
+                            <a:srgbClr val="002D55"/>
+                          </a:solidFill>
+                          <a:latin typeface="Corisande"/>
+                          <a:ea typeface="+mn-ea"/>
+                          <a:cs typeface="+mn-cs"/>
+                        </a:rPr>
+                        <a:t>NumPy</a:t>
+                      </a:r>
+                      <a:endParaRPr lang="en-GB" sz="5000" kern="1200" baseline="0" dirty="0" smtClean="0">
+                        <a:solidFill>
+                          <a:srgbClr val="002D55"/>
+                        </a:solidFill>
+                        <a:latin typeface="Corisande"/>
+                        <a:ea typeface="+mn-ea"/>
+                        <a:cs typeface="+mn-cs"/>
+                      </a:endParaRPr>
+                    </a:p>
+                    <a:p>
+                      <a:pPr>
+                        <a:buFont typeface="Arial" pitchFamily="34" charset="0"/>
+                        <a:buNone/>
+                      </a:pPr>
+                      <a:r>
+                        <a:rPr lang="en-GB" sz="2400" kern="1200" baseline="0" dirty="0" smtClean="0">
+                          <a:solidFill>
+                            <a:schemeClr val="tx1"/>
+                          </a:solidFill>
+                          <a:latin typeface="Arial" pitchFamily="34" charset="0"/>
+                          <a:ea typeface="+mn-ea"/>
+                          <a:cs typeface="Arial" pitchFamily="34" charset="0"/>
+                        </a:rPr>
+                        <a:t>The </a:t>
+                      </a:r>
+                      <a:r>
+                        <a:rPr lang="en-GB" sz="2400" kern="1200" baseline="0" dirty="0" err="1" smtClean="0">
+                          <a:solidFill>
+                            <a:schemeClr val="tx1"/>
+                          </a:solidFill>
+                          <a:latin typeface="Arial" pitchFamily="34" charset="0"/>
+                          <a:ea typeface="+mn-ea"/>
+                          <a:cs typeface="Arial" pitchFamily="34" charset="0"/>
+                        </a:rPr>
+                        <a:t>NumPy</a:t>
+                      </a:r>
+                      <a:r>
+                        <a:rPr lang="en-GB" sz="2400" kern="1200" baseline="0" dirty="0" smtClean="0">
+                          <a:solidFill>
+                            <a:schemeClr val="tx1"/>
+                          </a:solidFill>
+                          <a:latin typeface="Arial" pitchFamily="34" charset="0"/>
+                          <a:ea typeface="+mn-ea"/>
+                          <a:cs typeface="Arial" pitchFamily="34" charset="0"/>
+                        </a:rPr>
+                        <a:t> package provides a generic multi-dimensional array object along with a large number of pre-defined mathematical functions to act on these arrays. In addition to extensive functionality they are also much faster than Python lists when wishing to perform calculations on an entire dataset.</a:t>
+                      </a:r>
+                    </a:p>
+                    <a:p>
+                      <a:pPr>
+                        <a:buFont typeface="Arial" pitchFamily="34" charset="0"/>
+                        <a:buNone/>
+                      </a:pPr>
+                      <a:endParaRPr lang="en-GB" sz="2400" kern="1200" baseline="0" dirty="0" smtClean="0">
+                        <a:solidFill>
+                          <a:schemeClr val="tx1"/>
+                        </a:solidFill>
+                        <a:latin typeface="Arial" pitchFamily="34" charset="0"/>
+                        <a:ea typeface="+mn-ea"/>
+                        <a:cs typeface="Arial" pitchFamily="34" charset="0"/>
+                      </a:endParaRPr>
+                    </a:p>
+                    <a:p>
+                      <a:pPr>
+                        <a:buFont typeface="Arial" pitchFamily="34" charset="0"/>
+                        <a:buNone/>
+                      </a:pPr>
+                      <a:r>
+                        <a:rPr lang="en-GB" sz="2400" kern="1200" baseline="0" dirty="0" smtClean="0">
+                          <a:solidFill>
+                            <a:schemeClr val="tx1"/>
+                          </a:solidFill>
+                          <a:latin typeface="Arial" pitchFamily="34" charset="0"/>
+                          <a:ea typeface="+mn-ea"/>
+                          <a:cs typeface="Arial" pitchFamily="34" charset="0"/>
+                        </a:rPr>
+                        <a:t>In Mantid most users run a set of C++ algorithms to perform their reduction/analysis. Access to the “raw” data from each computation though is a must have. To provide this there are several solutions:</a:t>
+                      </a:r>
+                    </a:p>
+                    <a:p>
+                      <a:pPr>
+                        <a:buFont typeface="Arial" pitchFamily="34" charset="0"/>
+                        <a:buNone/>
+                      </a:pPr>
+                      <a:endParaRPr lang="en-GB" sz="2400" kern="1200" baseline="0" dirty="0" smtClean="0">
+                        <a:solidFill>
+                          <a:schemeClr val="tx1"/>
+                        </a:solidFill>
+                        <a:latin typeface="Arial" pitchFamily="34" charset="0"/>
+                        <a:ea typeface="+mn-ea"/>
+                        <a:cs typeface="Arial" pitchFamily="34" charset="0"/>
+                      </a:endParaRPr>
+                    </a:p>
+                    <a:p>
+                      <a:pPr>
+                        <a:buFont typeface="Arial" pitchFamily="34" charset="0"/>
+                        <a:buNone/>
+                      </a:pPr>
+                      <a:endParaRPr lang="en-GB" sz="2400" kern="1200" baseline="0" dirty="0" smtClean="0">
+                        <a:solidFill>
+                          <a:schemeClr val="tx1"/>
+                        </a:solidFill>
+                        <a:latin typeface="Arial" pitchFamily="34" charset="0"/>
+                        <a:ea typeface="+mn-ea"/>
+                        <a:cs typeface="Arial" pitchFamily="34" charset="0"/>
+                      </a:endParaRPr>
+                    </a:p>
+                    <a:p>
+                      <a:pPr>
+                        <a:buFont typeface="Arial" pitchFamily="34" charset="0"/>
+                        <a:buNone/>
+                      </a:pPr>
+                      <a:endParaRPr lang="en-GB" sz="2400" kern="1200" baseline="0" dirty="0" smtClean="0">
+                        <a:solidFill>
+                          <a:schemeClr val="tx1"/>
+                        </a:solidFill>
+                        <a:latin typeface="+mn-lt"/>
+                        <a:ea typeface="+mn-ea"/>
+                        <a:cs typeface="+mn-cs"/>
+                      </a:endParaRPr>
+                    </a:p>
+                    <a:p>
+                      <a:pPr>
+                        <a:buFont typeface="Arial" pitchFamily="34" charset="0"/>
+                        <a:buNone/>
+                      </a:pPr>
+                      <a:endParaRPr lang="en-GB" sz="2400" kern="1200" baseline="0" dirty="0" smtClean="0">
+                        <a:solidFill>
+                          <a:schemeClr val="tx1"/>
+                        </a:solidFill>
+                        <a:latin typeface="+mn-lt"/>
+                        <a:ea typeface="+mn-ea"/>
+                        <a:cs typeface="+mn-cs"/>
+                      </a:endParaRPr>
+                    </a:p>
+                    <a:p>
+                      <a:pPr>
+                        <a:buFont typeface="Arial" pitchFamily="34" charset="0"/>
+                        <a:buNone/>
+                      </a:pPr>
+                      <a:endParaRPr lang="en-GB" sz="2400" kern="1200" baseline="0" dirty="0" smtClean="0">
+                        <a:solidFill>
+                          <a:schemeClr val="tx1"/>
+                        </a:solidFill>
+                        <a:latin typeface="+mn-lt"/>
+                        <a:ea typeface="+mn-ea"/>
+                        <a:cs typeface="+mn-cs"/>
+                      </a:endParaRPr>
+                    </a:p>
+                    <a:p>
                       <a:pPr marL="0" marR="0" lvl="0" indent="0" algn="l" defTabSz="4173538" rtl="0" eaLnBrk="1" fontAlgn="base" latinLnBrk="0" hangingPunct="1">
                         <a:lnSpc>
                           <a:spcPct val="100000"/>
@@ -4682,19 +4838,17 @@
                         <a:buNone/>
                         <a:tabLst/>
                       </a:pPr>
-                      <a:r>
-                        <a:rPr kumimoji="0" lang="en-GB" sz="5000" b="0" i="0" u="none" strike="noStrike" cap="none" normalizeH="0" baseline="0" dirty="0" smtClean="0">
-                          <a:ln>
-                            <a:noFill/>
-                          </a:ln>
-                          <a:solidFill>
-                            <a:srgbClr val="002D55"/>
-                          </a:solidFill>
-                          <a:effectLst/>
-                          <a:latin typeface="Corisande"/>
-                        </a:rPr>
-                        <a:t>IPython</a:t>
-                      </a:r>
+                      <a:endParaRPr kumimoji="0" lang="en-US" sz="2400" b="0" i="0" u="none" strike="noStrike" kern="0" cap="none" normalizeH="0" baseline="0" dirty="0" smtClean="0">
+                        <a:ln>
+                          <a:noFill/>
+                        </a:ln>
+                        <a:solidFill>
+                          <a:schemeClr val="tx1"/>
+                        </a:solidFill>
+                        <a:effectLst/>
+                        <a:latin typeface="+mn-lt"/>
+                        <a:cs typeface="Arial" pitchFamily="34" charset="0"/>
+                      </a:endParaRPr>
                     </a:p>
                     <a:p>
                       <a:pPr marL="0" marR="0" lvl="0" indent="0" algn="l" defTabSz="4173538" rtl="0" eaLnBrk="1" fontAlgn="base" latinLnBrk="0" hangingPunct="1">
@@ -4713,8 +4867,95 @@
                         <a:buNone/>
                         <a:tabLst/>
                       </a:pPr>
-                      <a:r>
-                        <a:rPr kumimoji="0" lang="en-GB" sz="2400" b="0" i="0" u="none" strike="noStrike" cap="none" normalizeH="0" baseline="0" dirty="0" smtClean="0">
+                      <a:endParaRPr kumimoji="0" lang="en-US" sz="2400" b="0" i="0" u="none" strike="noStrike" kern="0" cap="none" normalizeH="0" baseline="0" dirty="0" smtClean="0">
+                        <a:ln>
+                          <a:noFill/>
+                        </a:ln>
+                        <a:solidFill>
+                          <a:schemeClr val="tx1"/>
+                        </a:solidFill>
+                        <a:effectLst/>
+                        <a:latin typeface="+mn-lt"/>
+                        <a:cs typeface="Arial" pitchFamily="34" charset="0"/>
+                      </a:endParaRPr>
+                    </a:p>
+                    <a:p>
+                      <a:pPr marL="0" marR="0" lvl="0" indent="0" algn="l" defTabSz="4173538" rtl="0" eaLnBrk="1" fontAlgn="base" latinLnBrk="0" hangingPunct="1">
+                        <a:lnSpc>
+                          <a:spcPct val="100000"/>
+                        </a:lnSpc>
+                        <a:spcBef>
+                          <a:spcPct val="20000"/>
+                        </a:spcBef>
+                        <a:spcAft>
+                          <a:spcPct val="0"/>
+                        </a:spcAft>
+                        <a:buClrTx/>
+                        <a:buSzTx/>
+                        <a:buFontTx/>
+                        <a:buNone/>
+                        <a:tabLst/>
+                      </a:pPr>
+                      <a:endParaRPr kumimoji="0" lang="en-US" sz="2400" b="0" i="0" u="none" strike="noStrike" kern="0" cap="none" normalizeH="0" baseline="0" dirty="0" smtClean="0">
+                        <a:ln>
+                          <a:noFill/>
+                        </a:ln>
+                        <a:solidFill>
+                          <a:schemeClr val="tx1"/>
+                        </a:solidFill>
+                        <a:effectLst/>
+                        <a:latin typeface="+mn-lt"/>
+                        <a:cs typeface="Arial" pitchFamily="34" charset="0"/>
+                      </a:endParaRPr>
+                    </a:p>
+                    <a:p>
+                      <a:pPr marL="0" marR="0" lvl="0" indent="0" algn="l" defTabSz="4173538" rtl="0" eaLnBrk="1" fontAlgn="base" latinLnBrk="0" hangingPunct="1">
+                        <a:lnSpc>
+                          <a:spcPct val="100000"/>
+                        </a:lnSpc>
+                        <a:spcBef>
+                          <a:spcPct val="20000"/>
+                        </a:spcBef>
+                        <a:spcAft>
+                          <a:spcPct val="0"/>
+                        </a:spcAft>
+                        <a:buClrTx/>
+                        <a:buSzTx/>
+                        <a:buFontTx/>
+                        <a:buNone/>
+                        <a:tabLst/>
+                      </a:pPr>
+                      <a:endParaRPr kumimoji="0" lang="en-US" sz="2400" b="0" i="0" u="none" strike="noStrike" kern="0" cap="none" normalizeH="0" baseline="0" dirty="0" smtClean="0">
+                        <a:ln>
+                          <a:noFill/>
+                        </a:ln>
+                        <a:solidFill>
+                          <a:schemeClr val="tx1"/>
+                        </a:solidFill>
+                        <a:effectLst/>
+                        <a:latin typeface="+mn-lt"/>
+                        <a:cs typeface="Arial" pitchFamily="34" charset="0"/>
+                      </a:endParaRPr>
+                    </a:p>
+                    <a:p>
+                      <a:pPr marL="0" marR="0" lvl="0" indent="0" algn="ctr" defTabSz="4173538" rtl="0" eaLnBrk="1" fontAlgn="base" latinLnBrk="0" hangingPunct="1">
+                        <a:lnSpc>
+                          <a:spcPct val="100000"/>
+                        </a:lnSpc>
+                        <a:spcBef>
+                          <a:spcPct val="20000"/>
+                        </a:spcBef>
+                        <a:spcAft>
+                          <a:spcPct val="0"/>
+                        </a:spcAft>
+                        <a:buClrTx/>
+                        <a:buSzTx/>
+                        <a:buFontTx/>
+                        <a:buNone/>
+                        <a:tabLst/>
+                      </a:pPr>
+                      <a:r>
+                        <a:rPr kumimoji="0" lang="en-US" sz="2400" b="0" i="1" u="none" strike="noStrike" kern="0" cap="none" normalizeH="0" baseline="0" dirty="0" smtClean="0">
                           <a:ln>
                             <a:noFill/>
                           </a:ln>
@@ -4722,9 +4963,127 @@
                             <a:schemeClr val="tx1"/>
                           </a:solidFill>
                           <a:effectLst/>
-                          <a:latin typeface="+mn-lt"/>
-                        </a:rPr>
-                        <a:t>The standard Mantid Python file &amp; command line interpreter offer two complementary ways of executing Python code:</a:t>
+                          <a:latin typeface="Corisande"/>
+                          <a:cs typeface="Arial" pitchFamily="34" charset="0"/>
+                        </a:rPr>
+                        <a:t>Comparison of various methods for exposing C++ data to Python</a:t>
+                      </a:r>
+                    </a:p>
+                    <a:p>
+                      <a:pPr marL="0" marR="0" lvl="0" indent="0" algn="l" defTabSz="4173538" rtl="0" eaLnBrk="1" fontAlgn="base" latinLnBrk="0" hangingPunct="1">
+                        <a:lnSpc>
+                          <a:spcPct val="100000"/>
+                        </a:lnSpc>
+                        <a:spcBef>
+                          <a:spcPct val="20000"/>
+                        </a:spcBef>
+                        <a:spcAft>
+                          <a:spcPct val="0"/>
+                        </a:spcAft>
+                        <a:buClrTx/>
+                        <a:buSzTx/>
+                        <a:buFontTx/>
+                        <a:buNone/>
+                        <a:tabLst/>
+                      </a:pPr>
+                      <a:endParaRPr kumimoji="0" lang="en-US" sz="2400" b="0" i="0" u="none" strike="noStrike" kern="0" cap="none" normalizeH="0" baseline="0" dirty="0" smtClean="0">
+                        <a:ln>
+                          <a:noFill/>
+                        </a:ln>
+                        <a:solidFill>
+                          <a:schemeClr val="tx1"/>
+                        </a:solidFill>
+                        <a:effectLst/>
+                        <a:latin typeface="+mn-lt"/>
+                        <a:cs typeface="Arial" pitchFamily="34" charset="0"/>
+                      </a:endParaRPr>
+                    </a:p>
+                    <a:p>
+                      <a:pPr marL="0" marR="0" lvl="0" indent="0" algn="l" defTabSz="4173538" rtl="0" eaLnBrk="1" fontAlgn="base" latinLnBrk="0" hangingPunct="1">
+                        <a:lnSpc>
+                          <a:spcPct val="100000"/>
+                        </a:lnSpc>
+                        <a:spcBef>
+                          <a:spcPct val="20000"/>
+                        </a:spcBef>
+                        <a:spcAft>
+                          <a:spcPct val="0"/>
+                        </a:spcAft>
+                        <a:buClrTx/>
+                        <a:buSzTx/>
+                        <a:buFontTx/>
+                        <a:buNone/>
+                        <a:tabLst/>
+                      </a:pPr>
+                      <a:r>
+                        <a:rPr kumimoji="0" lang="en-US" sz="2400" b="0" i="0" u="none" strike="noStrike" kern="0" cap="none" normalizeH="0" baseline="0" dirty="0" smtClean="0">
+                          <a:ln>
+                            <a:noFill/>
+                          </a:ln>
+                          <a:solidFill>
+                            <a:schemeClr val="tx1"/>
+                          </a:solidFill>
+                          <a:effectLst/>
+                          <a:latin typeface="Arial" pitchFamily="34" charset="0"/>
+                          <a:cs typeface="Arial" pitchFamily="34" charset="0"/>
+                        </a:rPr>
+                        <a:t>The clear winner from a user’s perspective is wrapping the existing C++ data with a </a:t>
+                      </a:r>
+                      <a:r>
+                        <a:rPr kumimoji="0" lang="en-US" sz="2400" b="0" i="0" u="none" strike="noStrike" kern="0" cap="none" normalizeH="0" baseline="0" dirty="0" err="1" smtClean="0">
+                          <a:ln>
+                            <a:noFill/>
+                          </a:ln>
+                          <a:solidFill>
+                            <a:schemeClr val="tx1"/>
+                          </a:solidFill>
+                          <a:effectLst/>
+                          <a:latin typeface="Arial" pitchFamily="34" charset="0"/>
+                          <a:cs typeface="Arial" pitchFamily="34" charset="0"/>
+                        </a:rPr>
+                        <a:t>NumPy</a:t>
+                      </a:r>
+                      <a:r>
+                        <a:rPr kumimoji="0" lang="en-US" sz="2400" b="0" i="0" u="none" strike="noStrike" kern="0" cap="none" normalizeH="0" baseline="0" dirty="0" smtClean="0">
+                          <a:ln>
+                            <a:noFill/>
+                          </a:ln>
+                          <a:solidFill>
+                            <a:schemeClr val="tx1"/>
+                          </a:solidFill>
+                          <a:effectLst/>
+                          <a:latin typeface="Arial" pitchFamily="34" charset="0"/>
+                          <a:cs typeface="Arial" pitchFamily="34" charset="0"/>
+                        </a:rPr>
+                        <a:t> façade. This allows users to manipulate the data as if it were a </a:t>
+                      </a:r>
+                      <a:r>
+                        <a:rPr kumimoji="0" lang="en-US" sz="2400" b="0" i="0" u="none" strike="noStrike" kern="0" cap="none" normalizeH="0" baseline="0" dirty="0" err="1" smtClean="0">
+                          <a:ln>
+                            <a:noFill/>
+                          </a:ln>
+                          <a:solidFill>
+                            <a:schemeClr val="tx1"/>
+                          </a:solidFill>
+                          <a:effectLst/>
+                          <a:latin typeface="Arial" pitchFamily="34" charset="0"/>
+                          <a:cs typeface="Arial" pitchFamily="34" charset="0"/>
+                        </a:rPr>
+                        <a:t>NumPy</a:t>
+                      </a:r>
+                      <a:r>
+                        <a:rPr kumimoji="0" lang="en-US" sz="2400" b="0" i="0" u="none" strike="noStrike" kern="0" cap="none" normalizeH="0" baseline="0" dirty="0" smtClean="0">
+                          <a:ln>
+                            <a:noFill/>
+                          </a:ln>
+                          <a:solidFill>
+                            <a:schemeClr val="tx1"/>
+                          </a:solidFill>
+                          <a:effectLst/>
+                          <a:latin typeface="Arial" pitchFamily="34" charset="0"/>
+                          <a:cs typeface="Arial" pitchFamily="34" charset="0"/>
+                        </a:rPr>
+                        <a:t> array but avoids the overhead of having to copy the data first. The expense is on the developer side and the difficulties will only need to be encountered once. In addition to this “wrapping” Mantid also provides </a:t>
                       </a:r>
                     </a:p>
                     <a:p>
@@ -4745,7 +5104,7 @@
                         <a:tabLst/>
                       </a:pPr>
                       <a:r>
-                        <a:rPr kumimoji="0" lang="en-GB" sz="2400" b="0" i="0" u="none" strike="noStrike" cap="none" normalizeH="0" baseline="0" dirty="0" smtClean="0">
+                        <a:rPr kumimoji="0" lang="en-US" sz="2400" b="0" i="0" u="none" strike="noStrike" kern="0" cap="none" normalizeH="0" baseline="0" dirty="0" smtClean="0">
                           <a:ln>
                             <a:noFill/>
                           </a:ln>
@@ -4753,9 +5112,10 @@
                             <a:schemeClr val="tx1"/>
                           </a:solidFill>
                           <a:effectLst/>
-                          <a:latin typeface="+mn-lt"/>
-                        </a:rPr>
-                        <a:t>  edit &amp; run all/part of file</a:t>
+                          <a:latin typeface="Arial" pitchFamily="34" charset="0"/>
+                          <a:cs typeface="Arial" pitchFamily="34" charset="0"/>
+                        </a:rPr>
+                        <a:t>  a read-only wrapper around the data allowing only non-modifying operations and</a:t>
                       </a:r>
                     </a:p>
                     <a:p>
@@ -4776,7 +5136,7 @@
                         <a:tabLst/>
                       </a:pPr>
                       <a:r>
-                        <a:rPr kumimoji="0" lang="en-GB" sz="2400" b="0" i="0" u="none" strike="noStrike" cap="none" normalizeH="0" baseline="0" dirty="0" smtClean="0">
+                        <a:rPr kumimoji="0" lang="en-US" sz="2400" b="0" i="0" u="none" strike="noStrike" kern="0" cap="none" normalizeH="0" baseline="0" dirty="0" smtClean="0">
                           <a:ln>
                             <a:noFill/>
                           </a:ln>
@@ -4784,10 +5144,388 @@
                             <a:schemeClr val="tx1"/>
                           </a:solidFill>
                           <a:effectLst/>
-                          <a:latin typeface="+mn-lt"/>
-                        </a:rPr>
-                        <a:t>  single line execution with immediate return</a:t>
-                      </a:r>
+                          <a:latin typeface="Arial" pitchFamily="34" charset="0"/>
+                          <a:cs typeface="Arial" pitchFamily="34" charset="0"/>
+                        </a:rPr>
+                        <a:t>  an extract method to perform a copy into a new multi-dimensional array.</a:t>
+                      </a:r>
+                    </a:p>
+                    <a:p>
+                      <a:pPr marL="0" marR="0" lvl="0" indent="0" algn="l" defTabSz="4173538" rtl="0" eaLnBrk="1" fontAlgn="base" latinLnBrk="0" hangingPunct="1">
+                        <a:lnSpc>
+                          <a:spcPct val="100000"/>
+                        </a:lnSpc>
+                        <a:spcBef>
+                          <a:spcPct val="20000"/>
+                        </a:spcBef>
+                        <a:spcAft>
+                          <a:spcPct val="0"/>
+                        </a:spcAft>
+                        <a:buClrTx/>
+                        <a:buSzTx/>
+                        <a:buFont typeface="Arial" pitchFamily="34" charset="0"/>
+                        <a:buChar char="•"/>
+                        <a:tabLst/>
+                      </a:pPr>
+                      <a:endParaRPr kumimoji="0" lang="en-US" sz="2400" b="0" i="0" u="none" strike="noStrike" kern="0" cap="none" normalizeH="0" baseline="0" dirty="0" smtClean="0">
+                        <a:ln>
+                          <a:noFill/>
+                        </a:ln>
+                        <a:solidFill>
+                          <a:schemeClr val="tx1"/>
+                        </a:solidFill>
+                        <a:effectLst/>
+                        <a:latin typeface="Arial" pitchFamily="34" charset="0"/>
+                        <a:cs typeface="Arial" pitchFamily="34" charset="0"/>
+                      </a:endParaRPr>
+                    </a:p>
+                    <a:p>
+                      <a:pPr marL="0" marR="0" lvl="0" indent="0" algn="l" defTabSz="4173538" rtl="0" eaLnBrk="1" fontAlgn="base" latinLnBrk="0" hangingPunct="1">
+                        <a:lnSpc>
+                          <a:spcPct val="100000"/>
+                        </a:lnSpc>
+                        <a:spcBef>
+                          <a:spcPct val="20000"/>
+                        </a:spcBef>
+                        <a:spcAft>
+                          <a:spcPct val="0"/>
+                        </a:spcAft>
+                        <a:buClrTx/>
+                        <a:buSzTx/>
+                        <a:buFont typeface="Arial" pitchFamily="34" charset="0"/>
+                        <a:buChar char="•"/>
+                        <a:tabLst/>
+                      </a:pPr>
+                      <a:endParaRPr kumimoji="0" lang="en-US" sz="2400" b="0" i="0" u="none" strike="noStrike" kern="0" cap="none" normalizeH="0" baseline="0" dirty="0" smtClean="0">
+                        <a:ln>
+                          <a:noFill/>
+                        </a:ln>
+                        <a:solidFill>
+                          <a:schemeClr val="tx1"/>
+                        </a:solidFill>
+                        <a:effectLst/>
+                        <a:latin typeface="Arial" pitchFamily="34" charset="0"/>
+                        <a:cs typeface="Arial" pitchFamily="34" charset="0"/>
+                      </a:endParaRPr>
+                    </a:p>
+                    <a:p>
+                      <a:pPr marL="0" marR="0" lvl="0" indent="0" algn="l" defTabSz="4173538" rtl="0" eaLnBrk="1" fontAlgn="base" latinLnBrk="0" hangingPunct="1">
+                        <a:lnSpc>
+                          <a:spcPct val="100000"/>
+                        </a:lnSpc>
+                        <a:spcBef>
+                          <a:spcPct val="20000"/>
+                        </a:spcBef>
+                        <a:spcAft>
+                          <a:spcPct val="0"/>
+                        </a:spcAft>
+                        <a:buClrTx/>
+                        <a:buSzTx/>
+                        <a:buFont typeface="Arial" pitchFamily="34" charset="0"/>
+                        <a:buChar char="•"/>
+                        <a:tabLst/>
+                      </a:pPr>
+                      <a:endParaRPr kumimoji="0" lang="en-US" sz="2400" b="0" i="0" u="none" strike="noStrike" kern="0" cap="none" normalizeH="0" baseline="0" dirty="0" smtClean="0">
+                        <a:ln>
+                          <a:noFill/>
+                        </a:ln>
+                        <a:solidFill>
+                          <a:schemeClr val="tx1"/>
+                        </a:solidFill>
+                        <a:effectLst/>
+                        <a:latin typeface="Arial" pitchFamily="34" charset="0"/>
+                        <a:cs typeface="Arial" pitchFamily="34" charset="0"/>
+                      </a:endParaRPr>
+                    </a:p>
+                    <a:p>
+                      <a:pPr marL="0" marR="0" lvl="0" indent="0" algn="l" defTabSz="4173538" rtl="0" eaLnBrk="1" fontAlgn="base" latinLnBrk="0" hangingPunct="1">
+                        <a:lnSpc>
+                          <a:spcPct val="100000"/>
+                        </a:lnSpc>
+                        <a:spcBef>
+                          <a:spcPct val="20000"/>
+                        </a:spcBef>
+                        <a:spcAft>
+                          <a:spcPct val="0"/>
+                        </a:spcAft>
+                        <a:buClrTx/>
+                        <a:buSzTx/>
+                        <a:buFont typeface="Arial" pitchFamily="34" charset="0"/>
+                        <a:buChar char="•"/>
+                        <a:tabLst/>
+                      </a:pPr>
+                      <a:endParaRPr kumimoji="0" lang="en-US" sz="2400" b="0" i="0" u="none" strike="noStrike" kern="0" cap="none" normalizeH="0" baseline="0" dirty="0" smtClean="0">
+                        <a:ln>
+                          <a:noFill/>
+                        </a:ln>
+                        <a:solidFill>
+                          <a:schemeClr val="tx1"/>
+                        </a:solidFill>
+                        <a:effectLst/>
+                        <a:latin typeface="Arial" pitchFamily="34" charset="0"/>
+                        <a:cs typeface="Arial" pitchFamily="34" charset="0"/>
+                      </a:endParaRPr>
+                    </a:p>
+                    <a:p>
+                      <a:pPr marL="0" marR="0" lvl="0" indent="0" algn="l" defTabSz="4173538" rtl="0" eaLnBrk="1" fontAlgn="base" latinLnBrk="0" hangingPunct="1">
+                        <a:lnSpc>
+                          <a:spcPct val="100000"/>
+                        </a:lnSpc>
+                        <a:spcBef>
+                          <a:spcPct val="20000"/>
+                        </a:spcBef>
+                        <a:spcAft>
+                          <a:spcPct val="0"/>
+                        </a:spcAft>
+                        <a:buClrTx/>
+                        <a:buSzTx/>
+                        <a:buFont typeface="Arial" pitchFamily="34" charset="0"/>
+                        <a:buChar char="•"/>
+                        <a:tabLst/>
+                      </a:pPr>
+                      <a:endParaRPr kumimoji="0" lang="en-US" sz="2400" b="0" i="0" u="none" strike="noStrike" kern="0" cap="none" normalizeH="0" baseline="0" dirty="0" smtClean="0">
+                        <a:ln>
+                          <a:noFill/>
+                        </a:ln>
+                        <a:solidFill>
+                          <a:schemeClr val="tx1"/>
+                        </a:solidFill>
+                        <a:effectLst/>
+                        <a:latin typeface="Arial" pitchFamily="34" charset="0"/>
+                        <a:cs typeface="Arial" pitchFamily="34" charset="0"/>
+                      </a:endParaRPr>
+                    </a:p>
+                    <a:p>
+                      <a:pPr marL="0" marR="0" lvl="0" indent="0" algn="l" defTabSz="4173538" rtl="0" eaLnBrk="1" fontAlgn="base" latinLnBrk="0" hangingPunct="1">
+                        <a:lnSpc>
+                          <a:spcPct val="100000"/>
+                        </a:lnSpc>
+                        <a:spcBef>
+                          <a:spcPct val="20000"/>
+                        </a:spcBef>
+                        <a:spcAft>
+                          <a:spcPct val="0"/>
+                        </a:spcAft>
+                        <a:buClrTx/>
+                        <a:buSzTx/>
+                        <a:buFont typeface="Arial" pitchFamily="34" charset="0"/>
+                        <a:buChar char="•"/>
+                        <a:tabLst/>
+                      </a:pPr>
+                      <a:endParaRPr kumimoji="0" lang="en-US" sz="2400" b="0" i="0" u="none" strike="noStrike" kern="0" cap="none" normalizeH="0" baseline="0" dirty="0" smtClean="0">
+                        <a:ln>
+                          <a:noFill/>
+                        </a:ln>
+                        <a:solidFill>
+                          <a:schemeClr val="tx1"/>
+                        </a:solidFill>
+                        <a:effectLst/>
+                        <a:latin typeface="Arial" pitchFamily="34" charset="0"/>
+                        <a:cs typeface="Arial" pitchFamily="34" charset="0"/>
+                      </a:endParaRPr>
+                    </a:p>
+                    <a:p>
+                      <a:pPr marL="0" marR="0" lvl="0" indent="0" algn="l" defTabSz="4173538" rtl="0" eaLnBrk="1" fontAlgn="base" latinLnBrk="0" hangingPunct="1">
+                        <a:lnSpc>
+                          <a:spcPct val="100000"/>
+                        </a:lnSpc>
+                        <a:spcBef>
+                          <a:spcPct val="20000"/>
+                        </a:spcBef>
+                        <a:spcAft>
+                          <a:spcPct val="0"/>
+                        </a:spcAft>
+                        <a:buClrTx/>
+                        <a:buSzTx/>
+                        <a:buFont typeface="Arial" pitchFamily="34" charset="0"/>
+                        <a:buChar char="•"/>
+                        <a:tabLst/>
+                      </a:pPr>
+                      <a:endParaRPr kumimoji="0" lang="en-US" sz="2400" b="0" i="0" u="none" strike="noStrike" kern="0" cap="none" normalizeH="0" baseline="0" dirty="0" smtClean="0">
+                        <a:ln>
+                          <a:noFill/>
+                        </a:ln>
+                        <a:solidFill>
+                          <a:schemeClr val="tx1"/>
+                        </a:solidFill>
+                        <a:effectLst/>
+                        <a:latin typeface="Arial" pitchFamily="34" charset="0"/>
+                        <a:cs typeface="Arial" pitchFamily="34" charset="0"/>
+                      </a:endParaRPr>
+                    </a:p>
+                    <a:p>
+                      <a:pPr marL="0" marR="0" lvl="0" indent="0" algn="l" defTabSz="4173538" rtl="0" eaLnBrk="1" fontAlgn="base" latinLnBrk="0" hangingPunct="1">
+                        <a:lnSpc>
+                          <a:spcPct val="100000"/>
+                        </a:lnSpc>
+                        <a:spcBef>
+                          <a:spcPct val="20000"/>
+                        </a:spcBef>
+                        <a:spcAft>
+                          <a:spcPct val="0"/>
+                        </a:spcAft>
+                        <a:buClrTx/>
+                        <a:buSzTx/>
+                        <a:buFont typeface="Arial" pitchFamily="34" charset="0"/>
+                        <a:buChar char="•"/>
+                        <a:tabLst/>
+                      </a:pPr>
+                      <a:endParaRPr kumimoji="0" lang="en-US" sz="2400" b="0" i="0" u="none" strike="noStrike" kern="0" cap="none" normalizeH="0" baseline="0" dirty="0" smtClean="0">
+                        <a:ln>
+                          <a:noFill/>
+                        </a:ln>
+                        <a:solidFill>
+                          <a:schemeClr val="tx1"/>
+                        </a:solidFill>
+                        <a:effectLst/>
+                        <a:latin typeface="Arial" pitchFamily="34" charset="0"/>
+                        <a:cs typeface="Arial" pitchFamily="34" charset="0"/>
+                      </a:endParaRPr>
+                    </a:p>
+                    <a:p>
+                      <a:pPr marL="0" marR="0" lvl="0" indent="0" algn="l" defTabSz="4173538" rtl="0" eaLnBrk="1" fontAlgn="base" latinLnBrk="0" hangingPunct="1">
+                        <a:lnSpc>
+                          <a:spcPct val="100000"/>
+                        </a:lnSpc>
+                        <a:spcBef>
+                          <a:spcPct val="20000"/>
+                        </a:spcBef>
+                        <a:spcAft>
+                          <a:spcPct val="0"/>
+                        </a:spcAft>
+                        <a:buClrTx/>
+                        <a:buSzTx/>
+                        <a:buFont typeface="Arial" pitchFamily="34" charset="0"/>
+                        <a:buChar char="•"/>
+                        <a:tabLst/>
+                      </a:pPr>
+                      <a:endParaRPr kumimoji="0" lang="en-US" sz="2400" b="0" i="0" u="none" strike="noStrike" kern="0" cap="none" normalizeH="0" baseline="0" dirty="0" smtClean="0">
+                        <a:ln>
+                          <a:noFill/>
+                        </a:ln>
+                        <a:solidFill>
+                          <a:schemeClr val="tx1"/>
+                        </a:solidFill>
+                        <a:effectLst/>
+                        <a:latin typeface="Arial" pitchFamily="34" charset="0"/>
+                        <a:cs typeface="Arial" pitchFamily="34" charset="0"/>
+                      </a:endParaRPr>
+                    </a:p>
+                    <a:p>
+                      <a:pPr marL="0" marR="0" lvl="0" indent="0" algn="l" defTabSz="4173538" rtl="0" eaLnBrk="1" fontAlgn="base" latinLnBrk="0" hangingPunct="1">
+                        <a:lnSpc>
+                          <a:spcPct val="100000"/>
+                        </a:lnSpc>
+                        <a:spcBef>
+                          <a:spcPct val="20000"/>
+                        </a:spcBef>
+                        <a:spcAft>
+                          <a:spcPct val="0"/>
+                        </a:spcAft>
+                        <a:buClrTx/>
+                        <a:buSzTx/>
+                        <a:buFont typeface="Arial" pitchFamily="34" charset="0"/>
+                        <a:buChar char="•"/>
+                        <a:tabLst/>
+                      </a:pPr>
+                      <a:endParaRPr kumimoji="0" lang="en-US" sz="2400" b="0" i="0" u="none" strike="noStrike" kern="0" cap="none" normalizeH="0" baseline="0" dirty="0" smtClean="0">
+                        <a:ln>
+                          <a:noFill/>
+                        </a:ln>
+                        <a:solidFill>
+                          <a:schemeClr val="tx1"/>
+                        </a:solidFill>
+                        <a:effectLst/>
+                        <a:latin typeface="Arial" pitchFamily="34" charset="0"/>
+                        <a:cs typeface="Arial" pitchFamily="34" charset="0"/>
+                      </a:endParaRPr>
+                    </a:p>
+                    <a:p>
+                      <a:pPr marL="0" marR="0" lvl="0" indent="0" algn="l" defTabSz="4173538" rtl="0" eaLnBrk="1" fontAlgn="base" latinLnBrk="0" hangingPunct="1">
+                        <a:lnSpc>
+                          <a:spcPct val="100000"/>
+                        </a:lnSpc>
+                        <a:spcBef>
+                          <a:spcPct val="20000"/>
+                        </a:spcBef>
+                        <a:spcAft>
+                          <a:spcPct val="0"/>
+                        </a:spcAft>
+                        <a:buClrTx/>
+                        <a:buSzTx/>
+                        <a:buFont typeface="Arial" pitchFamily="34" charset="0"/>
+                        <a:buChar char="•"/>
+                        <a:tabLst/>
+                      </a:pPr>
+                      <a:endParaRPr kumimoji="0" lang="en-US" sz="2400" b="0" i="0" u="none" strike="noStrike" kern="0" cap="none" normalizeH="0" baseline="0" dirty="0" smtClean="0">
+                        <a:ln>
+                          <a:noFill/>
+                        </a:ln>
+                        <a:solidFill>
+                          <a:schemeClr val="tx1"/>
+                        </a:solidFill>
+                        <a:effectLst/>
+                        <a:latin typeface="Arial" pitchFamily="34" charset="0"/>
+                        <a:cs typeface="Arial" pitchFamily="34" charset="0"/>
+                      </a:endParaRPr>
+                    </a:p>
+                    <a:p>
+                      <a:pPr marL="0" marR="0" lvl="0" indent="0" algn="l" defTabSz="4173538" rtl="0" eaLnBrk="1" fontAlgn="base" latinLnBrk="0" hangingPunct="1">
+                        <a:lnSpc>
+                          <a:spcPct val="100000"/>
+                        </a:lnSpc>
+                        <a:spcBef>
+                          <a:spcPct val="20000"/>
+                        </a:spcBef>
+                        <a:spcAft>
+                          <a:spcPct val="0"/>
+                        </a:spcAft>
+                        <a:buClrTx/>
+                        <a:buSzTx/>
+                        <a:buFont typeface="Arial" pitchFamily="34" charset="0"/>
+                        <a:buChar char="•"/>
+                        <a:tabLst/>
+                      </a:pPr>
+                      <a:endParaRPr kumimoji="0" lang="en-US" sz="2400" b="0" i="0" u="none" strike="noStrike" kern="0" cap="none" normalizeH="0" baseline="0" dirty="0" smtClean="0">
+                        <a:ln>
+                          <a:noFill/>
+                        </a:ln>
+                        <a:solidFill>
+                          <a:schemeClr val="tx1"/>
+                        </a:solidFill>
+                        <a:effectLst/>
+                        <a:latin typeface="Arial" pitchFamily="34" charset="0"/>
+                        <a:cs typeface="Arial" pitchFamily="34" charset="0"/>
+                      </a:endParaRPr>
+                    </a:p>
+                    <a:p>
+                      <a:pPr marL="0" marR="0" lvl="0" indent="0" algn="l" defTabSz="4173538" rtl="0" eaLnBrk="1" fontAlgn="base" latinLnBrk="0" hangingPunct="1">
+                        <a:lnSpc>
+                          <a:spcPct val="100000"/>
+                        </a:lnSpc>
+                        <a:spcBef>
+                          <a:spcPct val="20000"/>
+                        </a:spcBef>
+                        <a:spcAft>
+                          <a:spcPct val="0"/>
+                        </a:spcAft>
+                        <a:buClrTx/>
+                        <a:buSzTx/>
+                        <a:buFont typeface="Arial" pitchFamily="34" charset="0"/>
+                        <a:buChar char="•"/>
+                        <a:tabLst/>
+                      </a:pPr>
+                      <a:endParaRPr kumimoji="0" lang="en-US" sz="2400" b="0" i="0" u="none" strike="noStrike" kern="0" cap="none" normalizeH="0" baseline="0" dirty="0" smtClean="0">
+                        <a:ln>
+                          <a:noFill/>
+                        </a:ln>
+                        <a:solidFill>
+                          <a:schemeClr val="tx1"/>
+                        </a:solidFill>
+                        <a:effectLst/>
+                        <a:latin typeface="Arial" pitchFamily="34" charset="0"/>
+                        <a:cs typeface="Arial" pitchFamily="34" charset="0"/>
+                      </a:endParaRPr>
                     </a:p>
                     <a:p>
                       <a:pPr marL="0" marR="0" lvl="0" indent="0" algn="l" defTabSz="4173538" rtl="0" eaLnBrk="1" fontAlgn="base" latinLnBrk="0" hangingPunct="1">
@@ -4806,6 +5544,368 @@
                         <a:buNone/>
                         <a:tabLst/>
                       </a:pPr>
+                      <a:endParaRPr kumimoji="0" lang="en-US" sz="2400" b="0" i="0" u="none" strike="noStrike" kern="0" cap="none" normalizeH="0" baseline="0" dirty="0" smtClean="0">
+                        <a:ln>
+                          <a:noFill/>
+                        </a:ln>
+                        <a:solidFill>
+                          <a:schemeClr val="tx1"/>
+                        </a:solidFill>
+                        <a:effectLst/>
+                        <a:latin typeface="+mn-lt"/>
+                        <a:cs typeface="Arial" pitchFamily="34" charset="0"/>
+                      </a:endParaRPr>
+                    </a:p>
+                    <a:p>
+                      <a:pPr marL="0" marR="0" lvl="0" indent="0" algn="l" defTabSz="4173538" rtl="0" eaLnBrk="1" fontAlgn="base" latinLnBrk="0" hangingPunct="1">
+                        <a:lnSpc>
+                          <a:spcPct val="100000"/>
+                        </a:lnSpc>
+                        <a:spcBef>
+                          <a:spcPct val="20000"/>
+                        </a:spcBef>
+                        <a:spcAft>
+                          <a:spcPct val="0"/>
+                        </a:spcAft>
+                        <a:buClrTx/>
+                        <a:buSzTx/>
+                        <a:buFont typeface="Arial" pitchFamily="34" charset="0"/>
+                        <a:buNone/>
+                        <a:tabLst/>
+                      </a:pPr>
+                      <a:endParaRPr kumimoji="0" lang="en-US" sz="2400" b="0" i="0" u="none" strike="noStrike" kern="0" cap="none" normalizeH="0" baseline="0" dirty="0" smtClean="0">
+                        <a:ln>
+                          <a:noFill/>
+                        </a:ln>
+                        <a:solidFill>
+                          <a:schemeClr val="tx1"/>
+                        </a:solidFill>
+                        <a:effectLst/>
+                        <a:latin typeface="+mn-lt"/>
+                        <a:cs typeface="Arial" pitchFamily="34" charset="0"/>
+                      </a:endParaRPr>
+                    </a:p>
+                    <a:p>
+                      <a:pPr marL="0" marR="0" lvl="0" indent="0" algn="l" defTabSz="4173538" rtl="0" eaLnBrk="1" fontAlgn="base" latinLnBrk="0" hangingPunct="1">
+                        <a:lnSpc>
+                          <a:spcPct val="100000"/>
+                        </a:lnSpc>
+                        <a:spcBef>
+                          <a:spcPct val="20000"/>
+                        </a:spcBef>
+                        <a:spcAft>
+                          <a:spcPct val="0"/>
+                        </a:spcAft>
+                        <a:buClrTx/>
+                        <a:buSzTx/>
+                        <a:buFont typeface="Arial" pitchFamily="34" charset="0"/>
+                        <a:buNone/>
+                        <a:tabLst/>
+                      </a:pPr>
+                      <a:endParaRPr kumimoji="0" lang="en-US" sz="2400" b="0" i="0" u="none" strike="noStrike" kern="0" cap="none" normalizeH="0" baseline="0" dirty="0" smtClean="0">
+                        <a:ln>
+                          <a:noFill/>
+                        </a:ln>
+                        <a:solidFill>
+                          <a:schemeClr val="tx1"/>
+                        </a:solidFill>
+                        <a:effectLst/>
+                        <a:latin typeface="+mn-lt"/>
+                        <a:cs typeface="Arial" pitchFamily="34" charset="0"/>
+                      </a:endParaRPr>
+                    </a:p>
+                    <a:p>
+                      <a:pPr marL="0" marR="0" lvl="0" indent="0" algn="l" defTabSz="4173538" rtl="0" eaLnBrk="1" fontAlgn="base" latinLnBrk="0" hangingPunct="1">
+                        <a:lnSpc>
+                          <a:spcPct val="100000"/>
+                        </a:lnSpc>
+                        <a:spcBef>
+                          <a:spcPct val="20000"/>
+                        </a:spcBef>
+                        <a:spcAft>
+                          <a:spcPct val="0"/>
+                        </a:spcAft>
+                        <a:buClrTx/>
+                        <a:buSzTx/>
+                        <a:buFont typeface="Arial" pitchFamily="34" charset="0"/>
+                        <a:buNone/>
+                        <a:tabLst/>
+                      </a:pPr>
+                      <a:endParaRPr kumimoji="0" lang="en-US" sz="2400" b="0" i="0" u="none" strike="noStrike" kern="0" cap="none" normalizeH="0" baseline="0" dirty="0" smtClean="0">
+                        <a:ln>
+                          <a:noFill/>
+                        </a:ln>
+                        <a:solidFill>
+                          <a:schemeClr val="tx1"/>
+                        </a:solidFill>
+                        <a:effectLst/>
+                        <a:latin typeface="+mn-lt"/>
+                        <a:cs typeface="Arial" pitchFamily="34" charset="0"/>
+                      </a:endParaRPr>
+                    </a:p>
+                    <a:p>
+                      <a:pPr marL="0" marR="0" lvl="0" indent="0" algn="l" defTabSz="4173538" rtl="0" eaLnBrk="1" fontAlgn="base" latinLnBrk="0" hangingPunct="1">
+                        <a:lnSpc>
+                          <a:spcPct val="100000"/>
+                        </a:lnSpc>
+                        <a:spcBef>
+                          <a:spcPct val="20000"/>
+                        </a:spcBef>
+                        <a:spcAft>
+                          <a:spcPct val="0"/>
+                        </a:spcAft>
+                        <a:buClrTx/>
+                        <a:buSzTx/>
+                        <a:buFont typeface="Arial" pitchFamily="34" charset="0"/>
+                        <a:buNone/>
+                        <a:tabLst/>
+                      </a:pPr>
+                      <a:endParaRPr kumimoji="0" lang="en-US" sz="2400" b="0" i="0" u="none" strike="noStrike" kern="0" cap="none" normalizeH="0" baseline="0" dirty="0" smtClean="0">
+                        <a:ln>
+                          <a:noFill/>
+                        </a:ln>
+                        <a:solidFill>
+                          <a:schemeClr val="tx1"/>
+                        </a:solidFill>
+                        <a:effectLst/>
+                        <a:latin typeface="+mn-lt"/>
+                        <a:cs typeface="Arial" pitchFamily="34" charset="0"/>
+                      </a:endParaRPr>
+                    </a:p>
+                    <a:p>
+                      <a:pPr marL="0" marR="0" lvl="0" indent="0" algn="l" defTabSz="4173538" rtl="0" eaLnBrk="1" fontAlgn="base" latinLnBrk="0" hangingPunct="1">
+                        <a:lnSpc>
+                          <a:spcPct val="100000"/>
+                        </a:lnSpc>
+                        <a:spcBef>
+                          <a:spcPct val="20000"/>
+                        </a:spcBef>
+                        <a:spcAft>
+                          <a:spcPct val="0"/>
+                        </a:spcAft>
+                        <a:buClrTx/>
+                        <a:buSzTx/>
+                        <a:buFont typeface="Arial" pitchFamily="34" charset="0"/>
+                        <a:buNone/>
+                        <a:tabLst/>
+                      </a:pPr>
+                      <a:endParaRPr kumimoji="0" lang="en-US" sz="2400" b="0" i="0" u="none" strike="noStrike" kern="0" cap="none" normalizeH="0" baseline="0" dirty="0" smtClean="0">
+                        <a:ln>
+                          <a:noFill/>
+                        </a:ln>
+                        <a:solidFill>
+                          <a:schemeClr val="tx1"/>
+                        </a:solidFill>
+                        <a:effectLst/>
+                        <a:latin typeface="+mn-lt"/>
+                        <a:cs typeface="Arial" pitchFamily="34" charset="0"/>
+                      </a:endParaRPr>
+                    </a:p>
+                    <a:p>
+                      <a:pPr marL="0" marR="0" lvl="0" indent="0" algn="l" defTabSz="4173538" rtl="0" eaLnBrk="1" fontAlgn="base" latinLnBrk="0" hangingPunct="1">
+                        <a:lnSpc>
+                          <a:spcPct val="100000"/>
+                        </a:lnSpc>
+                        <a:spcBef>
+                          <a:spcPct val="20000"/>
+                        </a:spcBef>
+                        <a:spcAft>
+                          <a:spcPct val="0"/>
+                        </a:spcAft>
+                        <a:buClrTx/>
+                        <a:buSzTx/>
+                        <a:buFont typeface="Arial" pitchFamily="34" charset="0"/>
+                        <a:buNone/>
+                        <a:tabLst/>
+                      </a:pPr>
+                      <a:endParaRPr kumimoji="0" lang="en-US" sz="2400" b="0" i="0" u="none" strike="noStrike" kern="0" cap="none" normalizeH="0" baseline="0" dirty="0" smtClean="0">
+                        <a:ln>
+                          <a:noFill/>
+                        </a:ln>
+                        <a:solidFill>
+                          <a:schemeClr val="tx1"/>
+                        </a:solidFill>
+                        <a:effectLst/>
+                        <a:latin typeface="+mn-lt"/>
+                        <a:cs typeface="Arial" pitchFamily="34" charset="0"/>
+                      </a:endParaRPr>
+                    </a:p>
+                    <a:p>
+                      <a:pPr marL="0" marR="0" lvl="0" indent="0" algn="l" defTabSz="4173538" rtl="0" eaLnBrk="1" fontAlgn="base" latinLnBrk="0" hangingPunct="1">
+                        <a:lnSpc>
+                          <a:spcPct val="100000"/>
+                        </a:lnSpc>
+                        <a:spcBef>
+                          <a:spcPct val="20000"/>
+                        </a:spcBef>
+                        <a:spcAft>
+                          <a:spcPct val="0"/>
+                        </a:spcAft>
+                        <a:buClrTx/>
+                        <a:buSzTx/>
+                        <a:buFont typeface="Arial" pitchFamily="34" charset="0"/>
+                        <a:buNone/>
+                        <a:tabLst/>
+                      </a:pPr>
+                      <a:endParaRPr kumimoji="0" lang="en-US" sz="2400" b="0" i="0" u="none" strike="noStrike" kern="0" cap="none" normalizeH="0" baseline="0" dirty="0" smtClean="0">
+                        <a:ln>
+                          <a:noFill/>
+                        </a:ln>
+                        <a:solidFill>
+                          <a:schemeClr val="tx1"/>
+                        </a:solidFill>
+                        <a:effectLst/>
+                        <a:latin typeface="+mn-lt"/>
+                        <a:cs typeface="Arial" pitchFamily="34" charset="0"/>
+                      </a:endParaRPr>
+                    </a:p>
+                    <a:p>
+                      <a:pPr marL="0" marR="0" lvl="0" indent="0" algn="ctr" defTabSz="4173538" rtl="0" eaLnBrk="1" fontAlgn="base" latinLnBrk="0" hangingPunct="1">
+                        <a:lnSpc>
+                          <a:spcPct val="100000"/>
+                        </a:lnSpc>
+                        <a:spcBef>
+                          <a:spcPct val="20000"/>
+                        </a:spcBef>
+                        <a:spcAft>
+                          <a:spcPct val="0"/>
+                        </a:spcAft>
+                        <a:buClrTx/>
+                        <a:buSzTx/>
+                        <a:buFont typeface="Arial" pitchFamily="34" charset="0"/>
+                        <a:buNone/>
+                        <a:tabLst/>
+                      </a:pPr>
+                      <a:r>
+                        <a:rPr kumimoji="0" lang="en-US" sz="2400" b="0" i="1" u="none" strike="noStrike" kern="0" cap="none" normalizeH="0" baseline="0" dirty="0" smtClean="0">
+                          <a:ln>
+                            <a:noFill/>
+                          </a:ln>
+                          <a:solidFill>
+                            <a:schemeClr val="tx1"/>
+                          </a:solidFill>
+                          <a:effectLst/>
+                          <a:latin typeface="Corisande"/>
+                          <a:cs typeface="Arial" pitchFamily="34" charset="0"/>
+                        </a:rPr>
+                        <a:t>Mixing Mantid &amp; </a:t>
+                      </a:r>
+                      <a:r>
+                        <a:rPr kumimoji="0" lang="en-US" sz="2400" b="0" i="1" u="none" strike="noStrike" kern="0" cap="none" normalizeH="0" baseline="0" dirty="0" err="1" smtClean="0">
+                          <a:ln>
+                            <a:noFill/>
+                          </a:ln>
+                          <a:solidFill>
+                            <a:schemeClr val="tx1"/>
+                          </a:solidFill>
+                          <a:effectLst/>
+                          <a:latin typeface="Corisande"/>
+                          <a:cs typeface="Arial" pitchFamily="34" charset="0"/>
+                        </a:rPr>
+                        <a:t>NumPy</a:t>
+                      </a:r>
+                      <a:r>
+                        <a:rPr kumimoji="0" lang="en-US" sz="2400" b="0" i="1" u="none" strike="noStrike" kern="0" cap="none" normalizeH="0" baseline="0" dirty="0" smtClean="0">
+                          <a:ln>
+                            <a:noFill/>
+                          </a:ln>
+                          <a:solidFill>
+                            <a:schemeClr val="tx1"/>
+                          </a:solidFill>
+                          <a:effectLst/>
+                          <a:latin typeface="Corisande"/>
+                          <a:cs typeface="Arial" pitchFamily="34" charset="0"/>
+                        </a:rPr>
+                        <a:t> functionality</a:t>
+                      </a:r>
+                    </a:p>
+                    <a:p>
+                      <a:pPr marL="0" marR="0" lvl="0" indent="0" algn="ctr" defTabSz="4173538" rtl="0" eaLnBrk="1" fontAlgn="base" latinLnBrk="0" hangingPunct="1">
+                        <a:lnSpc>
+                          <a:spcPct val="100000"/>
+                        </a:lnSpc>
+                        <a:spcBef>
+                          <a:spcPct val="20000"/>
+                        </a:spcBef>
+                        <a:spcAft>
+                          <a:spcPct val="0"/>
+                        </a:spcAft>
+                        <a:buClrTx/>
+                        <a:buSzTx/>
+                        <a:buFont typeface="Arial" pitchFamily="34" charset="0"/>
+                        <a:buNone/>
+                        <a:tabLst/>
+                      </a:pPr>
+                      <a:endParaRPr kumimoji="0" lang="en-US" sz="2400" b="0" i="1" u="none" strike="noStrike" kern="0" cap="none" normalizeH="0" baseline="0" dirty="0" smtClean="0">
+                        <a:ln>
+                          <a:noFill/>
+                        </a:ln>
+                        <a:solidFill>
+                          <a:schemeClr val="tx1"/>
+                        </a:solidFill>
+                        <a:effectLst/>
+                        <a:latin typeface="Corisande"/>
+                        <a:cs typeface="Arial" pitchFamily="34" charset="0"/>
+                      </a:endParaRPr>
+                    </a:p>
+                    <a:p>
+                      <a:pPr marL="0" marR="0" lvl="0" indent="0" algn="l" defTabSz="4173538" rtl="0" eaLnBrk="1" fontAlgn="base" latinLnBrk="0" hangingPunct="1">
+                        <a:lnSpc>
+                          <a:spcPct val="100000"/>
+                        </a:lnSpc>
+                        <a:spcBef>
+                          <a:spcPct val="20000"/>
+                        </a:spcBef>
+                        <a:spcAft>
+                          <a:spcPct val="0"/>
+                        </a:spcAft>
+                        <a:buClrTx/>
+                        <a:buSzTx/>
+                        <a:buFontTx/>
+                        <a:buNone/>
+                        <a:tabLst/>
+                      </a:pPr>
+                      <a:r>
+                        <a:rPr kumimoji="0" lang="en-GB" sz="5000" b="0" i="0" u="none" strike="noStrike" cap="none" normalizeH="0" baseline="0" dirty="0" err="1" smtClean="0">
+                          <a:ln>
+                            <a:noFill/>
+                          </a:ln>
+                          <a:solidFill>
+                            <a:srgbClr val="002D55"/>
+                          </a:solidFill>
+                          <a:effectLst/>
+                          <a:latin typeface="Corisande"/>
+                        </a:rPr>
+                        <a:t>IPython</a:t>
+                      </a:r>
+                      <a:endParaRPr kumimoji="0" lang="en-GB" sz="5000" b="0" i="0" u="none" strike="noStrike" cap="none" normalizeH="0" baseline="0" dirty="0" smtClean="0">
+                        <a:ln>
+                          <a:noFill/>
+                        </a:ln>
+                        <a:solidFill>
+                          <a:srgbClr val="002D55"/>
+                        </a:solidFill>
+                        <a:effectLst/>
+                        <a:latin typeface="Corisande"/>
+                      </a:endParaRPr>
+                    </a:p>
+                    <a:p>
+                      <a:pPr marL="0" marR="0" lvl="0" indent="0" algn="l" defTabSz="4173538" rtl="0" eaLnBrk="1" fontAlgn="base" latinLnBrk="0" hangingPunct="1">
+                        <a:lnSpc>
+                          <a:spcPct val="100000"/>
+                        </a:lnSpc>
+                        <a:spcBef>
+                          <a:spcPct val="20000"/>
+                        </a:spcBef>
+                        <a:spcAft>
+                          <a:spcPct val="0"/>
+                        </a:spcAft>
+                        <a:buClrTx/>
+                        <a:buSzTx/>
+                        <a:buFontTx/>
+                        <a:buNone/>
+                        <a:tabLst/>
+                      </a:pPr>
                       <a:r>
                         <a:rPr kumimoji="0" lang="en-GB" sz="2400" b="0" i="0" u="none" strike="noStrike" cap="none" normalizeH="0" baseline="0" dirty="0" smtClean="0">
                           <a:ln>
@@ -4815,9 +5915,10 @@
                             <a:schemeClr val="tx1"/>
                           </a:solidFill>
                           <a:effectLst/>
-                          <a:latin typeface="+mn-lt"/>
-                        </a:rPr>
-                        <a:t>The IPython package provides a rich interactive shell with features such as:</a:t>
+                          <a:latin typeface="Arial" pitchFamily="34" charset="0"/>
+                          <a:cs typeface="Arial" pitchFamily="34" charset="0"/>
+                        </a:rPr>
+                        <a:t>The standard Mantid Python file &amp; command line interpreter offer two complementary ways of executing Python code:</a:t>
                       </a:r>
                     </a:p>
                     <a:p>
@@ -4846,9 +5947,10 @@
                             <a:schemeClr val="tx1"/>
                           </a:solidFill>
                           <a:effectLst/>
-                          <a:latin typeface="+mn-lt"/>
-                        </a:rPr>
-                        <a:t>  tab completion</a:t>
+                          <a:latin typeface="Arial" pitchFamily="34" charset="0"/>
+                          <a:cs typeface="Arial" pitchFamily="34" charset="0"/>
+                        </a:rPr>
+                        <a:t>  edit &amp; run all/part of file</a:t>
                       </a:r>
                     </a:p>
                     <a:p>
@@ -4877,9 +5979,70 @@
                             <a:schemeClr val="tx1"/>
                           </a:solidFill>
                           <a:effectLst/>
-                          <a:latin typeface="+mn-lt"/>
-                        </a:rPr>
-                        <a:t>  history</a:t>
+                          <a:latin typeface="Arial" pitchFamily="34" charset="0"/>
+                          <a:cs typeface="Arial" pitchFamily="34" charset="0"/>
+                        </a:rPr>
+                        <a:t>  single line execution with immediate return</a:t>
+                      </a:r>
+                    </a:p>
+                    <a:p>
+                      <a:pPr marL="0" marR="0" lvl="0" indent="0" algn="l" defTabSz="4173538" rtl="0" eaLnBrk="1" fontAlgn="base" latinLnBrk="0" hangingPunct="1">
+                        <a:lnSpc>
+                          <a:spcPct val="100000"/>
+                        </a:lnSpc>
+                        <a:spcBef>
+                          <a:spcPct val="20000"/>
+                        </a:spcBef>
+                        <a:spcAft>
+                          <a:spcPct val="0"/>
+                        </a:spcAft>
+                        <a:buClrTx/>
+                        <a:buSzTx/>
+                        <a:buFont typeface="Arial" pitchFamily="34" charset="0"/>
+                        <a:buNone/>
+                        <a:tabLst/>
+                      </a:pPr>
+                      <a:r>
+                        <a:rPr kumimoji="0" lang="en-GB" sz="2400" b="0" i="0" u="none" strike="noStrike" cap="none" normalizeH="0" baseline="0" dirty="0" smtClean="0">
+                          <a:ln>
+                            <a:noFill/>
+                          </a:ln>
+                          <a:solidFill>
+                            <a:schemeClr val="tx1"/>
+                          </a:solidFill>
+                          <a:effectLst/>
+                          <a:latin typeface="Arial" pitchFamily="34" charset="0"/>
+                          <a:cs typeface="Arial" pitchFamily="34" charset="0"/>
+                        </a:rPr>
+                        <a:t>The </a:t>
+                      </a:r>
+                      <a:r>
+                        <a:rPr kumimoji="0" lang="en-GB" sz="2400" b="0" i="0" u="none" strike="noStrike" cap="none" normalizeH="0" baseline="0" dirty="0" err="1" smtClean="0">
+                          <a:ln>
+                            <a:noFill/>
+                          </a:ln>
+                          <a:solidFill>
+                            <a:schemeClr val="tx1"/>
+                          </a:solidFill>
+                          <a:effectLst/>
+                          <a:latin typeface="Arial" pitchFamily="34" charset="0"/>
+                          <a:cs typeface="Arial" pitchFamily="34" charset="0"/>
+                        </a:rPr>
+                        <a:t>IPython</a:t>
+                      </a:r>
+                      <a:r>
+                        <a:rPr kumimoji="0" lang="en-GB" sz="2400" b="0" i="0" u="none" strike="noStrike" cap="none" normalizeH="0" baseline="0" dirty="0" smtClean="0">
+                          <a:ln>
+                            <a:noFill/>
+                          </a:ln>
+                          <a:solidFill>
+                            <a:schemeClr val="tx1"/>
+                          </a:solidFill>
+                          <a:effectLst/>
+                          <a:latin typeface="Arial" pitchFamily="34" charset="0"/>
+                          <a:cs typeface="Arial" pitchFamily="34" charset="0"/>
+                        </a:rPr>
+                        <a:t> package provides a rich interactive shell with features such as:</a:t>
                       </a:r>
                     </a:p>
                     <a:p>
@@ -4908,7 +6071,72 @@
                             <a:schemeClr val="tx1"/>
                           </a:solidFill>
                           <a:effectLst/>
-                          <a:latin typeface="+mn-lt"/>
+                          <a:latin typeface="Arial" pitchFamily="34" charset="0"/>
+                          <a:cs typeface="Arial" pitchFamily="34" charset="0"/>
+                        </a:rPr>
+                        <a:t>  tab completion</a:t>
+                      </a:r>
+                    </a:p>
+                    <a:p>
+                      <a:pPr marL="0" marR="0" lvl="0" indent="0" algn="l" defTabSz="4173538" rtl="0" eaLnBrk="1" fontAlgn="base" latinLnBrk="0" hangingPunct="1">
+                        <a:lnSpc>
+                          <a:spcPct val="100000"/>
+                        </a:lnSpc>
+                        <a:spcBef>
+                          <a:spcPct val="20000"/>
+                        </a:spcBef>
+                        <a:spcAft>
+                          <a:spcPct val="0"/>
+                        </a:spcAft>
+                        <a:buClrTx/>
+                        <a:buSzTx/>
+                        <a:buFont typeface="Arial" pitchFamily="34" charset="0"/>
+                        <a:buChar char="•"/>
+                        <a:tabLst/>
+                      </a:pPr>
+                      <a:r>
+                        <a:rPr kumimoji="0" lang="en-GB" sz="2400" b="0" i="0" u="none" strike="noStrike" cap="none" normalizeH="0" baseline="0" dirty="0" smtClean="0">
+                          <a:ln>
+                            <a:noFill/>
+                          </a:ln>
+                          <a:solidFill>
+                            <a:schemeClr val="tx1"/>
+                          </a:solidFill>
+                          <a:effectLst/>
+                          <a:latin typeface="Arial" pitchFamily="34" charset="0"/>
+                          <a:cs typeface="Arial" pitchFamily="34" charset="0"/>
+                        </a:rPr>
+                        <a:t>  history</a:t>
+                      </a:r>
+                    </a:p>
+                    <a:p>
+                      <a:pPr marL="0" marR="0" lvl="0" indent="0" algn="l" defTabSz="4173538" rtl="0" eaLnBrk="1" fontAlgn="base" latinLnBrk="0" hangingPunct="1">
+                        <a:lnSpc>
+                          <a:spcPct val="100000"/>
+                        </a:lnSpc>
+                        <a:spcBef>
+                          <a:spcPct val="20000"/>
+                        </a:spcBef>
+                        <a:spcAft>
+                          <a:spcPct val="0"/>
+                        </a:spcAft>
+                        <a:buClrTx/>
+                        <a:buSzTx/>
+                        <a:buFont typeface="Arial" pitchFamily="34" charset="0"/>
+                        <a:buChar char="•"/>
+                        <a:tabLst/>
+                      </a:pPr>
+                      <a:r>
+                        <a:rPr kumimoji="0" lang="en-GB" sz="2400" b="0" i="0" u="none" strike="noStrike" cap="none" normalizeH="0" baseline="0" dirty="0" smtClean="0">
+                          <a:ln>
+                            <a:noFill/>
+                          </a:ln>
+                          <a:solidFill>
+                            <a:schemeClr val="tx1"/>
+                          </a:solidFill>
+                          <a:effectLst/>
+                          <a:latin typeface="Arial" pitchFamily="34" charset="0"/>
+                          <a:cs typeface="Arial" pitchFamily="34" charset="0"/>
                         </a:rPr>
                         <a:t>  inline system commands</a:t>
                       </a:r>
@@ -4939,7 +6167,8 @@
                             <a:schemeClr val="tx1"/>
                           </a:solidFill>
                           <a:effectLst/>
-                          <a:latin typeface="+mn-lt"/>
+                          <a:latin typeface="Arial" pitchFamily="34" charset="0"/>
+                          <a:cs typeface="Arial" pitchFamily="34" charset="0"/>
                         </a:rPr>
                         <a:t>that improve the overall workflow when working with Python interactively.</a:t>
                       </a:r>
@@ -4969,7 +6198,8 @@
                           <a:schemeClr val="tx1"/>
                         </a:solidFill>
                         <a:effectLst/>
-                        <a:latin typeface="+mn-lt"/>
+                        <a:latin typeface="Arial" pitchFamily="34" charset="0"/>
+                        <a:cs typeface="Arial" pitchFamily="34" charset="0"/>
                       </a:endParaRPr>
                     </a:p>
                     <a:p>
@@ -4998,9 +6228,10 @@
                             <a:schemeClr val="tx1"/>
                           </a:solidFill>
                           <a:effectLst/>
-                          <a:latin typeface="+mn-lt"/>
-                        </a:rPr>
-                        <a:t>In Mantid v2 we have included an option to launch an IPython console from within </a:t>
+                          <a:latin typeface="Arial" pitchFamily="34" charset="0"/>
+                          <a:cs typeface="Arial" pitchFamily="34" charset="0"/>
+                        </a:rPr>
+                        <a:t>In Mantid v2 we have included an option to launch an </a:t>
                       </a:r>
                       <a:r>
                         <a:rPr kumimoji="0" lang="en-GB" sz="2400" b="0" i="0" u="none" strike="noStrike" cap="none" normalizeH="0" baseline="0" dirty="0" err="1" smtClean="0">
@@ -5011,9 +6242,10 @@
                             <a:schemeClr val="tx1"/>
                           </a:solidFill>
                           <a:effectLst/>
-                          <a:latin typeface="+mn-lt"/>
-                        </a:rPr>
-                        <a:t>MantidPlot</a:t>
+                          <a:latin typeface="Arial" pitchFamily="34" charset="0"/>
+                          <a:cs typeface="Arial" pitchFamily="34" charset="0"/>
+                        </a:rPr>
+                        <a:t>IPython</a:t>
                       </a:r>
                       <a:r>
                         <a:rPr kumimoji="0" lang="en-GB" sz="2400" b="0" i="0" u="none" strike="noStrike" cap="none" normalizeH="0" baseline="0" dirty="0" smtClean="0">
@@ -5024,9 +6256,10 @@
                             <a:schemeClr val="tx1"/>
                           </a:solidFill>
                           <a:effectLst/>
-                          <a:latin typeface="+mn-lt"/>
-                        </a:rPr>
-                        <a:t> (full details at http://www.mantidproject.org/IPython_Console), which offers all of the usual IPython features but also embeds </a:t>
+                          <a:latin typeface="Arial" pitchFamily="34" charset="0"/>
+                          <a:cs typeface="Arial" pitchFamily="34" charset="0"/>
+                        </a:rPr>
+                        <a:t> console from within MantidPlot (full details at http://www.mantidproject.org/IPython_Console), which offers all of the usual </a:t>
                       </a:r>
                       <a:r>
                         <a:rPr kumimoji="0" lang="en-GB" sz="2400" b="0" i="0" u="none" strike="noStrike" cap="none" normalizeH="0" baseline="0" dirty="0" err="1" smtClean="0">
@@ -5037,9 +6270,10 @@
                             <a:schemeClr val="tx1"/>
                           </a:solidFill>
                           <a:effectLst/>
-                          <a:latin typeface="+mn-lt"/>
-                        </a:rPr>
-                        <a:t>MantidPlot</a:t>
+                          <a:latin typeface="Arial" pitchFamily="34" charset="0"/>
+                          <a:cs typeface="Arial" pitchFamily="34" charset="0"/>
+                        </a:rPr>
+                        <a:t>IPython</a:t>
                       </a:r>
                       <a:r>
                         <a:rPr kumimoji="0" lang="en-GB" sz="2400" b="0" i="0" u="none" strike="noStrike" cap="none" normalizeH="0" baseline="0" dirty="0" smtClean="0">
@@ -5050,9 +6284,38 @@
                             <a:schemeClr val="tx1"/>
                           </a:solidFill>
                           <a:effectLst/>
-                          <a:latin typeface="+mn-lt"/>
-                        </a:rPr>
-                        <a:t> within the IPython environment allowing full control of Mantid. </a:t>
+                          <a:latin typeface="Arial" pitchFamily="34" charset="0"/>
+                          <a:cs typeface="Arial" pitchFamily="34" charset="0"/>
+                        </a:rPr>
+                        <a:t> features but also embeds MantidPlot within the </a:t>
+                      </a:r>
+                      <a:r>
+                        <a:rPr kumimoji="0" lang="en-GB" sz="2400" b="0" i="0" u="none" strike="noStrike" cap="none" normalizeH="0" baseline="0" dirty="0" err="1" smtClean="0">
+                          <a:ln>
+                            <a:noFill/>
+                          </a:ln>
+                          <a:solidFill>
+                            <a:schemeClr val="tx1"/>
+                          </a:solidFill>
+                          <a:effectLst/>
+                          <a:latin typeface="Arial" pitchFamily="34" charset="0"/>
+                          <a:cs typeface="Arial" pitchFamily="34" charset="0"/>
+                        </a:rPr>
+                        <a:t>IPython</a:t>
+                      </a:r>
+                      <a:r>
+                        <a:rPr kumimoji="0" lang="en-GB" sz="2400" b="0" i="0" u="none" strike="noStrike" cap="none" normalizeH="0" baseline="0" dirty="0" smtClean="0">
+                          <a:ln>
+                            <a:noFill/>
+                          </a:ln>
+                          <a:solidFill>
+                            <a:schemeClr val="tx1"/>
+                          </a:solidFill>
+                          <a:effectLst/>
+                          <a:latin typeface="Arial" pitchFamily="34" charset="0"/>
+                          <a:cs typeface="Arial" pitchFamily="34" charset="0"/>
+                        </a:rPr>
+                        <a:t> environment allowing full control of Mantid. </a:t>
                       </a:r>
                     </a:p>
                     <a:p>
@@ -5080,7 +6343,8 @@
                           <a:schemeClr val="tx1"/>
                         </a:solidFill>
                         <a:effectLst/>
-                        <a:latin typeface="+mn-lt"/>
+                        <a:latin typeface="Arial" pitchFamily="34" charset="0"/>
+                        <a:cs typeface="Arial" pitchFamily="34" charset="0"/>
                       </a:endParaRPr>
                     </a:p>
                     <a:p>
@@ -5108,7 +6372,8 @@
                           <a:schemeClr val="tx1"/>
                         </a:solidFill>
                         <a:effectLst/>
-                        <a:latin typeface="+mn-lt"/>
+                        <a:latin typeface="Arial" pitchFamily="34" charset="0"/>
+                        <a:cs typeface="Arial" pitchFamily="34" charset="0"/>
                       </a:endParaRPr>
                     </a:p>
                     <a:p>
@@ -5420,118 +6685,6 @@
                       </a:endParaRPr>
                     </a:p>
                     <a:p>
-                      <a:pPr marL="0" marR="0" lvl="0" indent="0" algn="l" defTabSz="4173538" rtl="0" eaLnBrk="1" fontAlgn="base" latinLnBrk="0" hangingPunct="1">
-                        <a:lnSpc>
-                          <a:spcPct val="100000"/>
-                        </a:lnSpc>
-                        <a:spcBef>
-                          <a:spcPct val="20000"/>
-                        </a:spcBef>
-                        <a:spcAft>
-                          <a:spcPct val="0"/>
-                        </a:spcAft>
-                        <a:buClrTx/>
-                        <a:buSzTx/>
-                        <a:buFont typeface="Arial" pitchFamily="34" charset="0"/>
-                        <a:buNone/>
-                        <a:tabLst/>
-                      </a:pPr>
-                      <a:endParaRPr kumimoji="0" lang="en-GB" sz="2400" b="0" i="0" u="none" strike="noStrike" cap="none" normalizeH="0" baseline="0" dirty="0" smtClean="0">
-                        <a:ln>
-                          <a:noFill/>
-                        </a:ln>
-                        <a:solidFill>
-                          <a:schemeClr val="tx1"/>
-                        </a:solidFill>
-                        <a:effectLst/>
-                        <a:latin typeface="+mn-lt"/>
-                      </a:endParaRPr>
-                    </a:p>
-                    <a:p>
-                      <a:pPr marL="0" marR="0" lvl="0" indent="0" algn="l" defTabSz="4173538" rtl="0" eaLnBrk="1" fontAlgn="base" latinLnBrk="0" hangingPunct="1">
-                        <a:lnSpc>
-                          <a:spcPct val="100000"/>
-                        </a:lnSpc>
-                        <a:spcBef>
-                          <a:spcPct val="20000"/>
-                        </a:spcBef>
-                        <a:spcAft>
-                          <a:spcPct val="0"/>
-                        </a:spcAft>
-                        <a:buClrTx/>
-                        <a:buSzTx/>
-                        <a:buFont typeface="Arial" pitchFamily="34" charset="0"/>
-                        <a:buNone/>
-                        <a:tabLst/>
-                      </a:pPr>
-                      <a:endParaRPr kumimoji="0" lang="en-GB" sz="2400" b="0" i="0" u="none" strike="noStrike" cap="none" normalizeH="0" baseline="0" dirty="0" smtClean="0">
-                        <a:ln>
-                          <a:noFill/>
-                        </a:ln>
-                        <a:solidFill>
-                          <a:schemeClr val="tx1"/>
-                        </a:solidFill>
-                        <a:effectLst/>
-                        <a:latin typeface="+mn-lt"/>
-                      </a:endParaRPr>
-                    </a:p>
-                    <a:p>
-                      <a:pPr marL="0" marR="0" lvl="0" indent="0" algn="l" defTabSz="4173538" rtl="0" eaLnBrk="1" fontAlgn="base" latinLnBrk="0" hangingPunct="1">
-                        <a:lnSpc>
-                          <a:spcPct val="100000"/>
-                        </a:lnSpc>
-                        <a:spcBef>
-                          <a:spcPct val="20000"/>
-                        </a:spcBef>
-                        <a:spcAft>
-                          <a:spcPct val="0"/>
-                        </a:spcAft>
-                        <a:buClrTx/>
-                        <a:buSzTx/>
-                        <a:buFont typeface="Arial" pitchFamily="34" charset="0"/>
-                        <a:buNone/>
-                        <a:tabLst/>
-                      </a:pPr>
-                      <a:endParaRPr kumimoji="0" lang="en-GB" sz="2400" b="0" i="0" u="none" strike="noStrike" cap="none" normalizeH="0" baseline="0" dirty="0" smtClean="0">
-                        <a:ln>
-                          <a:noFill/>
-                        </a:ln>
-                        <a:solidFill>
-                          <a:schemeClr val="tx1"/>
-                        </a:solidFill>
-                        <a:effectLst/>
-                        <a:latin typeface="+mn-lt"/>
-                      </a:endParaRPr>
-                    </a:p>
-                    <a:p>
-                      <a:pPr marL="0" marR="0" lvl="0" indent="0" algn="l" defTabSz="4173538" rtl="0" eaLnBrk="1" fontAlgn="base" latinLnBrk="0" hangingPunct="1">
-                        <a:lnSpc>
-                          <a:spcPct val="100000"/>
-                        </a:lnSpc>
-                        <a:spcBef>
-                          <a:spcPct val="20000"/>
-                        </a:spcBef>
-                        <a:spcAft>
-                          <a:spcPct val="0"/>
-                        </a:spcAft>
-                        <a:buClrTx/>
-                        <a:buSzTx/>
-                        <a:buFont typeface="Arial" pitchFamily="34" charset="0"/>
-                        <a:buNone/>
-                        <a:tabLst/>
-                      </a:pPr>
-                      <a:endParaRPr kumimoji="0" lang="en-GB" sz="2400" b="0" i="0" u="none" strike="noStrike" cap="none" normalizeH="0" baseline="0" dirty="0" smtClean="0">
-                        <a:ln>
-                          <a:noFill/>
-                        </a:ln>
-                        <a:solidFill>
-                          <a:schemeClr val="tx1"/>
-                        </a:solidFill>
-                        <a:effectLst/>
-                        <a:latin typeface="+mn-lt"/>
-                      </a:endParaRPr>
-                    </a:p>
-                    <a:p>
                       <a:pPr marL="0" marR="0" lvl="0" indent="0" algn="ctr" defTabSz="4173538" rtl="0" eaLnBrk="1" fontAlgn="base" latinLnBrk="0" hangingPunct="1">
                         <a:lnSpc>
                           <a:spcPct val="100000"/>
@@ -5548,34 +6701,19 @@
                         <a:buNone/>
                         <a:tabLst/>
                       </a:pPr>
-                      <a:endParaRPr kumimoji="0" lang="en-GB" sz="2400" b="0" i="1" u="none" strike="noStrike" cap="none" normalizeH="0" baseline="0" dirty="0" smtClean="0">
-                        <a:ln>
-                          <a:noFill/>
-                        </a:ln>
-                        <a:solidFill>
-                          <a:schemeClr val="tx1"/>
-                        </a:solidFill>
-                        <a:effectLst/>
-                        <a:latin typeface="Corisande"/>
-                      </a:endParaRPr>
-                    </a:p>
-                    <a:p>
-                      <a:pPr marL="0" marR="0" lvl="0" indent="0" algn="ctr" defTabSz="4173538" rtl="0" eaLnBrk="1" fontAlgn="base" latinLnBrk="0" hangingPunct="1">
-                        <a:lnSpc>
-                          <a:spcPct val="100000"/>
-                        </a:lnSpc>
-                        <a:spcBef>
-                          <a:spcPct val="20000"/>
-                        </a:spcBef>
-                        <a:spcAft>
-                          <a:spcPct val="0"/>
-                        </a:spcAft>
-                        <a:buClrTx/>
-                        <a:buSzTx/>
-                        <a:buFont typeface="Arial" pitchFamily="34" charset="0"/>
-                        <a:buNone/>
-                        <a:tabLst/>
-                      </a:pPr>
+                      <a:r>
+                        <a:rPr kumimoji="0" lang="en-GB" sz="2400" b="0" i="1" u="none" strike="noStrike" cap="none" normalizeH="0" baseline="0" dirty="0" smtClean="0">
+                          <a:ln>
+                            <a:noFill/>
+                          </a:ln>
+                          <a:solidFill>
+                            <a:schemeClr val="tx1"/>
+                          </a:solidFill>
+                          <a:effectLst/>
+                          <a:latin typeface="Corisande"/>
+                        </a:rPr>
+                        <a:t>MantidPlot with an </a:t>
+                      </a:r>
                       <a:r>
                         <a:rPr kumimoji="0" lang="en-GB" sz="2400" b="0" i="1" u="none" strike="noStrike" cap="none" normalizeH="0" baseline="0" dirty="0" err="1" smtClean="0">
                           <a:ln>
@@ -5587,7 +6725,7 @@
                           <a:effectLst/>
                           <a:latin typeface="Corisande"/>
                         </a:rPr>
-                        <a:t>MantidPlot</a:t>
+                        <a:t>IPython</a:t>
                       </a:r>
                       <a:r>
                         <a:rPr kumimoji="0" lang="en-GB" sz="2400" b="0" i="1" u="none" strike="noStrike" cap="none" normalizeH="0" baseline="0" dirty="0" smtClean="0">
@@ -5600,60 +6738,14 @@
                           <a:effectLst/>
                           <a:latin typeface="Corisande"/>
                         </a:rPr>
-                        <a:t> with an IPython shell showing an inline algorithm help</a:t>
-                      </a:r>
-                    </a:p>
-                    <a:p>
-                      <a:pPr marL="0" marR="0" lvl="0" indent="0" algn="l" defTabSz="4173538" rtl="0" eaLnBrk="1" fontAlgn="base" latinLnBrk="0" hangingPunct="1">
-                        <a:lnSpc>
-                          <a:spcPct val="100000"/>
-                        </a:lnSpc>
-                        <a:spcBef>
-                          <a:spcPct val="20000"/>
-                        </a:spcBef>
-                        <a:spcAft>
-                          <a:spcPct val="0"/>
-                        </a:spcAft>
-                        <a:buClrTx/>
-                        <a:buSzTx/>
-                        <a:buFont typeface="Arial" pitchFamily="34" charset="0"/>
-                        <a:buNone/>
-                        <a:tabLst/>
-                      </a:pPr>
+                        <a:t> shell showing an inline algorithm help</a:t>
+                      </a:r>
                       <a:endParaRPr kumimoji="0" lang="en-GB" sz="2400" b="0" i="0" u="none" strike="noStrike" cap="none" normalizeH="0" baseline="0" dirty="0" smtClean="0">
                         <a:ln>
                           <a:noFill/>
                         </a:ln>
                         <a:solidFill>
-                          <a:schemeClr val="tx1"/>
-                        </a:solidFill>
-                        <a:effectLst/>
-                        <a:latin typeface="+mn-lt"/>
-                      </a:endParaRPr>
-                    </a:p>
-                    <a:p>
-                      <a:pPr marL="0" marR="0" lvl="0" indent="0" algn="l" defTabSz="4173538" rtl="0" eaLnBrk="1" fontAlgn="base" latinLnBrk="0" hangingPunct="1">
-                        <a:lnSpc>
-                          <a:spcPct val="100000"/>
-                        </a:lnSpc>
-                        <a:spcBef>
-                          <a:spcPct val="20000"/>
-                        </a:spcBef>
-                        <a:spcAft>
-                          <a:spcPct val="0"/>
-                        </a:spcAft>
-                        <a:buClrTx/>
-                        <a:buSzTx/>
-                        <a:buFont typeface="Arial" pitchFamily="34" charset="0"/>
-                        <a:buNone/>
-                        <a:tabLst/>
-                      </a:pPr>
-                      <a:endParaRPr kumimoji="0" lang="en-GB" sz="2400" b="0" i="0" u="none" strike="noStrike" cap="none" normalizeH="0" baseline="0" dirty="0" smtClean="0">
-                        <a:ln>
-                          <a:noFill/>
-                        </a:ln>
-                        <a:solidFill>
-                          <a:schemeClr val="tx1"/>
+                          <a:srgbClr val="002D55"/>
                         </a:solidFill>
                         <a:effectLst/>
                         <a:latin typeface="+mn-lt"/>
@@ -5676,7 +6768,7 @@
                         <a:buNone/>
                         <a:tabLst/>
                       </a:pPr>
-                      <a:endParaRPr kumimoji="0" lang="en-GB" sz="2400" b="0" i="0" u="none" strike="noStrike" cap="none" normalizeH="0" baseline="0" dirty="0" smtClean="0">
+                      <a:endParaRPr kumimoji="0" lang="en-GB" sz="5000" b="0" i="0" u="none" strike="noStrike" kern="1200" cap="none" normalizeH="0" baseline="0" dirty="0" smtClean="0">
                         <a:ln>
                           <a:noFill/>
                         </a:ln>
@@ -5684,7 +6776,9 @@
                           <a:srgbClr val="002D55"/>
                         </a:solidFill>
                         <a:effectLst/>
-                        <a:latin typeface="+mn-lt"/>
+                        <a:latin typeface="Corisande"/>
+                        <a:ea typeface="+mn-ea"/>
+                        <a:cs typeface="+mn-cs"/>
                       </a:endParaRPr>
                     </a:p>
                   </a:txBody>
@@ -5715,51 +6809,6 @@
           </a:graphicData>
         </a:graphic>
       </p:graphicFrame>
-      <p:sp>
-        <p:nvSpPr>
-          <p:cNvPr id="3086" name="Text Box 329"/>
-          <p:cNvSpPr txBox="1">
-            <a:spLocks noChangeArrowheads="1"/>
-          </p:cNvSpPr>
-          <p:nvPr/>
-        </p:nvSpPr>
-        <p:spPr bwMode="auto">
-          <a:xfrm>
-            <a:off x="18669000" y="40081200"/>
-            <a:ext cx="10972800" cy="461665"/>
-          </a:xfrm>
-          <a:prstGeom prst="rect">
-            <a:avLst/>
-          </a:prstGeom>
-          <a:noFill/>
-          <a:ln w="9525">
-            <a:noFill/>
-            <a:miter lim="800000"/>
-            <a:headEnd/>
-            <a:tailEnd/>
-          </a:ln>
-        </p:spPr>
-        <p:txBody>
-          <a:bodyPr>
-            <a:spAutoFit/>
-          </a:bodyPr>
-          <a:lstStyle/>
-          <a:p>
-            <a:pPr>
-              <a:spcBef>
-                <a:spcPct val="50000"/>
-              </a:spcBef>
-            </a:pPr>
-            <a:r>
-              <a:rPr lang="en-US" dirty="0" smtClean="0">
-                <a:latin typeface="Arial" charset="0"/>
-                <a:cs typeface="Arial" charset="0"/>
-              </a:rPr>
-              <a:t>Acknowledgements</a:t>
-            </a:r>
-          </a:p>
-        </p:txBody>
-      </p:sp>
       <p:sp>
         <p:nvSpPr>
           <p:cNvPr id="3087" name="TextBox 38"/>
@@ -5906,8 +6955,8 @@
         </p:blipFill>
         <p:spPr>
           <a:xfrm>
-            <a:off x="2157910" y="11248753"/>
-            <a:ext cx="11441821" cy="6912768"/>
+            <a:off x="1077790" y="11895325"/>
+            <a:ext cx="13969552" cy="8439939"/>
           </a:xfrm>
           <a:prstGeom prst="rect">
             <a:avLst/>
@@ -5923,8 +6972,8 @@
           <p:nvPr/>
         </p:nvGraphicFramePr>
         <p:xfrm>
-          <a:off x="4246143" y="25650353"/>
-          <a:ext cx="7848873" cy="2448272"/>
+          <a:off x="18359710" y="11752809"/>
+          <a:ext cx="7848873" cy="3296573"/>
         </p:xfrm>
         <a:graphic>
           <a:graphicData uri="http://schemas.openxmlformats.org/drawingml/2006/table">
@@ -5946,12 +6995,14 @@
                       <a:pPr algn="ctr"/>
                       <a:r>
                         <a:rPr lang="en-GB" dirty="0" smtClean="0">
-                          <a:latin typeface="+mn-lt"/>
+                          <a:latin typeface="Arial" pitchFamily="34" charset="0"/>
+                          <a:cs typeface="Arial" pitchFamily="34" charset="0"/>
                         </a:rPr>
                         <a:t>Access Method</a:t>
                       </a:r>
                       <a:endParaRPr lang="en-GB" dirty="0">
-                        <a:latin typeface="+mn-lt"/>
+                        <a:latin typeface="Arial" pitchFamily="34" charset="0"/>
+                        <a:cs typeface="Arial" pitchFamily="34" charset="0"/>
                       </a:endParaRPr>
                     </a:p>
                   </a:txBody>
@@ -5965,12 +7016,14 @@
                       <a:pPr algn="ctr"/>
                       <a:r>
                         <a:rPr lang="en-GB" dirty="0" smtClean="0">
-                          <a:latin typeface="+mn-lt"/>
+                          <a:latin typeface="Arial" pitchFamily="34" charset="0"/>
+                          <a:cs typeface="Arial" pitchFamily="34" charset="0"/>
                         </a:rPr>
                         <a:t>Pros</a:t>
                       </a:r>
                       <a:endParaRPr lang="en-GB" dirty="0">
-                        <a:latin typeface="+mn-lt"/>
+                        <a:latin typeface="Arial" pitchFamily="34" charset="0"/>
+                        <a:cs typeface="Arial" pitchFamily="34" charset="0"/>
                       </a:endParaRPr>
                     </a:p>
                   </a:txBody>
@@ -5984,12 +7037,14 @@
                       <a:pPr algn="ctr"/>
                       <a:r>
                         <a:rPr lang="en-GB" dirty="0" smtClean="0">
-                          <a:latin typeface="+mn-lt"/>
+                          <a:latin typeface="Arial" pitchFamily="34" charset="0"/>
+                          <a:cs typeface="Arial" pitchFamily="34" charset="0"/>
                         </a:rPr>
                         <a:t>Cons</a:t>
                       </a:r>
                       <a:endParaRPr lang="en-GB" dirty="0">
-                        <a:latin typeface="+mn-lt"/>
+                        <a:latin typeface="Arial" pitchFamily="34" charset="0"/>
+                        <a:cs typeface="Arial" pitchFamily="34" charset="0"/>
                       </a:endParaRPr>
                     </a:p>
                   </a:txBody>
@@ -6005,18 +7060,21 @@
                       <a:pPr algn="ctr"/>
                       <a:r>
                         <a:rPr lang="en-GB" dirty="0" smtClean="0">
-                          <a:latin typeface="+mn-lt"/>
+                          <a:latin typeface="Arial" pitchFamily="34" charset="0"/>
+                          <a:cs typeface="Arial" pitchFamily="34" charset="0"/>
                         </a:rPr>
                         <a:t>Direct Access to</a:t>
                       </a:r>
                       <a:r>
                         <a:rPr lang="en-GB" baseline="0" dirty="0" smtClean="0">
-                          <a:latin typeface="+mn-lt"/>
+                          <a:latin typeface="Arial" pitchFamily="34" charset="0"/>
+                          <a:cs typeface="Arial" pitchFamily="34" charset="0"/>
                         </a:rPr>
                         <a:t> C++ array</a:t>
                       </a:r>
                       <a:endParaRPr lang="en-GB" dirty="0">
-                        <a:latin typeface="+mn-lt"/>
+                        <a:latin typeface="Arial" pitchFamily="34" charset="0"/>
+                        <a:cs typeface="Arial" pitchFamily="34" charset="0"/>
                       </a:endParaRPr>
                     </a:p>
                   </a:txBody>
@@ -6030,24 +7088,28 @@
                       <a:pPr algn="ctr"/>
                       <a:r>
                         <a:rPr lang="en-GB" dirty="0" smtClean="0">
-                          <a:latin typeface="+mn-lt"/>
+                          <a:latin typeface="Arial" pitchFamily="34" charset="0"/>
+                          <a:cs typeface="Arial" pitchFamily="34" charset="0"/>
                         </a:rPr>
                         <a:t>easy,</a:t>
                       </a:r>
                       <a:r>
                         <a:rPr lang="en-GB" baseline="0" dirty="0" smtClean="0">
-                          <a:latin typeface="+mn-lt"/>
+                          <a:latin typeface="Arial" pitchFamily="34" charset="0"/>
+                          <a:cs typeface="Arial" pitchFamily="34" charset="0"/>
                         </a:rPr>
                         <a:t> f</a:t>
                       </a:r>
                       <a:r>
                         <a:rPr lang="en-GB" dirty="0" smtClean="0">
-                          <a:latin typeface="+mn-lt"/>
+                          <a:latin typeface="Arial" pitchFamily="34" charset="0"/>
+                          <a:cs typeface="Arial" pitchFamily="34" charset="0"/>
                         </a:rPr>
                         <a:t>ast </a:t>
                       </a:r>
                       <a:endParaRPr lang="en-GB" dirty="0">
-                        <a:latin typeface="+mn-lt"/>
+                        <a:latin typeface="Arial" pitchFamily="34" charset="0"/>
+                        <a:cs typeface="Arial" pitchFamily="34" charset="0"/>
                       </a:endParaRPr>
                     </a:p>
                   </a:txBody>
@@ -6061,18 +7123,21 @@
                       <a:pPr algn="ctr"/>
                       <a:r>
                         <a:rPr lang="en-GB" dirty="0" smtClean="0">
-                          <a:latin typeface="+mn-lt"/>
+                          <a:latin typeface="Arial" pitchFamily="34" charset="0"/>
+                          <a:cs typeface="Arial" pitchFamily="34" charset="0"/>
                         </a:rPr>
                         <a:t>unfamiliar</a:t>
                       </a:r>
                       <a:r>
                         <a:rPr lang="en-GB" baseline="0" dirty="0" smtClean="0">
-                          <a:latin typeface="+mn-lt"/>
+                          <a:latin typeface="Arial" pitchFamily="34" charset="0"/>
+                          <a:cs typeface="Arial" pitchFamily="34" charset="0"/>
                         </a:rPr>
                         <a:t> type in Python, little functionality</a:t>
                       </a:r>
                       <a:endParaRPr lang="en-GB" dirty="0">
-                        <a:latin typeface="+mn-lt"/>
+                        <a:latin typeface="Arial" pitchFamily="34" charset="0"/>
+                        <a:cs typeface="Arial" pitchFamily="34" charset="0"/>
                       </a:endParaRPr>
                     </a:p>
                   </a:txBody>
@@ -6088,18 +7153,21 @@
                       <a:pPr algn="ctr"/>
                       <a:r>
                         <a:rPr lang="en-GB" dirty="0" smtClean="0">
-                          <a:latin typeface="+mn-lt"/>
+                          <a:latin typeface="Arial" pitchFamily="34" charset="0"/>
+                          <a:cs typeface="Arial" pitchFamily="34" charset="0"/>
                         </a:rPr>
                         <a:t>Copy data</a:t>
                       </a:r>
                       <a:r>
                         <a:rPr lang="en-GB" baseline="0" dirty="0" smtClean="0">
-                          <a:latin typeface="+mn-lt"/>
+                          <a:latin typeface="Arial" pitchFamily="34" charset="0"/>
+                          <a:cs typeface="Arial" pitchFamily="34" charset="0"/>
                         </a:rPr>
                         <a:t> to Python list</a:t>
                       </a:r>
                       <a:endParaRPr lang="en-GB" dirty="0">
-                        <a:latin typeface="+mn-lt"/>
+                        <a:latin typeface="Arial" pitchFamily="34" charset="0"/>
+                        <a:cs typeface="Arial" pitchFamily="34" charset="0"/>
                       </a:endParaRPr>
                     </a:p>
                   </a:txBody>
@@ -6113,12 +7181,14 @@
                       <a:pPr algn="ctr"/>
                       <a:r>
                         <a:rPr lang="en-GB" dirty="0" smtClean="0">
-                          <a:latin typeface="+mn-lt"/>
+                          <a:latin typeface="Arial" pitchFamily="34" charset="0"/>
+                          <a:cs typeface="Arial" pitchFamily="34" charset="0"/>
                         </a:rPr>
                         <a:t>familiar Python type</a:t>
                       </a:r>
                       <a:endParaRPr lang="en-GB" dirty="0">
-                        <a:latin typeface="+mn-lt"/>
+                        <a:latin typeface="Arial" pitchFamily="34" charset="0"/>
+                        <a:cs typeface="Arial" pitchFamily="34" charset="0"/>
                       </a:endParaRPr>
                     </a:p>
                   </a:txBody>
@@ -6132,12 +7202,14 @@
                       <a:pPr algn="ctr"/>
                       <a:r>
                         <a:rPr lang="en-GB" dirty="0" smtClean="0">
-                          <a:latin typeface="+mn-lt"/>
+                          <a:latin typeface="Arial" pitchFamily="34" charset="0"/>
+                          <a:cs typeface="Arial" pitchFamily="34" charset="0"/>
                         </a:rPr>
                         <a:t>slow when creating &amp; using</a:t>
                       </a:r>
                       <a:endParaRPr lang="en-GB" dirty="0">
-                        <a:latin typeface="+mn-lt"/>
+                        <a:latin typeface="Arial" pitchFamily="34" charset="0"/>
+                        <a:cs typeface="Arial" pitchFamily="34" charset="0"/>
                       </a:endParaRPr>
                     </a:p>
                   </a:txBody>
@@ -6153,24 +7225,28 @@
                       <a:pPr algn="ctr"/>
                       <a:r>
                         <a:rPr lang="en-GB" dirty="0" smtClean="0">
-                          <a:latin typeface="+mn-lt"/>
+                          <a:latin typeface="Arial" pitchFamily="34" charset="0"/>
+                          <a:cs typeface="Arial" pitchFamily="34" charset="0"/>
                         </a:rPr>
                         <a:t>Wrap with </a:t>
                       </a:r>
                       <a:r>
                         <a:rPr lang="en-GB" dirty="0" err="1" smtClean="0">
-                          <a:latin typeface="+mn-lt"/>
+                          <a:latin typeface="Arial" pitchFamily="34" charset="0"/>
+                          <a:cs typeface="Arial" pitchFamily="34" charset="0"/>
                         </a:rPr>
                         <a:t>NumPy</a:t>
                       </a:r>
                       <a:r>
                         <a:rPr lang="en-GB" baseline="0" dirty="0" smtClean="0">
-                          <a:latin typeface="+mn-lt"/>
+                          <a:latin typeface="Arial" pitchFamily="34" charset="0"/>
+                          <a:cs typeface="Arial" pitchFamily="34" charset="0"/>
                         </a:rPr>
                         <a:t> array in C++ layer</a:t>
                       </a:r>
                       <a:endParaRPr lang="en-GB" dirty="0">
-                        <a:latin typeface="+mn-lt"/>
+                        <a:latin typeface="Arial" pitchFamily="34" charset="0"/>
+                        <a:cs typeface="Arial" pitchFamily="34" charset="0"/>
                       </a:endParaRPr>
                     </a:p>
                   </a:txBody>
@@ -6184,12 +7260,14 @@
                       <a:pPr algn="ctr"/>
                       <a:r>
                         <a:rPr lang="en-GB" dirty="0" smtClean="0">
-                          <a:latin typeface="+mn-lt"/>
+                          <a:latin typeface="Arial" pitchFamily="34" charset="0"/>
+                          <a:cs typeface="Arial" pitchFamily="34" charset="0"/>
                         </a:rPr>
                         <a:t>fast, functional, familiar type</a:t>
                       </a:r>
                       <a:endParaRPr lang="en-GB" dirty="0">
-                        <a:latin typeface="+mn-lt"/>
+                        <a:latin typeface="Arial" pitchFamily="34" charset="0"/>
+                        <a:cs typeface="Arial" pitchFamily="34" charset="0"/>
                       </a:endParaRPr>
                     </a:p>
                   </a:txBody>
@@ -6203,30 +7281,35 @@
                       <a:pPr algn="ctr"/>
                       <a:r>
                         <a:rPr lang="en-GB" dirty="0" smtClean="0">
-                          <a:latin typeface="+mn-lt"/>
+                          <a:latin typeface="Arial" pitchFamily="34" charset="0"/>
+                          <a:cs typeface="Arial" pitchFamily="34" charset="0"/>
                         </a:rPr>
                         <a:t>difficult to do generically, requires </a:t>
                       </a:r>
                       <a:r>
                         <a:rPr lang="en-GB" dirty="0" err="1" smtClean="0">
-                          <a:latin typeface="+mn-lt"/>
+                          <a:latin typeface="Arial" pitchFamily="34" charset="0"/>
+                          <a:cs typeface="Arial" pitchFamily="34" charset="0"/>
                         </a:rPr>
                         <a:t>NumPy</a:t>
                       </a:r>
                       <a:r>
                         <a:rPr lang="en-GB" dirty="0" smtClean="0">
-                          <a:latin typeface="+mn-lt"/>
+                          <a:latin typeface="Arial" pitchFamily="34" charset="0"/>
+                          <a:cs typeface="Arial" pitchFamily="34" charset="0"/>
                         </a:rPr>
                         <a:t> as dependency</a:t>
                       </a:r>
                       <a:r>
                         <a:rPr lang="en-GB" baseline="0" dirty="0" smtClean="0">
-                          <a:latin typeface="+mn-lt"/>
+                          <a:latin typeface="Arial" pitchFamily="34" charset="0"/>
+                          <a:cs typeface="Arial" pitchFamily="34" charset="0"/>
                         </a:rPr>
                         <a:t> at C++ level</a:t>
                       </a:r>
                       <a:endParaRPr lang="en-GB" dirty="0">
-                        <a:latin typeface="+mn-lt"/>
+                        <a:latin typeface="Arial" pitchFamily="34" charset="0"/>
+                        <a:cs typeface="Arial" pitchFamily="34" charset="0"/>
                       </a:endParaRPr>
                     </a:p>
                   </a:txBody>
@@ -6247,14 +7330,15 @@
         </p:nvPicPr>
         <p:blipFill>
           <a:blip r:embed="rId7" cstate="print"/>
+          <a:srcRect l="37245" t="10174" r="22869" b="16277"/>
           <a:stretch>
             <a:fillRect/>
           </a:stretch>
         </p:blipFill>
         <p:spPr>
           <a:xfrm>
-            <a:off x="2157910" y="30690913"/>
-            <a:ext cx="11521280" cy="6582730"/>
+            <a:off x="18071678" y="18809593"/>
+            <a:ext cx="8352928" cy="8800374"/>
           </a:xfrm>
           <a:prstGeom prst="rect">
             <a:avLst/>
@@ -6263,28 +7347,1242 @@
       </p:pic>
       <p:pic>
         <p:nvPicPr>
-          <p:cNvPr id="15" name="Picture 14" descr="IPython.bmp"/>
+          <p:cNvPr id="1026" name="Picture 2"/>
           <p:cNvPicPr>
-            <a:picLocks noChangeAspect="1"/>
+            <a:picLocks noChangeAspect="1" noChangeArrowheads="1"/>
           </p:cNvPicPr>
           <p:nvPr/>
         </p:nvPicPr>
         <p:blipFill>
           <a:blip r:embed="rId8" cstate="print"/>
+          <a:srcRect/>
           <a:stretch>
             <a:fillRect/>
           </a:stretch>
         </p:blipFill>
-        <p:spPr>
+        <p:spPr bwMode="auto">
           <a:xfrm>
-            <a:off x="16199470" y="14633129"/>
-            <a:ext cx="11881320" cy="7172109"/>
+            <a:off x="16271478" y="35443441"/>
+            <a:ext cx="12467109" cy="5100555"/>
           </a:xfrm>
           <a:prstGeom prst="rect">
             <a:avLst/>
           </a:prstGeom>
+          <a:noFill/>
+          <a:ln w="9525">
+            <a:noFill/>
+            <a:miter lim="800000"/>
+            <a:headEnd/>
+            <a:tailEnd/>
+          </a:ln>
         </p:spPr>
       </p:pic>
+      <p:graphicFrame>
+        <p:nvGraphicFramePr>
+          <p:cNvPr id="16" name="Table 15"/>
+          <p:cNvGraphicFramePr>
+            <a:graphicFrameLocks noGrp="1"/>
+          </p:cNvGraphicFramePr>
+          <p:nvPr/>
+        </p:nvGraphicFramePr>
+        <p:xfrm>
+          <a:off x="1149798" y="26154409"/>
+          <a:ext cx="13033448" cy="4846320"/>
+        </p:xfrm>
+        <a:graphic>
+          <a:graphicData uri="http://schemas.openxmlformats.org/drawingml/2006/table">
+            <a:tbl>
+              <a:tblPr firstRow="1" bandRow="1">
+                <a:tableStyleId>{5C22544A-7EE6-4342-B048-85BDC9FD1C3A}</a:tableStyleId>
+              </a:tblPr>
+              <a:tblGrid>
+                <a:gridCol w="6552728"/>
+                <a:gridCol w="6480720"/>
+              </a:tblGrid>
+              <a:tr h="0">
+                <a:tc>
+                  <a:txBody>
+                    <a:bodyPr/>
+                    <a:lstStyle/>
+                    <a:p>
+                      <a:r>
+                        <a:rPr lang="en-GB" dirty="0" smtClean="0">
+                          <a:latin typeface="Arial" pitchFamily="34" charset="0"/>
+                          <a:cs typeface="Arial" pitchFamily="34" charset="0"/>
+                        </a:rPr>
+                        <a:t>Old Python API</a:t>
+                      </a:r>
+                      <a:endParaRPr lang="en-GB" dirty="0">
+                        <a:latin typeface="Arial" pitchFamily="34" charset="0"/>
+                        <a:cs typeface="Arial" pitchFamily="34" charset="0"/>
+                      </a:endParaRPr>
+                    </a:p>
+                  </a:txBody>
+                  <a:tcPr/>
+                </a:tc>
+                <a:tc>
+                  <a:txBody>
+                    <a:bodyPr/>
+                    <a:lstStyle/>
+                    <a:p>
+                      <a:r>
+                        <a:rPr lang="en-GB" dirty="0" smtClean="0">
+                          <a:latin typeface="Arial" pitchFamily="34" charset="0"/>
+                          <a:cs typeface="Arial" pitchFamily="34" charset="0"/>
+                        </a:rPr>
+                        <a:t>New Python API</a:t>
+                      </a:r>
+                      <a:endParaRPr lang="en-GB" dirty="0">
+                        <a:latin typeface="Arial" pitchFamily="34" charset="0"/>
+                        <a:cs typeface="Arial" pitchFamily="34" charset="0"/>
+                      </a:endParaRPr>
+                    </a:p>
+                  </a:txBody>
+                  <a:tcPr/>
+                </a:tc>
+              </a:tr>
+              <a:tr h="370840">
+                <a:tc>
+                  <a:txBody>
+                    <a:bodyPr/>
+                    <a:lstStyle/>
+                    <a:p>
+                      <a:pPr hangingPunct="0"/>
+                      <a:r>
+                        <a:rPr lang="en-GB" sz="1600" kern="1200" dirty="0" smtClean="0">
+                          <a:solidFill>
+                            <a:schemeClr val="dk1"/>
+                          </a:solidFill>
+                          <a:latin typeface="Courier New" pitchFamily="49" charset="0"/>
+                          <a:ea typeface="+mn-ea"/>
+                          <a:cs typeface="Courier New" pitchFamily="49" charset="0"/>
+                        </a:rPr>
+                        <a:t>file = “c:/Filename.nxs"</a:t>
+                      </a:r>
+                    </a:p>
+                    <a:p>
+                      <a:pPr hangingPunct="0"/>
+                      <a:r>
+                        <a:rPr lang="en-GB" sz="1600" kern="1200" dirty="0" err="1" smtClean="0">
+                          <a:solidFill>
+                            <a:schemeClr val="dk1"/>
+                          </a:solidFill>
+                          <a:latin typeface="Courier New" pitchFamily="49" charset="0"/>
+                          <a:ea typeface="+mn-ea"/>
+                          <a:cs typeface="Courier New" pitchFamily="49" charset="0"/>
+                        </a:rPr>
+                        <a:t>calFile</a:t>
+                      </a:r>
+                      <a:r>
+                        <a:rPr lang="en-GB" sz="1600" kern="1200" dirty="0" smtClean="0">
+                          <a:solidFill>
+                            <a:schemeClr val="dk1"/>
+                          </a:solidFill>
+                          <a:latin typeface="Courier New" pitchFamily="49" charset="0"/>
+                          <a:ea typeface="+mn-ea"/>
+                          <a:cs typeface="Courier New" pitchFamily="49" charset="0"/>
+                        </a:rPr>
+                        <a:t> = “c:/CalFile.cal"</a:t>
+                      </a:r>
+                    </a:p>
+                    <a:p>
+                      <a:pPr hangingPunct="0"/>
+                      <a:r>
+                        <a:rPr lang="en-GB" sz="1600" kern="1200" dirty="0" smtClean="0">
+                          <a:solidFill>
+                            <a:schemeClr val="dk1"/>
+                          </a:solidFill>
+                          <a:latin typeface="Courier New" pitchFamily="49" charset="0"/>
+                          <a:ea typeface="+mn-ea"/>
+                          <a:cs typeface="Courier New" pitchFamily="49" charset="0"/>
+                        </a:rPr>
+                        <a:t> </a:t>
+                      </a:r>
+                    </a:p>
+                    <a:p>
+                      <a:pPr hangingPunct="0"/>
+                      <a:r>
+                        <a:rPr lang="en-GB" sz="1600" kern="1200" dirty="0" err="1" smtClean="0">
+                          <a:solidFill>
+                            <a:schemeClr val="dk1"/>
+                          </a:solidFill>
+                          <a:latin typeface="Courier New" pitchFamily="49" charset="0"/>
+                          <a:ea typeface="+mn-ea"/>
+                          <a:cs typeface="Courier New" pitchFamily="49" charset="0"/>
+                        </a:rPr>
+                        <a:t>tempWorkspace</a:t>
+                      </a:r>
+                      <a:r>
+                        <a:rPr lang="en-GB" sz="1600" kern="1200" dirty="0" smtClean="0">
+                          <a:solidFill>
+                            <a:schemeClr val="dk1"/>
+                          </a:solidFill>
+                          <a:latin typeface="Courier New" pitchFamily="49" charset="0"/>
+                          <a:ea typeface="+mn-ea"/>
+                          <a:cs typeface="Courier New" pitchFamily="49" charset="0"/>
+                        </a:rPr>
+                        <a:t> = "__</a:t>
+                      </a:r>
+                      <a:r>
+                        <a:rPr lang="en-GB" sz="1600" kern="1200" dirty="0" err="1" smtClean="0">
+                          <a:solidFill>
+                            <a:schemeClr val="dk1"/>
+                          </a:solidFill>
+                          <a:latin typeface="Courier New" pitchFamily="49" charset="0"/>
+                          <a:ea typeface="+mn-ea"/>
+                          <a:cs typeface="Courier New" pitchFamily="49" charset="0"/>
+                        </a:rPr>
+                        <a:t>tmp_SimplePowderDiffraction</a:t>
+                      </a:r>
+                      <a:r>
+                        <a:rPr lang="en-GB" sz="1600" kern="1200" dirty="0" smtClean="0">
+                          <a:solidFill>
+                            <a:schemeClr val="dk1"/>
+                          </a:solidFill>
+                          <a:latin typeface="Courier New" pitchFamily="49" charset="0"/>
+                          <a:ea typeface="+mn-ea"/>
+                          <a:cs typeface="Courier New" pitchFamily="49" charset="0"/>
+                        </a:rPr>
+                        <a:t>“</a:t>
+                      </a:r>
+                    </a:p>
+                    <a:p>
+                      <a:pPr hangingPunct="0"/>
+                      <a:r>
+                        <a:rPr lang="en-GB" sz="1600" kern="1200" dirty="0" err="1" smtClean="0">
+                          <a:solidFill>
+                            <a:schemeClr val="dk1"/>
+                          </a:solidFill>
+                          <a:latin typeface="Courier New" pitchFamily="49" charset="0"/>
+                          <a:ea typeface="+mn-ea"/>
+                          <a:cs typeface="Courier New" pitchFamily="49" charset="0"/>
+                        </a:rPr>
+                        <a:t>resultWorkspace</a:t>
+                      </a:r>
+                      <a:r>
+                        <a:rPr lang="en-GB" sz="1600" kern="1200" dirty="0" smtClean="0">
+                          <a:solidFill>
+                            <a:schemeClr val="dk1"/>
+                          </a:solidFill>
+                          <a:latin typeface="Courier New" pitchFamily="49" charset="0"/>
+                          <a:ea typeface="+mn-ea"/>
+                          <a:cs typeface="Courier New" pitchFamily="49" charset="0"/>
+                        </a:rPr>
+                        <a:t> = “</a:t>
+                      </a:r>
+                      <a:r>
+                        <a:rPr lang="en-GB" sz="1600" kern="1200" dirty="0" err="1" smtClean="0">
+                          <a:solidFill>
+                            <a:schemeClr val="dk1"/>
+                          </a:solidFill>
+                          <a:latin typeface="Courier New" pitchFamily="49" charset="0"/>
+                          <a:ea typeface="+mn-ea"/>
+                          <a:cs typeface="Courier New" pitchFamily="49" charset="0"/>
+                        </a:rPr>
+                        <a:t>wspace</a:t>
+                      </a:r>
+                      <a:r>
+                        <a:rPr lang="en-GB" sz="1600" kern="1200" dirty="0" smtClean="0">
+                          <a:solidFill>
+                            <a:schemeClr val="dk1"/>
+                          </a:solidFill>
+                          <a:latin typeface="Courier New" pitchFamily="49" charset="0"/>
+                          <a:ea typeface="+mn-ea"/>
+                          <a:cs typeface="Courier New" pitchFamily="49" charset="0"/>
+                        </a:rPr>
+                        <a:t>“</a:t>
+                      </a:r>
+                    </a:p>
+                    <a:p>
+                      <a:pPr hangingPunct="0"/>
+                      <a:endParaRPr lang="en-GB" sz="1600" kern="1200" dirty="0" smtClean="0">
+                        <a:solidFill>
+                          <a:schemeClr val="dk1"/>
+                        </a:solidFill>
+                        <a:latin typeface="Courier New" pitchFamily="49" charset="0"/>
+                        <a:ea typeface="+mn-ea"/>
+                        <a:cs typeface="Courier New" pitchFamily="49" charset="0"/>
+                      </a:endParaRPr>
+                    </a:p>
+                    <a:p>
+                      <a:pPr hangingPunct="0"/>
+                      <a:r>
+                        <a:rPr lang="en-GB" sz="1600" kern="1200" dirty="0" smtClean="0">
+                          <a:solidFill>
+                            <a:schemeClr val="dk1"/>
+                          </a:solidFill>
+                          <a:latin typeface="Courier New" pitchFamily="49" charset="0"/>
+                          <a:ea typeface="+mn-ea"/>
+                          <a:cs typeface="Courier New" pitchFamily="49" charset="0"/>
+                        </a:rPr>
+                        <a:t>Load(</a:t>
+                      </a:r>
+                      <a:r>
+                        <a:rPr lang="en-GB" sz="1600" kern="1200" dirty="0" err="1" smtClean="0">
+                          <a:solidFill>
+                            <a:schemeClr val="dk1"/>
+                          </a:solidFill>
+                          <a:latin typeface="Courier New" pitchFamily="49" charset="0"/>
+                          <a:ea typeface="+mn-ea"/>
+                          <a:cs typeface="Courier New" pitchFamily="49" charset="0"/>
+                        </a:rPr>
+                        <a:t>file,tempWorkspace</a:t>
+                      </a:r>
+                      <a:r>
+                        <a:rPr lang="en-GB" sz="1600" kern="1200" dirty="0" smtClean="0">
+                          <a:solidFill>
+                            <a:schemeClr val="dk1"/>
+                          </a:solidFill>
+                          <a:latin typeface="Courier New" pitchFamily="49" charset="0"/>
+                          <a:ea typeface="+mn-ea"/>
+                          <a:cs typeface="Courier New" pitchFamily="49" charset="0"/>
+                        </a:rPr>
+                        <a:t>)</a:t>
+                      </a:r>
+                    </a:p>
+                    <a:p>
+                      <a:pPr hangingPunct="0"/>
+                      <a:r>
+                        <a:rPr lang="en-GB" sz="1600" kern="1200" dirty="0" err="1" smtClean="0">
+                          <a:solidFill>
+                            <a:schemeClr val="dk1"/>
+                          </a:solidFill>
+                          <a:latin typeface="Courier New" pitchFamily="49" charset="0"/>
+                          <a:ea typeface="+mn-ea"/>
+                          <a:cs typeface="Courier New" pitchFamily="49" charset="0"/>
+                        </a:rPr>
+                        <a:t>tmpWs</a:t>
+                      </a:r>
+                      <a:r>
+                        <a:rPr lang="en-GB" sz="1600" kern="1200" dirty="0" smtClean="0">
+                          <a:solidFill>
+                            <a:schemeClr val="dk1"/>
+                          </a:solidFill>
+                          <a:latin typeface="Courier New" pitchFamily="49" charset="0"/>
+                          <a:ea typeface="+mn-ea"/>
+                          <a:cs typeface="Courier New" pitchFamily="49" charset="0"/>
+                        </a:rPr>
+                        <a:t> = </a:t>
+                      </a:r>
+                      <a:r>
+                        <a:rPr lang="en-GB" sz="1600" kern="1200" dirty="0" err="1" smtClean="0">
+                          <a:solidFill>
+                            <a:schemeClr val="dk1"/>
+                          </a:solidFill>
+                          <a:latin typeface="Courier New" pitchFamily="49" charset="0"/>
+                          <a:ea typeface="+mn-ea"/>
+                          <a:cs typeface="Courier New" pitchFamily="49" charset="0"/>
+                        </a:rPr>
+                        <a:t>mtd</a:t>
+                      </a:r>
+                      <a:r>
+                        <a:rPr lang="en-GB" sz="1600" kern="1200" dirty="0" smtClean="0">
+                          <a:solidFill>
+                            <a:schemeClr val="dk1"/>
+                          </a:solidFill>
+                          <a:latin typeface="Courier New" pitchFamily="49" charset="0"/>
+                          <a:ea typeface="+mn-ea"/>
+                          <a:cs typeface="Courier New" pitchFamily="49" charset="0"/>
+                        </a:rPr>
+                        <a:t>[</a:t>
+                      </a:r>
+                      <a:r>
+                        <a:rPr lang="en-GB" sz="1600" kern="1200" dirty="0" err="1" smtClean="0">
+                          <a:solidFill>
+                            <a:schemeClr val="dk1"/>
+                          </a:solidFill>
+                          <a:latin typeface="Courier New" pitchFamily="49" charset="0"/>
+                          <a:ea typeface="+mn-ea"/>
+                          <a:cs typeface="Courier New" pitchFamily="49" charset="0"/>
+                        </a:rPr>
+                        <a:t>tempWorkspace</a:t>
+                      </a:r>
+                      <a:r>
+                        <a:rPr lang="en-GB" sz="1600" kern="1200" dirty="0" smtClean="0">
+                          <a:solidFill>
+                            <a:schemeClr val="dk1"/>
+                          </a:solidFill>
+                          <a:latin typeface="Courier New" pitchFamily="49" charset="0"/>
+                          <a:ea typeface="+mn-ea"/>
+                          <a:cs typeface="Courier New" pitchFamily="49" charset="0"/>
+                        </a:rPr>
+                        <a:t>]</a:t>
+                      </a:r>
+                    </a:p>
+                    <a:p>
+                      <a:pPr hangingPunct="0"/>
+                      <a:endParaRPr lang="en-GB" sz="1600" kern="1200" dirty="0" smtClean="0">
+                        <a:solidFill>
+                          <a:schemeClr val="dk1"/>
+                        </a:solidFill>
+                        <a:latin typeface="Courier New" pitchFamily="49" charset="0"/>
+                        <a:ea typeface="+mn-ea"/>
+                        <a:cs typeface="Courier New" pitchFamily="49" charset="0"/>
+                      </a:endParaRPr>
+                    </a:p>
+                    <a:p>
+                      <a:pPr hangingPunct="0"/>
+                      <a:r>
+                        <a:rPr lang="en-GB" sz="1600" kern="1200" dirty="0" err="1" smtClean="0">
+                          <a:solidFill>
+                            <a:schemeClr val="dk1"/>
+                          </a:solidFill>
+                          <a:latin typeface="Courier New" pitchFamily="49" charset="0"/>
+                          <a:ea typeface="+mn-ea"/>
+                          <a:cs typeface="Courier New" pitchFamily="49" charset="0"/>
+                        </a:rPr>
+                        <a:t>AlignDetectors</a:t>
+                      </a:r>
+                      <a:r>
+                        <a:rPr lang="en-GB" sz="1600" kern="1200" dirty="0" smtClean="0">
+                          <a:solidFill>
+                            <a:schemeClr val="dk1"/>
+                          </a:solidFill>
+                          <a:latin typeface="Courier New" pitchFamily="49" charset="0"/>
+                          <a:ea typeface="+mn-ea"/>
+                          <a:cs typeface="Courier New" pitchFamily="49" charset="0"/>
+                        </a:rPr>
+                        <a:t>(</a:t>
+                      </a:r>
+                      <a:r>
+                        <a:rPr lang="en-GB" sz="1600" kern="1200" dirty="0" err="1" smtClean="0">
+                          <a:solidFill>
+                            <a:schemeClr val="dk1"/>
+                          </a:solidFill>
+                          <a:latin typeface="Courier New" pitchFamily="49" charset="0"/>
+                          <a:ea typeface="+mn-ea"/>
+                          <a:cs typeface="Courier New" pitchFamily="49" charset="0"/>
+                        </a:rPr>
+                        <a:t>tmpWs,tmpWs,calFile</a:t>
+                      </a:r>
+                      <a:r>
+                        <a:rPr lang="en-GB" sz="1600" kern="1200" dirty="0" smtClean="0">
+                          <a:solidFill>
+                            <a:schemeClr val="dk1"/>
+                          </a:solidFill>
+                          <a:latin typeface="Courier New" pitchFamily="49" charset="0"/>
+                          <a:ea typeface="+mn-ea"/>
+                          <a:cs typeface="Courier New" pitchFamily="49" charset="0"/>
+                        </a:rPr>
+                        <a:t>)</a:t>
+                      </a:r>
+                    </a:p>
+                    <a:p>
+                      <a:pPr hangingPunct="0"/>
+                      <a:r>
+                        <a:rPr lang="en-GB" sz="1600" kern="1200" dirty="0" err="1" smtClean="0">
+                          <a:solidFill>
+                            <a:schemeClr val="dk1"/>
+                          </a:solidFill>
+                          <a:latin typeface="Courier New" pitchFamily="49" charset="0"/>
+                          <a:ea typeface="+mn-ea"/>
+                          <a:cs typeface="Courier New" pitchFamily="49" charset="0"/>
+                        </a:rPr>
+                        <a:t>DiffractionFocussing</a:t>
+                      </a:r>
+                      <a:r>
+                        <a:rPr lang="en-GB" sz="1600" kern="1200" dirty="0" smtClean="0">
+                          <a:solidFill>
+                            <a:schemeClr val="dk1"/>
+                          </a:solidFill>
+                          <a:latin typeface="Courier New" pitchFamily="49" charset="0"/>
+                          <a:ea typeface="+mn-ea"/>
+                          <a:cs typeface="Courier New" pitchFamily="49" charset="0"/>
+                        </a:rPr>
+                        <a:t>(</a:t>
+                      </a:r>
+                      <a:r>
+                        <a:rPr lang="en-GB" sz="1600" kern="1200" dirty="0" err="1" smtClean="0">
+                          <a:solidFill>
+                            <a:schemeClr val="dk1"/>
+                          </a:solidFill>
+                          <a:latin typeface="Courier New" pitchFamily="49" charset="0"/>
+                          <a:ea typeface="+mn-ea"/>
+                          <a:cs typeface="Courier New" pitchFamily="49" charset="0"/>
+                        </a:rPr>
+                        <a:t>tmpWs,resultWorkspace,calFile</a:t>
+                      </a:r>
+                      <a:r>
+                        <a:rPr lang="en-GB" sz="1600" kern="1200" dirty="0" smtClean="0">
+                          <a:solidFill>
+                            <a:schemeClr val="dk1"/>
+                          </a:solidFill>
+                          <a:latin typeface="Courier New" pitchFamily="49" charset="0"/>
+                          <a:ea typeface="+mn-ea"/>
+                          <a:cs typeface="Courier New" pitchFamily="49" charset="0"/>
+                        </a:rPr>
+                        <a:t>)</a:t>
+                      </a:r>
+                    </a:p>
+                    <a:p>
+                      <a:pPr hangingPunct="0"/>
+                      <a:r>
+                        <a:rPr lang="en-GB" sz="1600" kern="1200" dirty="0" err="1" smtClean="0">
+                          <a:solidFill>
+                            <a:schemeClr val="dk1"/>
+                          </a:solidFill>
+                          <a:latin typeface="Courier New" pitchFamily="49" charset="0"/>
+                          <a:ea typeface="+mn-ea"/>
+                          <a:cs typeface="Courier New" pitchFamily="49" charset="0"/>
+                        </a:rPr>
+                        <a:t>wspace</a:t>
+                      </a:r>
+                      <a:r>
+                        <a:rPr lang="en-GB" sz="1600" kern="1200" dirty="0" smtClean="0">
+                          <a:solidFill>
+                            <a:schemeClr val="dk1"/>
+                          </a:solidFill>
+                          <a:latin typeface="Courier New" pitchFamily="49" charset="0"/>
+                          <a:ea typeface="+mn-ea"/>
+                          <a:cs typeface="Courier New" pitchFamily="49" charset="0"/>
+                        </a:rPr>
+                        <a:t> = </a:t>
+                      </a:r>
+                      <a:r>
+                        <a:rPr lang="en-GB" sz="1600" kern="1200" dirty="0" err="1" smtClean="0">
+                          <a:solidFill>
+                            <a:schemeClr val="dk1"/>
+                          </a:solidFill>
+                          <a:latin typeface="Courier New" pitchFamily="49" charset="0"/>
+                          <a:ea typeface="+mn-ea"/>
+                          <a:cs typeface="Courier New" pitchFamily="49" charset="0"/>
+                        </a:rPr>
+                        <a:t>mtd</a:t>
+                      </a:r>
+                      <a:r>
+                        <a:rPr lang="en-GB" sz="1600" kern="1200" dirty="0" smtClean="0">
+                          <a:solidFill>
+                            <a:schemeClr val="dk1"/>
+                          </a:solidFill>
+                          <a:latin typeface="Courier New" pitchFamily="49" charset="0"/>
+                          <a:ea typeface="+mn-ea"/>
+                          <a:cs typeface="Courier New" pitchFamily="49" charset="0"/>
+                        </a:rPr>
+                        <a:t>[</a:t>
+                      </a:r>
+                      <a:r>
+                        <a:rPr lang="en-GB" sz="1600" kern="1200" dirty="0" err="1" smtClean="0">
+                          <a:solidFill>
+                            <a:schemeClr val="dk1"/>
+                          </a:solidFill>
+                          <a:latin typeface="Courier New" pitchFamily="49" charset="0"/>
+                          <a:ea typeface="+mn-ea"/>
+                          <a:cs typeface="Courier New" pitchFamily="49" charset="0"/>
+                        </a:rPr>
+                        <a:t>resultWorkspace</a:t>
+                      </a:r>
+                      <a:r>
+                        <a:rPr lang="en-GB" sz="1600" kern="1200" dirty="0" smtClean="0">
+                          <a:solidFill>
+                            <a:schemeClr val="dk1"/>
+                          </a:solidFill>
+                          <a:latin typeface="Courier New" pitchFamily="49" charset="0"/>
+                          <a:ea typeface="+mn-ea"/>
+                          <a:cs typeface="Courier New" pitchFamily="49" charset="0"/>
+                        </a:rPr>
+                        <a:t>]</a:t>
+                      </a:r>
+                    </a:p>
+                    <a:p>
+                      <a:pPr hangingPunct="0"/>
+                      <a:endParaRPr lang="en-GB" sz="1600" kern="1200" dirty="0" smtClean="0">
+                        <a:solidFill>
+                          <a:schemeClr val="dk1"/>
+                        </a:solidFill>
+                        <a:latin typeface="Courier New" pitchFamily="49" charset="0"/>
+                        <a:ea typeface="+mn-ea"/>
+                        <a:cs typeface="Courier New" pitchFamily="49" charset="0"/>
+                      </a:endParaRPr>
+                    </a:p>
+                    <a:p>
+                      <a:pPr hangingPunct="0"/>
+                      <a:r>
+                        <a:rPr lang="en-GB" sz="1600" kern="1200" dirty="0" err="1" smtClean="0">
+                          <a:solidFill>
+                            <a:schemeClr val="dk1"/>
+                          </a:solidFill>
+                          <a:latin typeface="Courier New" pitchFamily="49" charset="0"/>
+                          <a:ea typeface="+mn-ea"/>
+                          <a:cs typeface="Courier New" pitchFamily="49" charset="0"/>
+                        </a:rPr>
+                        <a:t>mtd.sendLogMessage</a:t>
+                      </a:r>
+                      <a:r>
+                        <a:rPr lang="en-GB" sz="1600" kern="1200" dirty="0" smtClean="0">
+                          <a:solidFill>
+                            <a:schemeClr val="dk1"/>
+                          </a:solidFill>
+                          <a:latin typeface="Courier New" pitchFamily="49" charset="0"/>
+                          <a:ea typeface="+mn-ea"/>
+                          <a:cs typeface="Courier New" pitchFamily="49" charset="0"/>
+                        </a:rPr>
+                        <a:t>(“Result</a:t>
+                      </a:r>
+                      <a:r>
+                        <a:rPr lang="en-GB" sz="1600" kern="1200" baseline="0" dirty="0" smtClean="0">
+                          <a:solidFill>
+                            <a:schemeClr val="dk1"/>
+                          </a:solidFill>
+                          <a:latin typeface="Courier New" pitchFamily="49" charset="0"/>
+                          <a:ea typeface="+mn-ea"/>
+                          <a:cs typeface="Courier New" pitchFamily="49" charset="0"/>
+                        </a:rPr>
+                        <a:t> workspace</a:t>
+                      </a:r>
+                      <a:r>
+                        <a:rPr lang="en-GB" sz="1600" kern="1200" dirty="0" smtClean="0">
+                          <a:solidFill>
+                            <a:schemeClr val="dk1"/>
+                          </a:solidFill>
+                          <a:latin typeface="Courier New" pitchFamily="49" charset="0"/>
+                          <a:ea typeface="+mn-ea"/>
+                          <a:cs typeface="Courier New" pitchFamily="49" charset="0"/>
+                        </a:rPr>
+                        <a:t>="+</a:t>
+                      </a:r>
+                      <a:r>
+                        <a:rPr lang="en-GB" sz="1600" kern="1200" dirty="0" err="1" smtClean="0">
+                          <a:solidFill>
+                            <a:schemeClr val="dk1"/>
+                          </a:solidFill>
+                          <a:latin typeface="Courier New" pitchFamily="49" charset="0"/>
+                          <a:ea typeface="+mn-ea"/>
+                          <a:cs typeface="Courier New" pitchFamily="49" charset="0"/>
+                        </a:rPr>
+                        <a:t>str</a:t>
+                      </a:r>
+                      <a:r>
+                        <a:rPr lang="en-GB" sz="1600" kern="1200" dirty="0" smtClean="0">
+                          <a:solidFill>
+                            <a:schemeClr val="dk1"/>
+                          </a:solidFill>
+                          <a:latin typeface="Courier New" pitchFamily="49" charset="0"/>
+                          <a:ea typeface="+mn-ea"/>
+                          <a:cs typeface="Courier New" pitchFamily="49" charset="0"/>
+                        </a:rPr>
+                        <a:t>(</a:t>
+                      </a:r>
+                      <a:r>
+                        <a:rPr lang="en-GB" sz="1600" kern="1200" dirty="0" err="1" smtClean="0">
+                          <a:solidFill>
+                            <a:schemeClr val="dk1"/>
+                          </a:solidFill>
+                          <a:latin typeface="Courier New" pitchFamily="49" charset="0"/>
+                          <a:ea typeface="+mn-ea"/>
+                          <a:cs typeface="Courier New" pitchFamily="49" charset="0"/>
+                        </a:rPr>
+                        <a:t>wspace</a:t>
+                      </a:r>
+                      <a:r>
+                        <a:rPr lang="en-GB" sz="1600" kern="1200" dirty="0" smtClean="0">
+                          <a:solidFill>
+                            <a:schemeClr val="dk1"/>
+                          </a:solidFill>
+                          <a:latin typeface="Courier New" pitchFamily="49" charset="0"/>
+                          <a:ea typeface="+mn-ea"/>
+                          <a:cs typeface="Courier New" pitchFamily="49" charset="0"/>
+                        </a:rPr>
+                        <a:t>))</a:t>
+                      </a:r>
+                    </a:p>
+                    <a:p>
+                      <a:pPr hangingPunct="0"/>
+                      <a:endParaRPr lang="en-GB" sz="1600" kern="1200" dirty="0" smtClean="0">
+                        <a:solidFill>
+                          <a:schemeClr val="dk1"/>
+                        </a:solidFill>
+                        <a:latin typeface="Courier New" pitchFamily="49" charset="0"/>
+                        <a:ea typeface="+mn-ea"/>
+                        <a:cs typeface="Courier New" pitchFamily="49" charset="0"/>
+                      </a:endParaRPr>
+                    </a:p>
+                    <a:p>
+                      <a:pPr hangingPunct="0"/>
+                      <a:r>
+                        <a:rPr lang="en-GB" sz="1600" kern="1200" dirty="0" smtClean="0">
+                          <a:solidFill>
+                            <a:schemeClr val="dk1"/>
+                          </a:solidFill>
+                          <a:latin typeface="Courier New" pitchFamily="49" charset="0"/>
+                          <a:ea typeface="+mn-ea"/>
+                          <a:cs typeface="Courier New" pitchFamily="49" charset="0"/>
+                        </a:rPr>
+                        <a:t>#need to delete the temp workspace names</a:t>
+                      </a:r>
+                    </a:p>
+                    <a:p>
+                      <a:pPr hangingPunct="0"/>
+                      <a:r>
+                        <a:rPr lang="en-GB" sz="1600" kern="1200" dirty="0" err="1" smtClean="0">
+                          <a:solidFill>
+                            <a:schemeClr val="dk1"/>
+                          </a:solidFill>
+                          <a:latin typeface="Courier New" pitchFamily="49" charset="0"/>
+                          <a:ea typeface="+mn-ea"/>
+                          <a:cs typeface="Courier New" pitchFamily="49" charset="0"/>
+                        </a:rPr>
+                        <a:t>mtd.deleteWorkspace</a:t>
+                      </a:r>
+                      <a:r>
+                        <a:rPr lang="en-GB" sz="1600" kern="1200" dirty="0" smtClean="0">
+                          <a:solidFill>
+                            <a:schemeClr val="dk1"/>
+                          </a:solidFill>
+                          <a:latin typeface="Courier New" pitchFamily="49" charset="0"/>
+                          <a:ea typeface="+mn-ea"/>
+                          <a:cs typeface="Courier New" pitchFamily="49" charset="0"/>
+                        </a:rPr>
+                        <a:t>(</a:t>
+                      </a:r>
+                      <a:r>
+                        <a:rPr lang="en-GB" sz="1600" kern="1200" dirty="0" err="1" smtClean="0">
+                          <a:solidFill>
+                            <a:schemeClr val="dk1"/>
+                          </a:solidFill>
+                          <a:latin typeface="Courier New" pitchFamily="49" charset="0"/>
+                          <a:ea typeface="+mn-ea"/>
+                          <a:cs typeface="Courier New" pitchFamily="49" charset="0"/>
+                        </a:rPr>
+                        <a:t>tempWorkspace</a:t>
+                      </a:r>
+                      <a:r>
+                        <a:rPr lang="en-GB" sz="1600" kern="1200" dirty="0" smtClean="0">
+                          <a:solidFill>
+                            <a:schemeClr val="dk1"/>
+                          </a:solidFill>
+                          <a:latin typeface="Courier New" pitchFamily="49" charset="0"/>
+                          <a:ea typeface="+mn-ea"/>
+                          <a:cs typeface="Courier New" pitchFamily="49" charset="0"/>
+                        </a:rPr>
+                        <a:t>)</a:t>
+                      </a:r>
+                      <a:endParaRPr lang="en-GB" sz="1600" dirty="0">
+                        <a:latin typeface="Courier New" pitchFamily="49" charset="0"/>
+                        <a:cs typeface="Courier New" pitchFamily="49" charset="0"/>
+                      </a:endParaRPr>
+                    </a:p>
+                  </a:txBody>
+                  <a:tcPr/>
+                </a:tc>
+                <a:tc>
+                  <a:txBody>
+                    <a:bodyPr/>
+                    <a:lstStyle/>
+                    <a:p>
+                      <a:pPr hangingPunct="0"/>
+                      <a:r>
+                        <a:rPr lang="en-GB" sz="1600" kern="1200" dirty="0" smtClean="0">
+                          <a:solidFill>
+                            <a:schemeClr val="dk1"/>
+                          </a:solidFill>
+                          <a:latin typeface="Courier New" pitchFamily="49" charset="0"/>
+                          <a:ea typeface="+mn-ea"/>
+                          <a:cs typeface="Courier New" pitchFamily="49" charset="0"/>
+                        </a:rPr>
+                        <a:t>file = “c:/Filename.nxs"</a:t>
+                      </a:r>
+                    </a:p>
+                    <a:p>
+                      <a:pPr hangingPunct="0"/>
+                      <a:r>
+                        <a:rPr lang="en-GB" sz="1600" kern="1200" dirty="0" err="1" smtClean="0">
+                          <a:solidFill>
+                            <a:schemeClr val="dk1"/>
+                          </a:solidFill>
+                          <a:latin typeface="Courier New" pitchFamily="49" charset="0"/>
+                          <a:ea typeface="+mn-ea"/>
+                          <a:cs typeface="Courier New" pitchFamily="49" charset="0"/>
+                        </a:rPr>
+                        <a:t>calFile</a:t>
+                      </a:r>
+                      <a:r>
+                        <a:rPr lang="en-GB" sz="1600" kern="1200" dirty="0" smtClean="0">
+                          <a:solidFill>
+                            <a:schemeClr val="dk1"/>
+                          </a:solidFill>
+                          <a:latin typeface="Courier New" pitchFamily="49" charset="0"/>
+                          <a:ea typeface="+mn-ea"/>
+                          <a:cs typeface="Courier New" pitchFamily="49" charset="0"/>
+                        </a:rPr>
+                        <a:t> = “c:/CalFile.cal"</a:t>
+                      </a:r>
+                    </a:p>
+                    <a:p>
+                      <a:pPr hangingPunct="0"/>
+                      <a:r>
+                        <a:rPr lang="en-GB" sz="1600" kern="1200" dirty="0" smtClean="0">
+                          <a:solidFill>
+                            <a:schemeClr val="dk1"/>
+                          </a:solidFill>
+                          <a:latin typeface="Courier New" pitchFamily="49" charset="0"/>
+                          <a:ea typeface="+mn-ea"/>
+                          <a:cs typeface="Courier New" pitchFamily="49" charset="0"/>
+                        </a:rPr>
+                        <a:t>        </a:t>
+                      </a:r>
+                    </a:p>
+                    <a:p>
+                      <a:pPr hangingPunct="0"/>
+                      <a:endParaRPr lang="en-GB" sz="1600" kern="1200" dirty="0" smtClean="0">
+                        <a:solidFill>
+                          <a:schemeClr val="dk1"/>
+                        </a:solidFill>
+                        <a:latin typeface="Courier New" pitchFamily="49" charset="0"/>
+                        <a:ea typeface="+mn-ea"/>
+                        <a:cs typeface="Courier New" pitchFamily="49" charset="0"/>
+                      </a:endParaRPr>
+                    </a:p>
+                    <a:p>
+                      <a:pPr hangingPunct="0"/>
+                      <a:endParaRPr lang="en-GB" sz="1600" kern="1200" dirty="0" smtClean="0">
+                        <a:solidFill>
+                          <a:schemeClr val="dk1"/>
+                        </a:solidFill>
+                        <a:latin typeface="Courier New" pitchFamily="49" charset="0"/>
+                        <a:ea typeface="+mn-ea"/>
+                        <a:cs typeface="Courier New" pitchFamily="49" charset="0"/>
+                      </a:endParaRPr>
+                    </a:p>
+                    <a:p>
+                      <a:pPr hangingPunct="0"/>
+                      <a:endParaRPr lang="en-GB" sz="1600" kern="1200" dirty="0" smtClean="0">
+                        <a:solidFill>
+                          <a:schemeClr val="dk1"/>
+                        </a:solidFill>
+                        <a:latin typeface="Courier New" pitchFamily="49" charset="0"/>
+                        <a:ea typeface="+mn-ea"/>
+                        <a:cs typeface="Courier New" pitchFamily="49" charset="0"/>
+                      </a:endParaRPr>
+                    </a:p>
+                    <a:p>
+                      <a:pPr hangingPunct="0"/>
+                      <a:r>
+                        <a:rPr lang="en-GB" sz="1600" kern="1200" dirty="0" err="1" smtClean="0">
+                          <a:solidFill>
+                            <a:schemeClr val="dk1"/>
+                          </a:solidFill>
+                          <a:latin typeface="Courier New" pitchFamily="49" charset="0"/>
+                          <a:ea typeface="+mn-ea"/>
+                          <a:cs typeface="Courier New" pitchFamily="49" charset="0"/>
+                        </a:rPr>
+                        <a:t>tmpWs</a:t>
+                      </a:r>
+                      <a:r>
+                        <a:rPr lang="en-GB" sz="1600" kern="1200" dirty="0" smtClean="0">
+                          <a:solidFill>
+                            <a:schemeClr val="dk1"/>
+                          </a:solidFill>
+                          <a:latin typeface="Courier New" pitchFamily="49" charset="0"/>
+                          <a:ea typeface="+mn-ea"/>
+                          <a:cs typeface="Courier New" pitchFamily="49" charset="0"/>
+                        </a:rPr>
+                        <a:t> = Load(file)</a:t>
+                      </a:r>
+                    </a:p>
+                    <a:p>
+                      <a:pPr hangingPunct="0"/>
+                      <a:endParaRPr lang="en-GB" sz="1600" kern="1200" dirty="0" smtClean="0">
+                        <a:solidFill>
+                          <a:schemeClr val="dk1"/>
+                        </a:solidFill>
+                        <a:latin typeface="Courier New" pitchFamily="49" charset="0"/>
+                        <a:ea typeface="+mn-ea"/>
+                        <a:cs typeface="Courier New" pitchFamily="49" charset="0"/>
+                      </a:endParaRPr>
+                    </a:p>
+                    <a:p>
+                      <a:pPr hangingPunct="0"/>
+                      <a:endParaRPr lang="en-GB" sz="1600" kern="1200" dirty="0" smtClean="0">
+                        <a:solidFill>
+                          <a:schemeClr val="dk1"/>
+                        </a:solidFill>
+                        <a:latin typeface="Courier New" pitchFamily="49" charset="0"/>
+                        <a:ea typeface="+mn-ea"/>
+                        <a:cs typeface="Courier New" pitchFamily="49" charset="0"/>
+                      </a:endParaRPr>
+                    </a:p>
+                    <a:p>
+                      <a:pPr hangingPunct="0"/>
+                      <a:r>
+                        <a:rPr lang="en-GB" sz="1600" kern="1200" dirty="0" err="1" smtClean="0">
+                          <a:solidFill>
+                            <a:schemeClr val="dk1"/>
+                          </a:solidFill>
+                          <a:latin typeface="Courier New" pitchFamily="49" charset="0"/>
+                          <a:ea typeface="+mn-ea"/>
+                          <a:cs typeface="Courier New" pitchFamily="49" charset="0"/>
+                        </a:rPr>
+                        <a:t>tmpWs</a:t>
+                      </a:r>
+                      <a:r>
+                        <a:rPr lang="en-GB" sz="1600" kern="1200" dirty="0" smtClean="0">
+                          <a:solidFill>
+                            <a:schemeClr val="dk1"/>
+                          </a:solidFill>
+                          <a:latin typeface="Courier New" pitchFamily="49" charset="0"/>
+                          <a:ea typeface="+mn-ea"/>
+                          <a:cs typeface="Courier New" pitchFamily="49" charset="0"/>
+                        </a:rPr>
+                        <a:t> = </a:t>
+                      </a:r>
+                      <a:r>
+                        <a:rPr lang="en-GB" sz="1600" kern="1200" dirty="0" err="1" smtClean="0">
+                          <a:solidFill>
+                            <a:schemeClr val="dk1"/>
+                          </a:solidFill>
+                          <a:latin typeface="Courier New" pitchFamily="49" charset="0"/>
+                          <a:ea typeface="+mn-ea"/>
+                          <a:cs typeface="Courier New" pitchFamily="49" charset="0"/>
+                        </a:rPr>
+                        <a:t>AlignDetectors</a:t>
+                      </a:r>
+                      <a:r>
+                        <a:rPr lang="en-GB" sz="1600" kern="1200" dirty="0" smtClean="0">
+                          <a:solidFill>
+                            <a:schemeClr val="dk1"/>
+                          </a:solidFill>
+                          <a:latin typeface="Courier New" pitchFamily="49" charset="0"/>
+                          <a:ea typeface="+mn-ea"/>
+                          <a:cs typeface="Courier New" pitchFamily="49" charset="0"/>
+                        </a:rPr>
+                        <a:t>(</a:t>
+                      </a:r>
+                      <a:r>
+                        <a:rPr lang="en-GB" sz="1600" kern="1200" dirty="0" err="1" smtClean="0">
+                          <a:solidFill>
+                            <a:schemeClr val="dk1"/>
+                          </a:solidFill>
+                          <a:latin typeface="Courier New" pitchFamily="49" charset="0"/>
+                          <a:ea typeface="+mn-ea"/>
+                          <a:cs typeface="Courier New" pitchFamily="49" charset="0"/>
+                        </a:rPr>
+                        <a:t>tmpWs</a:t>
+                      </a:r>
+                      <a:r>
+                        <a:rPr lang="en-GB" sz="1600" kern="1200" dirty="0" smtClean="0">
+                          <a:solidFill>
+                            <a:schemeClr val="dk1"/>
+                          </a:solidFill>
+                          <a:latin typeface="Courier New" pitchFamily="49" charset="0"/>
+                          <a:ea typeface="+mn-ea"/>
+                          <a:cs typeface="Courier New" pitchFamily="49" charset="0"/>
+                        </a:rPr>
+                        <a:t>, </a:t>
+                      </a:r>
+                      <a:r>
+                        <a:rPr lang="en-GB" sz="1600" kern="1200" dirty="0" err="1" smtClean="0">
+                          <a:solidFill>
+                            <a:schemeClr val="dk1"/>
+                          </a:solidFill>
+                          <a:latin typeface="Courier New" pitchFamily="49" charset="0"/>
+                          <a:ea typeface="+mn-ea"/>
+                          <a:cs typeface="Courier New" pitchFamily="49" charset="0"/>
+                        </a:rPr>
+                        <a:t>calFile</a:t>
+                      </a:r>
+                      <a:r>
+                        <a:rPr lang="en-GB" sz="1600" kern="1200" dirty="0" smtClean="0">
+                          <a:solidFill>
+                            <a:schemeClr val="dk1"/>
+                          </a:solidFill>
+                          <a:latin typeface="Courier New" pitchFamily="49" charset="0"/>
+                          <a:ea typeface="+mn-ea"/>
+                          <a:cs typeface="Courier New" pitchFamily="49" charset="0"/>
+                        </a:rPr>
+                        <a:t>)</a:t>
+                      </a:r>
+                    </a:p>
+                    <a:p>
+                      <a:pPr hangingPunct="0"/>
+                      <a:r>
+                        <a:rPr lang="en-GB" sz="1600" kern="1200" dirty="0" err="1" smtClean="0">
+                          <a:solidFill>
+                            <a:schemeClr val="dk1"/>
+                          </a:solidFill>
+                          <a:latin typeface="Courier New" pitchFamily="49" charset="0"/>
+                          <a:ea typeface="+mn-ea"/>
+                          <a:cs typeface="Courier New" pitchFamily="49" charset="0"/>
+                        </a:rPr>
+                        <a:t>wspace</a:t>
+                      </a:r>
+                      <a:r>
+                        <a:rPr lang="en-GB" sz="1600" kern="1200" dirty="0" smtClean="0">
+                          <a:solidFill>
+                            <a:schemeClr val="dk1"/>
+                          </a:solidFill>
+                          <a:latin typeface="Courier New" pitchFamily="49" charset="0"/>
+                          <a:ea typeface="+mn-ea"/>
+                          <a:cs typeface="Courier New" pitchFamily="49" charset="0"/>
+                        </a:rPr>
+                        <a:t> = </a:t>
+                      </a:r>
+                      <a:r>
+                        <a:rPr lang="en-GB" sz="1600" kern="1200" dirty="0" err="1" smtClean="0">
+                          <a:solidFill>
+                            <a:schemeClr val="dk1"/>
+                          </a:solidFill>
+                          <a:latin typeface="Courier New" pitchFamily="49" charset="0"/>
+                          <a:ea typeface="+mn-ea"/>
+                          <a:cs typeface="Courier New" pitchFamily="49" charset="0"/>
+                        </a:rPr>
+                        <a:t>DiffractionFocussing</a:t>
+                      </a:r>
+                      <a:r>
+                        <a:rPr lang="en-GB" sz="1600" kern="1200" dirty="0" smtClean="0">
+                          <a:solidFill>
+                            <a:schemeClr val="dk1"/>
+                          </a:solidFill>
+                          <a:latin typeface="Courier New" pitchFamily="49" charset="0"/>
+                          <a:ea typeface="+mn-ea"/>
+                          <a:cs typeface="Courier New" pitchFamily="49" charset="0"/>
+                        </a:rPr>
+                        <a:t>(</a:t>
+                      </a:r>
+                      <a:r>
+                        <a:rPr lang="en-GB" sz="1600" kern="1200" dirty="0" err="1" smtClean="0">
+                          <a:solidFill>
+                            <a:schemeClr val="dk1"/>
+                          </a:solidFill>
+                          <a:latin typeface="Courier New" pitchFamily="49" charset="0"/>
+                          <a:ea typeface="+mn-ea"/>
+                          <a:cs typeface="Courier New" pitchFamily="49" charset="0"/>
+                        </a:rPr>
+                        <a:t>tmpWs</a:t>
+                      </a:r>
+                      <a:r>
+                        <a:rPr lang="en-GB" sz="1600" kern="1200" dirty="0" smtClean="0">
+                          <a:solidFill>
+                            <a:schemeClr val="dk1"/>
+                          </a:solidFill>
+                          <a:latin typeface="Courier New" pitchFamily="49" charset="0"/>
+                          <a:ea typeface="+mn-ea"/>
+                          <a:cs typeface="Courier New" pitchFamily="49" charset="0"/>
+                        </a:rPr>
+                        <a:t>, </a:t>
+                      </a:r>
+                      <a:r>
+                        <a:rPr lang="en-GB" sz="1600" kern="1200" dirty="0" err="1" smtClean="0">
+                          <a:solidFill>
+                            <a:schemeClr val="dk1"/>
+                          </a:solidFill>
+                          <a:latin typeface="Courier New" pitchFamily="49" charset="0"/>
+                          <a:ea typeface="+mn-ea"/>
+                          <a:cs typeface="Courier New" pitchFamily="49" charset="0"/>
+                        </a:rPr>
+                        <a:t>calFile</a:t>
+                      </a:r>
+                      <a:r>
+                        <a:rPr lang="en-GB" sz="1600" kern="1200" dirty="0" smtClean="0">
+                          <a:solidFill>
+                            <a:schemeClr val="dk1"/>
+                          </a:solidFill>
+                          <a:latin typeface="Courier New" pitchFamily="49" charset="0"/>
+                          <a:ea typeface="+mn-ea"/>
+                          <a:cs typeface="Courier New" pitchFamily="49" charset="0"/>
+                        </a:rPr>
+                        <a:t>) </a:t>
+                      </a:r>
+                    </a:p>
+                    <a:p>
+                      <a:endParaRPr lang="en-GB" sz="1600" dirty="0" smtClean="0">
+                        <a:latin typeface="Courier New" pitchFamily="49" charset="0"/>
+                        <a:cs typeface="Courier New" pitchFamily="49" charset="0"/>
+                      </a:endParaRPr>
+                    </a:p>
+                    <a:p>
+                      <a:endParaRPr lang="en-GB" sz="1600" dirty="0" smtClean="0">
+                        <a:latin typeface="Courier New" pitchFamily="49" charset="0"/>
+                        <a:cs typeface="Courier New" pitchFamily="49" charset="0"/>
+                      </a:endParaRPr>
+                    </a:p>
+                    <a:p>
+                      <a:pPr marL="0" marR="0" indent="0" algn="l" defTabSz="914400" rtl="0" eaLnBrk="1" fontAlgn="auto" latinLnBrk="0" hangingPunct="1">
+                        <a:lnSpc>
+                          <a:spcPct val="100000"/>
+                        </a:lnSpc>
+                        <a:spcBef>
+                          <a:spcPts val="0"/>
+                        </a:spcBef>
+                        <a:spcAft>
+                          <a:spcPts val="0"/>
+                        </a:spcAft>
+                        <a:buClrTx/>
+                        <a:buSzTx/>
+                        <a:buFontTx/>
+                        <a:buNone/>
+                        <a:tabLst/>
+                        <a:defRPr/>
+                      </a:pPr>
+                      <a:r>
+                        <a:rPr lang="en-GB" sz="1600" kern="1200" dirty="0" err="1" smtClean="0">
+                          <a:solidFill>
+                            <a:schemeClr val="dk1"/>
+                          </a:solidFill>
+                          <a:latin typeface="Courier New" pitchFamily="49" charset="0"/>
+                          <a:ea typeface="+mn-ea"/>
+                          <a:cs typeface="Courier New" pitchFamily="49" charset="0"/>
+                        </a:rPr>
+                        <a:t>mtd.sendLogMessage</a:t>
+                      </a:r>
+                      <a:r>
+                        <a:rPr lang="en-GB" sz="1600" kern="1200" dirty="0" smtClean="0">
+                          <a:solidFill>
+                            <a:schemeClr val="dk1"/>
+                          </a:solidFill>
+                          <a:latin typeface="Courier New" pitchFamily="49" charset="0"/>
+                          <a:ea typeface="+mn-ea"/>
+                          <a:cs typeface="Courier New" pitchFamily="49" charset="0"/>
+                        </a:rPr>
+                        <a:t>("Result</a:t>
+                      </a:r>
+                      <a:r>
+                        <a:rPr lang="en-GB" sz="1600" kern="1200" baseline="0" dirty="0" smtClean="0">
+                          <a:solidFill>
+                            <a:schemeClr val="dk1"/>
+                          </a:solidFill>
+                          <a:latin typeface="Courier New" pitchFamily="49" charset="0"/>
+                          <a:ea typeface="+mn-ea"/>
+                          <a:cs typeface="Courier New" pitchFamily="49" charset="0"/>
+                        </a:rPr>
+                        <a:t> workspace</a:t>
+                      </a:r>
+                      <a:r>
+                        <a:rPr lang="en-GB" sz="1600" kern="1200" dirty="0" smtClean="0">
+                          <a:solidFill>
+                            <a:schemeClr val="dk1"/>
+                          </a:solidFill>
+                          <a:latin typeface="Courier New" pitchFamily="49" charset="0"/>
+                          <a:ea typeface="+mn-ea"/>
+                          <a:cs typeface="Courier New" pitchFamily="49" charset="0"/>
+                        </a:rPr>
+                        <a:t>="+</a:t>
+                      </a:r>
+                      <a:r>
+                        <a:rPr lang="en-GB" sz="1600" kern="1200" dirty="0" err="1" smtClean="0">
+                          <a:solidFill>
+                            <a:schemeClr val="dk1"/>
+                          </a:solidFill>
+                          <a:latin typeface="Courier New" pitchFamily="49" charset="0"/>
+                          <a:ea typeface="+mn-ea"/>
+                          <a:cs typeface="Courier New" pitchFamily="49" charset="0"/>
+                        </a:rPr>
+                        <a:t>str</a:t>
+                      </a:r>
+                      <a:r>
+                        <a:rPr lang="en-GB" sz="1600" kern="1200" dirty="0" smtClean="0">
+                          <a:solidFill>
+                            <a:schemeClr val="dk1"/>
+                          </a:solidFill>
+                          <a:latin typeface="Courier New" pitchFamily="49" charset="0"/>
+                          <a:ea typeface="+mn-ea"/>
+                          <a:cs typeface="Courier New" pitchFamily="49" charset="0"/>
+                        </a:rPr>
+                        <a:t>(</a:t>
+                      </a:r>
+                      <a:r>
+                        <a:rPr lang="en-GB" sz="1600" kern="1200" dirty="0" err="1" smtClean="0">
+                          <a:solidFill>
+                            <a:schemeClr val="dk1"/>
+                          </a:solidFill>
+                          <a:latin typeface="Courier New" pitchFamily="49" charset="0"/>
+                          <a:ea typeface="+mn-ea"/>
+                          <a:cs typeface="Courier New" pitchFamily="49" charset="0"/>
+                        </a:rPr>
+                        <a:t>wspace</a:t>
+                      </a:r>
+                      <a:r>
+                        <a:rPr lang="en-GB" sz="1600" kern="1200" dirty="0" smtClean="0">
+                          <a:solidFill>
+                            <a:schemeClr val="dk1"/>
+                          </a:solidFill>
+                          <a:latin typeface="Courier New" pitchFamily="49" charset="0"/>
+                          <a:ea typeface="+mn-ea"/>
+                          <a:cs typeface="Courier New" pitchFamily="49" charset="0"/>
+                        </a:rPr>
+                        <a:t>))</a:t>
+                      </a:r>
+                    </a:p>
+                    <a:p>
+                      <a:endParaRPr lang="en-GB" sz="1600" dirty="0" smtClean="0">
+                        <a:latin typeface="Courier New" pitchFamily="49" charset="0"/>
+                        <a:cs typeface="Courier New" pitchFamily="49" charset="0"/>
+                      </a:endParaRPr>
+                    </a:p>
+                    <a:p>
+                      <a:pPr hangingPunct="0"/>
+                      <a:r>
+                        <a:rPr lang="en-GB" sz="1600" kern="1200" dirty="0" smtClean="0">
+                          <a:solidFill>
+                            <a:schemeClr val="dk1"/>
+                          </a:solidFill>
+                          <a:latin typeface="Courier New" pitchFamily="49" charset="0"/>
+                          <a:ea typeface="+mn-ea"/>
+                          <a:cs typeface="Courier New" pitchFamily="49" charset="0"/>
+                        </a:rPr>
+                        <a:t>#need to delete the temp workspace names</a:t>
+                      </a:r>
+                    </a:p>
+                    <a:p>
+                      <a:pPr hangingPunct="0"/>
+                      <a:r>
+                        <a:rPr lang="en-GB" sz="1600" kern="1200" dirty="0" err="1" smtClean="0">
+                          <a:solidFill>
+                            <a:schemeClr val="dk1"/>
+                          </a:solidFill>
+                          <a:latin typeface="Courier New" pitchFamily="49" charset="0"/>
+                          <a:ea typeface="+mn-ea"/>
+                          <a:cs typeface="Courier New" pitchFamily="49" charset="0"/>
+                        </a:rPr>
+                        <a:t>DeleteWorkspace</a:t>
+                      </a:r>
+                      <a:r>
+                        <a:rPr lang="en-GB" sz="1600" kern="1200" dirty="0" smtClean="0">
+                          <a:solidFill>
+                            <a:schemeClr val="dk1"/>
+                          </a:solidFill>
+                          <a:latin typeface="Courier New" pitchFamily="49" charset="0"/>
+                          <a:ea typeface="+mn-ea"/>
+                          <a:cs typeface="Courier New" pitchFamily="49" charset="0"/>
+                        </a:rPr>
+                        <a:t>(</a:t>
+                      </a:r>
+                      <a:r>
+                        <a:rPr lang="en-GB" sz="1600" kern="1200" dirty="0" err="1" smtClean="0">
+                          <a:solidFill>
+                            <a:schemeClr val="dk1"/>
+                          </a:solidFill>
+                          <a:latin typeface="Courier New" pitchFamily="49" charset="0"/>
+                          <a:ea typeface="+mn-ea"/>
+                          <a:cs typeface="Courier New" pitchFamily="49" charset="0"/>
+                        </a:rPr>
+                        <a:t>tmpWs</a:t>
+                      </a:r>
+                      <a:r>
+                        <a:rPr lang="en-GB" sz="1600" kern="1200" dirty="0" smtClean="0">
+                          <a:solidFill>
+                            <a:schemeClr val="dk1"/>
+                          </a:solidFill>
+                          <a:latin typeface="Courier New" pitchFamily="49" charset="0"/>
+                          <a:ea typeface="+mn-ea"/>
+                          <a:cs typeface="Courier New" pitchFamily="49" charset="0"/>
+                        </a:rPr>
+                        <a:t>)</a:t>
+                      </a:r>
+                    </a:p>
+                    <a:p>
+                      <a:endParaRPr lang="en-GB" sz="1600" dirty="0">
+                        <a:latin typeface="Courier New" pitchFamily="49" charset="0"/>
+                        <a:cs typeface="Courier New" pitchFamily="49" charset="0"/>
+                      </a:endParaRPr>
+                    </a:p>
+                  </a:txBody>
+                  <a:tcPr/>
+                </a:tc>
+              </a:tr>
+            </a:tbl>
+          </a:graphicData>
+        </a:graphic>
+      </p:graphicFrame>
     </p:spTree>
   </p:cSld>
   <p:clrMapOvr>
@@ -7420,19 +9718,6 @@
 </file>
 
 <file path=customXml/item1.xml><?xml version="1.0" encoding="utf-8"?>
-<LongProperties xmlns="http://schemas.microsoft.com/office/2006/metadata/longProperties"/>
-</file>
-
-<file path=customXml/item2.xml><?xml version="1.0" encoding="utf-8"?>
-<?mso-contentType ?>
-<FormTemplates xmlns="http://schemas.microsoft.com/sharepoint/v3/contenttype/forms">
-  <Display>DocumentLibraryForm</Display>
-  <Edit>DocumentLibraryForm</Edit>
-  <New>DocumentLibraryForm</New>
-</FormTemplates>
-</file>
-
-<file path=customXml/item3.xml><?xml version="1.0" encoding="utf-8"?>
 <ct:contentTypeSchema xmlns:ct="http://schemas.microsoft.com/office/2006/metadata/contentType" xmlns:ma="http://schemas.microsoft.com/office/2006/metadata/properties/metaAttributes" ct:_="" ma:_="" ma:contentTypeName="Document" ma:contentTypeID="0x0101000BFEB35FB51C0F42A9A471BD9DD2DD1B" ma:contentTypeVersion="1" ma:contentTypeDescription="Create a new document." ma:contentTypeScope="" ma:versionID="35a5236f1a4e3acf6a385f2c1bfe2746">
   <xsd:schema xmlns:xsd="http://www.w3.org/2001/XMLSchema" xmlns:xs="http://www.w3.org/2001/XMLSchema" xmlns:p="http://schemas.microsoft.com/office/2006/metadata/properties" xmlns:ns1="http://schemas.microsoft.com/sharepoint/v3" targetNamespace="http://schemas.microsoft.com/office/2006/metadata/properties" ma:root="true" ma:fieldsID="a447206dab0015f8b9f8924535193e8c" ns1:_="">
     <xsd:import namespace="http://schemas.microsoft.com/sharepoint/v3"/>
@@ -7564,6 +9849,19 @@
 </ct:contentTypeSchema>
 </file>
 
+<file path=customXml/item2.xml><?xml version="1.0" encoding="utf-8"?>
+<?mso-contentType ?>
+<FormTemplates xmlns="http://schemas.microsoft.com/sharepoint/v3/contenttype/forms">
+  <Display>DocumentLibraryForm</Display>
+  <Edit>DocumentLibraryForm</Edit>
+  <New>DocumentLibraryForm</New>
+</FormTemplates>
+</file>
+
+<file path=customXml/item3.xml><?xml version="1.0" encoding="utf-8"?>
+<LongProperties xmlns="http://schemas.microsoft.com/office/2006/metadata/longProperties"/>
+</file>
+
 <file path=customXml/item4.xml><?xml version="1.0" encoding="utf-8"?>
 <p:properties xmlns:p="http://schemas.microsoft.com/office/2006/metadata/properties" xmlns:xsi="http://www.w3.org/2001/XMLSchema-instance">
   <documentManagement>
@@ -7574,22 +9872,6 @@
 </file>
 
 <file path=customXml/itemProps1.xml><?xml version="1.0" encoding="utf-8"?>
-<ds:datastoreItem xmlns:ds="http://schemas.openxmlformats.org/officeDocument/2006/customXml" ds:itemID="{5593874F-BA98-4A0D-88E6-76DECBDFE515}">
-  <ds:schemaRefs>
-    <ds:schemaRef ds:uri="http://schemas.microsoft.com/office/2006/metadata/longProperties"/>
-  </ds:schemaRefs>
-</ds:datastoreItem>
-</file>
-
-<file path=customXml/itemProps2.xml><?xml version="1.0" encoding="utf-8"?>
-<ds:datastoreItem xmlns:ds="http://schemas.openxmlformats.org/officeDocument/2006/customXml" ds:itemID="{BB870582-39B3-4EE1-B4C9-D3C3087CF0F0}">
-  <ds:schemaRefs>
-    <ds:schemaRef ds:uri="http://schemas.microsoft.com/sharepoint/v3/contenttype/forms"/>
-  </ds:schemaRefs>
-</ds:datastoreItem>
-</file>
-
-<file path=customXml/itemProps3.xml><?xml version="1.0" encoding="utf-8"?>
 <ds:datastoreItem xmlns:ds="http://schemas.openxmlformats.org/officeDocument/2006/customXml" ds:itemID="{3B5FA4EA-6C34-4AED-AF36-BD45CB995C14}">
   <ds:schemaRefs>
     <ds:schemaRef ds:uri="http://schemas.microsoft.com/office/2006/metadata/contentType"/>
@@ -7607,6 +9889,22 @@
 </ds:datastoreItem>
 </file>
 
+<file path=customXml/itemProps2.xml><?xml version="1.0" encoding="utf-8"?>
+<ds:datastoreItem xmlns:ds="http://schemas.openxmlformats.org/officeDocument/2006/customXml" ds:itemID="{BB870582-39B3-4EE1-B4C9-D3C3087CF0F0}">
+  <ds:schemaRefs>
+    <ds:schemaRef ds:uri="http://schemas.microsoft.com/sharepoint/v3/contenttype/forms"/>
+  </ds:schemaRefs>
+</ds:datastoreItem>
+</file>
+
+<file path=customXml/itemProps3.xml><?xml version="1.0" encoding="utf-8"?>
+<ds:datastoreItem xmlns:ds="http://schemas.openxmlformats.org/officeDocument/2006/customXml" ds:itemID="{5593874F-BA98-4A0D-88E6-76DECBDFE515}">
+  <ds:schemaRefs>
+    <ds:schemaRef ds:uri="http://schemas.microsoft.com/office/2006/metadata/longProperties"/>
+  </ds:schemaRefs>
+</ds:datastoreItem>
+</file>
+
 <file path=customXml/itemProps4.xml><?xml version="1.0" encoding="utf-8"?>
 <ds:datastoreItem xmlns:ds="http://schemas.openxmlformats.org/officeDocument/2006/customXml" ds:itemID="{BBE466B2-E11B-4338-AFEC-553026806900}">
   <ds:schemaRefs>

--- a/Presentations/NOBUGS 2012/Posters/Deep Integration With Python/Deep Integration With Python.pptx
+++ b/Presentations/NOBUGS 2012/Posters/Deep Integration With Python/Deep Integration With Python.pptx
@@ -3174,16 +3174,30 @@
                           <a:ea typeface="+mn-ea"/>
                           <a:cs typeface="Arial" pitchFamily="34" charset="0"/>
                         </a:rPr>
-                        <a:t>Mantid version 1.x contained a Python API that provided users with the ability to automate their reduction tasks but the API was not the most intuitive to use. While Mantid was gaining ground in usage across ISIS &amp; ORNL a consultation was started with existing users with the aim of improving the long-term usability of the interface. Mantid version 2.0 saw the introduction of a new Python interface that retains the abilities to let users write complex processing scripts that mix the Mantid API with any available Python package. </a:t>
-                      </a:r>
-                      <a:endParaRPr lang="en-GB" sz="2400" kern="1200" dirty="0" smtClean="0">
-                        <a:solidFill>
-                          <a:schemeClr val="tx1"/>
-                        </a:solidFill>
-                        <a:latin typeface="Arial" pitchFamily="34" charset="0"/>
-                        <a:ea typeface="+mn-ea"/>
-                        <a:cs typeface="Arial" pitchFamily="34" charset="0"/>
-                      </a:endParaRPr>
+                        <a:t>Mantid version 1.x contained a Python API that provided users with the ability to automate their reduction tasks but the API was not the most intuitive to use. While Mantid was gaining ground in usage across ISIS &amp; ORNL a consultation was started with existing users with the aim of improving the long-term usability of the interface. Mantid version 2.0 saw the introduction of a new Python interface that retains the abilities to let users write complex processing scripts that mix </a:t>
+                      </a:r>
+                      <a:r>
+                        <a:rPr lang="en-GB" sz="2400" kern="1200" dirty="0" smtClean="0">
+                          <a:solidFill>
+                            <a:schemeClr val="tx1"/>
+                          </a:solidFill>
+                          <a:latin typeface="Arial" pitchFamily="34" charset="0"/>
+                          <a:ea typeface="+mn-ea"/>
+                          <a:cs typeface="Arial" pitchFamily="34" charset="0"/>
+                        </a:rPr>
+                        <a:t>this </a:t>
+                      </a:r>
+                      <a:r>
+                        <a:rPr lang="en-GB" sz="2400" kern="1200" dirty="0" smtClean="0">
+                          <a:solidFill>
+                            <a:schemeClr val="tx1"/>
+                          </a:solidFill>
+                          <a:latin typeface="Arial" pitchFamily="34" charset="0"/>
+                          <a:ea typeface="+mn-ea"/>
+                          <a:cs typeface="Arial" pitchFamily="34" charset="0"/>
+                        </a:rPr>
+                        <a:t>Mantid API with any available Python package. </a:t>
+                      </a:r>
                     </a:p>
                     <a:p>
                       <a:pPr marL="0" marR="0" lvl="0" indent="0" algn="l" defTabSz="4173538" rtl="0" eaLnBrk="1" fontAlgn="base" latinLnBrk="0" hangingPunct="1">
@@ -3670,7 +3684,29 @@
                           <a:ea typeface="+mn-ea"/>
                           <a:cs typeface="Arial" pitchFamily="34" charset="0"/>
                         </a:rPr>
-                        <a:t>onverting C++ types to Python types using the Python C API, i.e. C++</a:t>
+                        <a:t>onverting C++ types to Python types using the Python C API, </a:t>
+                      </a:r>
+                      <a:r>
+                        <a:rPr lang="en-GB" sz="2400" kern="1200" dirty="0" smtClean="0">
+                          <a:solidFill>
+                            <a:schemeClr val="tx1"/>
+                          </a:solidFill>
+                          <a:latin typeface="Arial" pitchFamily="34" charset="0"/>
+                          <a:ea typeface="+mn-ea"/>
+                          <a:cs typeface="Arial" pitchFamily="34" charset="0"/>
+                        </a:rPr>
+                        <a:t>e.g. </a:t>
+                      </a:r>
+                      <a:r>
+                        <a:rPr lang="en-GB" sz="2400" kern="1200" dirty="0" smtClean="0">
+                          <a:solidFill>
+                            <a:schemeClr val="tx1"/>
+                          </a:solidFill>
+                          <a:latin typeface="Arial" pitchFamily="34" charset="0"/>
+                          <a:ea typeface="+mn-ea"/>
+                          <a:cs typeface="Arial" pitchFamily="34" charset="0"/>
+                        </a:rPr>
+                        <a:t>C++</a:t>
                       </a:r>
                       <a:r>
                         <a:rPr lang="en-GB" sz="2400" kern="1200" baseline="0" dirty="0" smtClean="0">
@@ -4226,7 +4262,37 @@
                           <a:ea typeface="+mn-ea"/>
                           <a:cs typeface="Arial" pitchFamily="34" charset="0"/>
                         </a:rPr>
-                        <a:t>Any change like this to existing software with an established user base need to be introduced carefully, ensuring the users can continue to use or update easily any existing scripts they already rely on.  Therefore within Mantid we support both the old and new APIs, and can switch between them easily with a single command.</a:t>
+                        <a:t>Any change like this to existing software with an established user base need to be introduced carefully, ensuring the users can continue to use or update </a:t>
+                      </a:r>
+                      <a:r>
+                        <a:rPr kumimoji="0" lang="en-GB" sz="2400" b="0" i="0" u="none" strike="noStrike" kern="1200" cap="none" normalizeH="0" baseline="0" dirty="0" smtClean="0">
+                          <a:ln>
+                            <a:noFill/>
+                          </a:ln>
+                          <a:solidFill>
+                            <a:schemeClr val="tx1"/>
+                          </a:solidFill>
+                          <a:effectLst/>
+                          <a:latin typeface="Arial" pitchFamily="34" charset="0"/>
+                          <a:ea typeface="+mn-ea"/>
+                          <a:cs typeface="Arial" pitchFamily="34" charset="0"/>
+                        </a:rPr>
+                        <a:t>any </a:t>
+                      </a:r>
+                      <a:r>
+                        <a:rPr kumimoji="0" lang="en-GB" sz="2400" b="0" i="0" u="none" strike="noStrike" kern="1200" cap="none" normalizeH="0" baseline="0" dirty="0" smtClean="0">
+                          <a:ln>
+                            <a:noFill/>
+                          </a:ln>
+                          <a:solidFill>
+                            <a:schemeClr val="tx1"/>
+                          </a:solidFill>
+                          <a:effectLst/>
+                          <a:latin typeface="Arial" pitchFamily="34" charset="0"/>
+                          <a:ea typeface="+mn-ea"/>
+                          <a:cs typeface="Arial" pitchFamily="34" charset="0"/>
+                        </a:rPr>
+                        <a:t>existing scripts they already rely on.  Therefore within Mantid we support both the old and new APIs, and can switch between them easily with a single command.</a:t>
                       </a:r>
                     </a:p>
                     <a:p>
@@ -4748,7 +4814,40 @@
                           <a:ea typeface="+mn-ea"/>
                           <a:cs typeface="Arial" pitchFamily="34" charset="0"/>
                         </a:rPr>
-                        <a:t>In Mantid most users run a set of C++ algorithms to perform their reduction/analysis. Access to the “raw” data from each computation though is a must have. To provide this there are several solutions:</a:t>
+                        <a:t>In Mantid most users run a set of C++ algorithms to perform their reduction/analysis. Access to the “raw” data from each </a:t>
+                      </a:r>
+                      <a:r>
+                        <a:rPr lang="en-GB" sz="2400" kern="1200" baseline="0" smtClean="0">
+                          <a:solidFill>
+                            <a:schemeClr val="tx1"/>
+                          </a:solidFill>
+                          <a:latin typeface="Arial" pitchFamily="34" charset="0"/>
+                          <a:ea typeface="+mn-ea"/>
+                          <a:cs typeface="Arial" pitchFamily="34" charset="0"/>
+                        </a:rPr>
+                        <a:t>computation </a:t>
+                      </a:r>
+                      <a:r>
+                        <a:rPr lang="en-GB" sz="2400" kern="1200" baseline="0" smtClean="0">
+                          <a:solidFill>
+                            <a:schemeClr val="tx1"/>
+                          </a:solidFill>
+                          <a:latin typeface="Arial" pitchFamily="34" charset="0"/>
+                          <a:ea typeface="+mn-ea"/>
+                          <a:cs typeface="Arial" pitchFamily="34" charset="0"/>
+                        </a:rPr>
+                        <a:t>step is </a:t>
+                      </a:r>
+                      <a:r>
+                        <a:rPr lang="en-GB" sz="2400" kern="1200" baseline="0" dirty="0" smtClean="0">
+                          <a:solidFill>
+                            <a:schemeClr val="tx1"/>
+                          </a:solidFill>
+                          <a:latin typeface="Arial" pitchFamily="34" charset="0"/>
+                          <a:ea typeface="+mn-ea"/>
+                          <a:cs typeface="Arial" pitchFamily="34" charset="0"/>
+                        </a:rPr>
+                        <a:t>a must have. To provide this there are several solutions:</a:t>
                       </a:r>
                     </a:p>
                     <a:p>
@@ -6844,8 +6943,17 @@
               <a:rPr lang="en-GB" sz="6000" b="1" dirty="0" smtClean="0">
                 <a:latin typeface="Corisande" pitchFamily="2" charset="0"/>
               </a:rPr>
-              <a:t>Deep Integration With Python - </a:t>
+              <a:t>Deep Integration With </a:t>
             </a:r>
+            <a:r>
+              <a:rPr lang="en-GB" sz="6000" b="1" dirty="0" smtClean="0">
+                <a:latin typeface="Corisande" pitchFamily="2" charset="0"/>
+              </a:rPr>
+              <a:t>Python </a:t>
+            </a:r>
+            <a:endParaRPr lang="en-GB" sz="6000" b="1" dirty="0" smtClean="0">
+              <a:latin typeface="Corisande" pitchFamily="2" charset="0"/>
+            </a:endParaRPr>
           </a:p>
           <a:p>
             <a:pPr algn="ctr"/>
@@ -9718,6 +9826,19 @@
 </file>
 
 <file path=customXml/item1.xml><?xml version="1.0" encoding="utf-8"?>
+<LongProperties xmlns="http://schemas.microsoft.com/office/2006/metadata/longProperties"/>
+</file>
+
+<file path=customXml/item2.xml><?xml version="1.0" encoding="utf-8"?>
+<?mso-contentType ?>
+<FormTemplates xmlns="http://schemas.microsoft.com/sharepoint/v3/contenttype/forms">
+  <Display>DocumentLibraryForm</Display>
+  <Edit>DocumentLibraryForm</Edit>
+  <New>DocumentLibraryForm</New>
+</FormTemplates>
+</file>
+
+<file path=customXml/item3.xml><?xml version="1.0" encoding="utf-8"?>
 <ct:contentTypeSchema xmlns:ct="http://schemas.microsoft.com/office/2006/metadata/contentType" xmlns:ma="http://schemas.microsoft.com/office/2006/metadata/properties/metaAttributes" ct:_="" ma:_="" ma:contentTypeName="Document" ma:contentTypeID="0x0101000BFEB35FB51C0F42A9A471BD9DD2DD1B" ma:contentTypeVersion="1" ma:contentTypeDescription="Create a new document." ma:contentTypeScope="" ma:versionID="35a5236f1a4e3acf6a385f2c1bfe2746">
   <xsd:schema xmlns:xsd="http://www.w3.org/2001/XMLSchema" xmlns:xs="http://www.w3.org/2001/XMLSchema" xmlns:p="http://schemas.microsoft.com/office/2006/metadata/properties" xmlns:ns1="http://schemas.microsoft.com/sharepoint/v3" targetNamespace="http://schemas.microsoft.com/office/2006/metadata/properties" ma:root="true" ma:fieldsID="a447206dab0015f8b9f8924535193e8c" ns1:_="">
     <xsd:import namespace="http://schemas.microsoft.com/sharepoint/v3"/>
@@ -9849,19 +9970,6 @@
 </ct:contentTypeSchema>
 </file>
 
-<file path=customXml/item2.xml><?xml version="1.0" encoding="utf-8"?>
-<?mso-contentType ?>
-<FormTemplates xmlns="http://schemas.microsoft.com/sharepoint/v3/contenttype/forms">
-  <Display>DocumentLibraryForm</Display>
-  <Edit>DocumentLibraryForm</Edit>
-  <New>DocumentLibraryForm</New>
-</FormTemplates>
-</file>
-
-<file path=customXml/item3.xml><?xml version="1.0" encoding="utf-8"?>
-<LongProperties xmlns="http://schemas.microsoft.com/office/2006/metadata/longProperties"/>
-</file>
-
 <file path=customXml/item4.xml><?xml version="1.0" encoding="utf-8"?>
 <p:properties xmlns:p="http://schemas.microsoft.com/office/2006/metadata/properties" xmlns:xsi="http://www.w3.org/2001/XMLSchema-instance">
   <documentManagement>
@@ -9872,6 +9980,22 @@
 </file>
 
 <file path=customXml/itemProps1.xml><?xml version="1.0" encoding="utf-8"?>
+<ds:datastoreItem xmlns:ds="http://schemas.openxmlformats.org/officeDocument/2006/customXml" ds:itemID="{5593874F-BA98-4A0D-88E6-76DECBDFE515}">
+  <ds:schemaRefs>
+    <ds:schemaRef ds:uri="http://schemas.microsoft.com/office/2006/metadata/longProperties"/>
+  </ds:schemaRefs>
+</ds:datastoreItem>
+</file>
+
+<file path=customXml/itemProps2.xml><?xml version="1.0" encoding="utf-8"?>
+<ds:datastoreItem xmlns:ds="http://schemas.openxmlformats.org/officeDocument/2006/customXml" ds:itemID="{BB870582-39B3-4EE1-B4C9-D3C3087CF0F0}">
+  <ds:schemaRefs>
+    <ds:schemaRef ds:uri="http://schemas.microsoft.com/sharepoint/v3/contenttype/forms"/>
+  </ds:schemaRefs>
+</ds:datastoreItem>
+</file>
+
+<file path=customXml/itemProps3.xml><?xml version="1.0" encoding="utf-8"?>
 <ds:datastoreItem xmlns:ds="http://schemas.openxmlformats.org/officeDocument/2006/customXml" ds:itemID="{3B5FA4EA-6C34-4AED-AF36-BD45CB995C14}">
   <ds:schemaRefs>
     <ds:schemaRef ds:uri="http://schemas.microsoft.com/office/2006/metadata/contentType"/>
@@ -9889,22 +10013,6 @@
 </ds:datastoreItem>
 </file>
 
-<file path=customXml/itemProps2.xml><?xml version="1.0" encoding="utf-8"?>
-<ds:datastoreItem xmlns:ds="http://schemas.openxmlformats.org/officeDocument/2006/customXml" ds:itemID="{BB870582-39B3-4EE1-B4C9-D3C3087CF0F0}">
-  <ds:schemaRefs>
-    <ds:schemaRef ds:uri="http://schemas.microsoft.com/sharepoint/v3/contenttype/forms"/>
-  </ds:schemaRefs>
-</ds:datastoreItem>
-</file>
-
-<file path=customXml/itemProps3.xml><?xml version="1.0" encoding="utf-8"?>
-<ds:datastoreItem xmlns:ds="http://schemas.openxmlformats.org/officeDocument/2006/customXml" ds:itemID="{5593874F-BA98-4A0D-88E6-76DECBDFE515}">
-  <ds:schemaRefs>
-    <ds:schemaRef ds:uri="http://schemas.microsoft.com/office/2006/metadata/longProperties"/>
-  </ds:schemaRefs>
-</ds:datastoreItem>
-</file>
-
 <file path=customXml/itemProps4.xml><?xml version="1.0" encoding="utf-8"?>
 <ds:datastoreItem xmlns:ds="http://schemas.openxmlformats.org/officeDocument/2006/customXml" ds:itemID="{BBE466B2-E11B-4338-AFEC-553026806900}">
   <ds:schemaRefs>
